--- a/Presentation/Assisted Living.pptx
+++ b/Presentation/Assisted Living.pptx
@@ -6,8 +6,8 @@
   </p:sldMasterIdLst>
   <p:sldIdLst>
     <p:sldId id="256" r:id="rId2"/>
-    <p:sldId id="257" r:id="rId3"/>
-    <p:sldId id="258" r:id="rId4"/>
+    <p:sldId id="259" r:id="rId3"/>
+    <p:sldId id="260" r:id="rId4"/>
   </p:sldIdLst>
   <p:sldSz cx="12192000" cy="6858000"/>
   <p:notesSz cx="6858000" cy="9144000"/>
@@ -209,7 +209,7 @@
           <a:effectLst/>
           <a:extLst>
             <a:ext uri="{91240B29-F687-4f45-9708-019B960494DF}">
-              <a14:hiddenLine xmlns="" xmlns:a14="http://schemas.microsoft.com/office/drawing/2010/main" w="9525">
+              <a14:hiddenLine xmlns:a14="http://schemas.microsoft.com/office/drawing/2010/main" xmlns="" w="9525">
                 <a:solidFill>
                   <a:srgbClr val="000000"/>
                 </a:solidFill>
@@ -1737,7 +1737,7 @@
           <a:ln/>
           <a:extLst>
             <a:ext uri="{91240B29-F687-4f45-9708-019B960494DF}">
-              <a14:hiddenLine xmlns="" xmlns:a14="http://schemas.microsoft.com/office/drawing/2010/main" w="9525">
+              <a14:hiddenLine xmlns:a14="http://schemas.microsoft.com/office/drawing/2010/main" xmlns="" w="9525">
                 <a:solidFill>
                   <a:srgbClr val="000000"/>
                 </a:solidFill>
@@ -2012,7 +2012,7 @@
           <a:ln/>
           <a:extLst>
             <a:ext uri="{91240B29-F687-4f45-9708-019B960494DF}">
-              <a14:hiddenLine xmlns="" xmlns:a14="http://schemas.microsoft.com/office/drawing/2010/main" w="9525">
+              <a14:hiddenLine xmlns:a14="http://schemas.microsoft.com/office/drawing/2010/main" xmlns="" w="9525">
                 <a:solidFill>
                   <a:srgbClr val="000000"/>
                 </a:solidFill>
@@ -2295,7 +2295,7 @@
           <a:ln/>
           <a:extLst>
             <a:ext uri="{91240B29-F687-4f45-9708-019B960494DF}">
-              <a14:hiddenLine xmlns="" xmlns:a14="http://schemas.microsoft.com/office/drawing/2010/main" w="9525">
+              <a14:hiddenLine xmlns:a14="http://schemas.microsoft.com/office/drawing/2010/main" xmlns="" w="9525">
                 <a:solidFill>
                   <a:srgbClr val="000000"/>
                 </a:solidFill>
@@ -2341,8 +2341,9 @@
           <a:bodyPr/>
           <a:lstStyle>
             <a:lvl1pPr>
-              <a:defRPr sz="6600">
-                <a:latin typeface="Munro Narrow" pitchFamily="2" charset="0"/>
+              <a:defRPr sz="4800">
+                <a:latin typeface="Roboto Thin" pitchFamily="2" charset="0"/>
+                <a:ea typeface="Roboto Thin" pitchFamily="2" charset="0"/>
               </a:defRPr>
             </a:lvl1pPr>
           </a:lstStyle>
@@ -2927,7 +2928,7 @@
           <a:ln/>
           <a:extLst>
             <a:ext uri="{91240B29-F687-4f45-9708-019B960494DF}">
-              <a14:hiddenLine xmlns="" xmlns:a14="http://schemas.microsoft.com/office/drawing/2010/main" w="9525">
+              <a14:hiddenLine xmlns:a14="http://schemas.microsoft.com/office/drawing/2010/main" xmlns="" w="9525">
                 <a:solidFill>
                   <a:srgbClr val="000000"/>
                 </a:solidFill>
@@ -3266,7 +3267,7 @@
           <a:ln/>
           <a:extLst>
             <a:ext uri="{91240B29-F687-4f45-9708-019B960494DF}">
-              <a14:hiddenLine xmlns="" xmlns:a14="http://schemas.microsoft.com/office/drawing/2010/main" w="9525">
+              <a14:hiddenLine xmlns:a14="http://schemas.microsoft.com/office/drawing/2010/main" xmlns="" w="9525">
                 <a:solidFill>
                   <a:srgbClr val="000000"/>
                 </a:solidFill>
@@ -3743,7 +3744,7 @@
           <a:ln/>
           <a:extLst>
             <a:ext uri="{91240B29-F687-4f45-9708-019B960494DF}">
-              <a14:hiddenLine xmlns="" xmlns:a14="http://schemas.microsoft.com/office/drawing/2010/main" w="9525">
+              <a14:hiddenLine xmlns:a14="http://schemas.microsoft.com/office/drawing/2010/main" xmlns="" w="9525">
                 <a:solidFill>
                   <a:srgbClr val="000000"/>
                 </a:solidFill>
@@ -4174,7 +4175,7 @@
           <a:ln/>
           <a:extLst>
             <a:ext uri="{91240B29-F687-4f45-9708-019B960494DF}">
-              <a14:hiddenLine xmlns="" xmlns:a14="http://schemas.microsoft.com/office/drawing/2010/main" w="9525">
+              <a14:hiddenLine xmlns:a14="http://schemas.microsoft.com/office/drawing/2010/main" xmlns="" w="9525">
                 <a:solidFill>
                   <a:srgbClr val="000000"/>
                 </a:solidFill>
@@ -5427,13 +5428,15 @@
           <a:lstStyle/>
           <a:p>
             <a:r>
-              <a:rPr lang="en-US" sz="11500" dirty="0" smtClean="0">
-                <a:latin typeface="Munro" pitchFamily="2" charset="0"/>
+              <a:rPr lang="en-US" sz="9600" dirty="0" smtClean="0">
+                <a:latin typeface="Roboto Thin" pitchFamily="2" charset="0"/>
+                <a:ea typeface="Roboto Thin" pitchFamily="2" charset="0"/>
               </a:rPr>
               <a:t>ASSISTED LIVING PROJECT</a:t>
             </a:r>
-            <a:endParaRPr lang="en-US" sz="11500" dirty="0">
-              <a:latin typeface="Munro" pitchFamily="2" charset="0"/>
+            <a:endParaRPr lang="en-US" sz="9600" dirty="0">
+              <a:latin typeface="Roboto Thin" pitchFamily="2" charset="0"/>
+              <a:ea typeface="Roboto Thin" pitchFamily="2" charset="0"/>
             </a:endParaRPr>
           </a:p>
         </p:txBody>
@@ -5516,26 +5519,10 @@
           <a:lstStyle/>
           <a:p>
             <a:r>
-              <a:rPr lang="en-US" sz="7200" dirty="0" smtClean="0">
-                <a:latin typeface="Munro" pitchFamily="2" charset="0"/>
-              </a:rPr>
-              <a:t>0VERVIEW 0F </a:t>
-            </a:r>
-            <a:r>
-              <a:rPr lang="en-US" sz="7200" dirty="0" smtClean="0">
-                <a:latin typeface="Munro" pitchFamily="2" charset="0"/>
-              </a:rPr>
-              <a:t>CURRENT </a:t>
-            </a:r>
-            <a:r>
-              <a:rPr lang="en-US" sz="7200" dirty="0" smtClean="0">
-                <a:latin typeface="Munro" pitchFamily="2" charset="0"/>
-              </a:rPr>
-              <a:t>W0RK</a:t>
-            </a:r>
-            <a:endParaRPr lang="en-US" sz="7200" dirty="0">
-              <a:latin typeface="Munro" pitchFamily="2" charset="0"/>
-            </a:endParaRPr>
+              <a:rPr lang="en-US" dirty="0" smtClean="0"/>
+              <a:t>OVERVIEW OF CURRENT WORK</a:t>
+            </a:r>
+            <a:endParaRPr lang="en-US" dirty="0"/>
           </a:p>
         </p:txBody>
       </p:sp>
@@ -5549,20 +5536,13 @@
             <p:ph idx="1"/>
           </p:nvPr>
         </p:nvSpPr>
-        <p:spPr>
-          <a:xfrm>
-            <a:off x="818712" y="2694626"/>
-            <a:ext cx="10554574" cy="3457893"/>
-          </a:xfrm>
-        </p:spPr>
-        <p:txBody>
-          <a:bodyPr>
-            <a:noAutofit/>
-          </a:bodyPr>
+        <p:spPr/>
+        <p:txBody>
+          <a:bodyPr/>
           <a:lstStyle/>
           <a:p>
             <a:r>
-              <a:rPr lang="en-US" sz="2400" dirty="0" smtClean="0">
+              <a:rPr lang="en-US" dirty="0">
                 <a:latin typeface="Roboto Light" panose="02000000000000000000" pitchFamily="2" charset="0"/>
                 <a:ea typeface="Roboto Light" panose="02000000000000000000" pitchFamily="2" charset="0"/>
               </a:rPr>
@@ -5571,7 +5551,7 @@
           </a:p>
           <a:p>
             <a:r>
-              <a:rPr lang="en-US" sz="2400" dirty="0" smtClean="0">
+              <a:rPr lang="en-US" dirty="0">
                 <a:latin typeface="Roboto Light" panose="02000000000000000000" pitchFamily="2" charset="0"/>
                 <a:ea typeface="Roboto Light" panose="02000000000000000000" pitchFamily="2" charset="0"/>
               </a:rPr>
@@ -5580,7 +5560,7 @@
           </a:p>
           <a:p>
             <a:r>
-              <a:rPr lang="en-US" sz="2400" dirty="0" smtClean="0">
+              <a:rPr lang="en-US" dirty="0">
                 <a:latin typeface="Roboto Light" panose="02000000000000000000" pitchFamily="2" charset="0"/>
                 <a:ea typeface="Roboto Light" panose="02000000000000000000" pitchFamily="2" charset="0"/>
               </a:rPr>
@@ -5589,7 +5569,7 @@
           </a:p>
           <a:p>
             <a:r>
-              <a:rPr lang="en-US" sz="2400" dirty="0" smtClean="0">
+              <a:rPr lang="en-US" dirty="0">
                 <a:latin typeface="Roboto Light" panose="02000000000000000000" pitchFamily="2" charset="0"/>
                 <a:ea typeface="Roboto Light" panose="02000000000000000000" pitchFamily="2" charset="0"/>
               </a:rPr>
@@ -5598,25 +5578,33 @@
           </a:p>
           <a:p>
             <a:r>
-              <a:rPr lang="en-US" sz="2400" dirty="0" smtClean="0">
+              <a:rPr lang="en-US" dirty="0">
                 <a:latin typeface="Roboto Light" panose="02000000000000000000" pitchFamily="2" charset="0"/>
                 <a:ea typeface="Roboto Light" panose="02000000000000000000" pitchFamily="2" charset="0"/>
               </a:rPr>
-              <a:t>Script returns relevant data to JavaScript to be formatted and displayed</a:t>
-            </a:r>
-          </a:p>
-          <a:p>
-            <a:endParaRPr lang="en-US" sz="2400" dirty="0">
+              <a:t>Script returns relevant data to JavaScript to be formatted and </a:t>
+            </a:r>
+            <a:r>
+              <a:rPr lang="en-US" dirty="0" smtClean="0">
+                <a:latin typeface="Roboto Light" panose="02000000000000000000" pitchFamily="2" charset="0"/>
+                <a:ea typeface="Roboto Light" panose="02000000000000000000" pitchFamily="2" charset="0"/>
+              </a:rPr>
+              <a:t>displayed</a:t>
+            </a:r>
+            <a:endParaRPr lang="en-US" dirty="0">
               <a:latin typeface="Roboto Light" panose="02000000000000000000" pitchFamily="2" charset="0"/>
               <a:ea typeface="Roboto Light" panose="02000000000000000000" pitchFamily="2" charset="0"/>
             </a:endParaRPr>
           </a:p>
+          <a:p>
+            <a:endParaRPr lang="en-US" dirty="0"/>
+          </a:p>
         </p:txBody>
       </p:sp>
     </p:spTree>
     <p:extLst>
       <p:ext uri="{BB962C8B-B14F-4D97-AF65-F5344CB8AC3E}">
-        <p14:creationId xmlns:p14="http://schemas.microsoft.com/office/powerpoint/2010/main" val="563869388"/>
+        <p14:creationId xmlns:p14="http://schemas.microsoft.com/office/powerpoint/2010/main" val="754165454"/>
       </p:ext>
     </p:extLst>
   </p:cSld>
@@ -5666,20 +5654,10 @@
           <a:lstStyle/>
           <a:p>
             <a:r>
-              <a:rPr lang="en-US" sz="7200" dirty="0" smtClean="0">
-                <a:latin typeface="Munro" pitchFamily="2" charset="0"/>
-              </a:rPr>
-              <a:t>AUTHENTICATION </a:t>
-            </a:r>
-            <a:r>
-              <a:rPr lang="en-US" sz="7200" dirty="0" smtClean="0">
-                <a:latin typeface="Munro" pitchFamily="2" charset="0"/>
-              </a:rPr>
-              <a:t>FL0W</a:t>
-            </a:r>
-            <a:endParaRPr lang="en-US" sz="7200" dirty="0">
-              <a:latin typeface="Munro" pitchFamily="2" charset="0"/>
-            </a:endParaRPr>
+              <a:rPr lang="en-US" dirty="0" smtClean="0"/>
+              <a:t>USER FLOW</a:t>
+            </a:r>
+            <a:endParaRPr lang="en-US" dirty="0"/>
           </a:p>
         </p:txBody>
       </p:sp>
@@ -5691,7 +5669,7 @@
           </p:cNvPicPr>
           <p:nvPr/>
         </p:nvPicPr>
-        <p:blipFill>
+        <p:blipFill rotWithShape="1">
           <a:blip r:embed="rId2">
             <a:extLst>
               <a:ext uri="{28A0092B-C50C-407E-A947-70E740481C1C}">
@@ -5699,54 +5677,271 @@
               </a:ext>
             </a:extLst>
           </a:blip>
-          <a:stretch>
-            <a:fillRect/>
-          </a:stretch>
+          <a:srcRect l="27358" r="36333"/>
+          <a:stretch/>
         </p:blipFill>
         <p:spPr>
           <a:xfrm>
-            <a:off x="1615916" y="5937312"/>
-            <a:ext cx="1341121" cy="696755"/>
+            <a:off x="3060700" y="4622037"/>
+            <a:ext cx="844550" cy="2012030"/>
           </a:xfrm>
           <a:prstGeom prst="rect">
             <a:avLst/>
           </a:prstGeom>
         </p:spPr>
       </p:pic>
-      <p:pic>
-        <p:nvPicPr>
-          <p:cNvPr id="8" name="Picture 7"/>
-          <p:cNvPicPr>
-            <a:picLocks noChangeAspect="1"/>
-          </p:cNvPicPr>
+      <p:grpSp>
+        <p:nvGrpSpPr>
+          <p:cNvPr id="15" name="Group 14"/>
+          <p:cNvGrpSpPr/>
           <p:nvPr/>
-        </p:nvPicPr>
-        <p:blipFill>
-          <a:blip r:embed="rId3">
-            <a:extLst>
-              <a:ext uri="{28A0092B-C50C-407E-A947-70E740481C1C}">
-                <a14:useLocalDpi xmlns:a14="http://schemas.microsoft.com/office/drawing/2010/main" val="0"/>
-              </a:ext>
-            </a:extLst>
-          </a:blip>
-          <a:stretch>
-            <a:fillRect/>
-          </a:stretch>
-        </p:blipFill>
+        </p:nvGrpSpPr>
+        <p:grpSpPr>
+          <a:xfrm>
+            <a:off x="358390" y="2431646"/>
+            <a:ext cx="2427266" cy="1642455"/>
+            <a:chOff x="633434" y="2508980"/>
+            <a:chExt cx="2427266" cy="1642455"/>
+          </a:xfrm>
+        </p:grpSpPr>
+        <p:pic>
+          <p:nvPicPr>
+            <p:cNvPr id="9" name="Picture 8"/>
+            <p:cNvPicPr>
+              <a:picLocks noChangeAspect="1"/>
+            </p:cNvPicPr>
+            <p:nvPr/>
+          </p:nvPicPr>
+          <p:blipFill>
+            <a:blip r:embed="rId3"/>
+            <a:stretch>
+              <a:fillRect/>
+            </a:stretch>
+          </p:blipFill>
+          <p:spPr>
+            <a:xfrm>
+              <a:off x="633434" y="2508980"/>
+              <a:ext cx="2427266" cy="1642455"/>
+            </a:xfrm>
+            <a:prstGeom prst="rect">
+              <a:avLst/>
+            </a:prstGeom>
+          </p:spPr>
+        </p:pic>
+        <p:pic>
+          <p:nvPicPr>
+            <p:cNvPr id="10" name="Picture 9"/>
+            <p:cNvPicPr>
+              <a:picLocks noChangeAspect="1"/>
+            </p:cNvPicPr>
+            <p:nvPr/>
+          </p:nvPicPr>
+          <p:blipFill rotWithShape="1">
+            <a:blip r:embed="rId3"/>
+            <a:srcRect l="42707" t="43216" r="45259" b="45771"/>
+            <a:stretch/>
+          </p:blipFill>
+          <p:spPr>
+            <a:xfrm>
+              <a:off x="1113880" y="2990851"/>
+              <a:ext cx="1466374" cy="908050"/>
+            </a:xfrm>
+            <a:prstGeom prst="rect">
+              <a:avLst/>
+            </a:prstGeom>
+          </p:spPr>
+        </p:pic>
+      </p:grpSp>
+      <p:cxnSp>
+        <p:nvCxnSpPr>
+          <p:cNvPr id="12" name="Curved Connector 11"/>
+          <p:cNvCxnSpPr/>
+          <p:nvPr/>
+        </p:nvCxnSpPr>
         <p:spPr>
-          <a:xfrm>
-            <a:off x="2310024" y="4845970"/>
-            <a:ext cx="2326046" cy="2012030"/>
+          <a:xfrm rot="10800000">
+            <a:off x="1282215" y="4148815"/>
+            <a:ext cx="1488677" cy="1553951"/>
           </a:xfrm>
-          <a:prstGeom prst="rect">
+          <a:prstGeom prst="curvedConnector2">
             <a:avLst/>
           </a:prstGeom>
+          <a:ln>
+            <a:tailEnd type="triangle"/>
+          </a:ln>
         </p:spPr>
-      </p:pic>
+        <p:style>
+          <a:lnRef idx="1">
+            <a:schemeClr val="accent1"/>
+          </a:lnRef>
+          <a:fillRef idx="0">
+            <a:schemeClr val="accent1"/>
+          </a:fillRef>
+          <a:effectRef idx="0">
+            <a:schemeClr val="accent1"/>
+          </a:effectRef>
+          <a:fontRef idx="minor">
+            <a:schemeClr val="tx1"/>
+          </a:fontRef>
+        </p:style>
+      </p:cxnSp>
+      <p:cxnSp>
+        <p:nvCxnSpPr>
+          <p:cNvPr id="18" name="Straight Arrow Connector 17"/>
+          <p:cNvCxnSpPr/>
+          <p:nvPr/>
+        </p:nvCxnSpPr>
+        <p:spPr>
+          <a:xfrm flipV="1">
+            <a:off x="2957037" y="3374657"/>
+            <a:ext cx="1371123" cy="2"/>
+          </a:xfrm>
+          <a:prstGeom prst="straightConnector1">
+            <a:avLst/>
+          </a:prstGeom>
+          <a:ln>
+            <a:tailEnd type="triangle"/>
+          </a:ln>
+        </p:spPr>
+        <p:style>
+          <a:lnRef idx="1">
+            <a:schemeClr val="accent1"/>
+          </a:lnRef>
+          <a:fillRef idx="0">
+            <a:schemeClr val="accent1"/>
+          </a:fillRef>
+          <a:effectRef idx="0">
+            <a:schemeClr val="accent1"/>
+          </a:effectRef>
+          <a:fontRef idx="minor">
+            <a:schemeClr val="tx1"/>
+          </a:fontRef>
+        </p:style>
+      </p:cxnSp>
+      <p:grpSp>
+        <p:nvGrpSpPr>
+          <p:cNvPr id="27" name="Group 26"/>
+          <p:cNvGrpSpPr/>
+          <p:nvPr/>
+        </p:nvGrpSpPr>
+        <p:grpSpPr>
+          <a:xfrm>
+            <a:off x="4653282" y="2431645"/>
+            <a:ext cx="2427266" cy="1642455"/>
+            <a:chOff x="4401822" y="2553430"/>
+            <a:chExt cx="2427266" cy="1642455"/>
+          </a:xfrm>
+        </p:grpSpPr>
+        <p:pic>
+          <p:nvPicPr>
+            <p:cNvPr id="19" name="Picture 18"/>
+            <p:cNvPicPr>
+              <a:picLocks noChangeAspect="1"/>
+            </p:cNvPicPr>
+            <p:nvPr/>
+          </p:nvPicPr>
+          <p:blipFill>
+            <a:blip r:embed="rId4"/>
+            <a:stretch>
+              <a:fillRect/>
+            </a:stretch>
+          </p:blipFill>
+          <p:spPr>
+            <a:xfrm>
+              <a:off x="4401822" y="2553430"/>
+              <a:ext cx="2427266" cy="1642455"/>
+            </a:xfrm>
+            <a:prstGeom prst="rect">
+              <a:avLst/>
+            </a:prstGeom>
+          </p:spPr>
+        </p:pic>
+        <p:pic>
+          <p:nvPicPr>
+            <p:cNvPr id="20" name="Picture 19"/>
+            <p:cNvPicPr>
+              <a:picLocks noChangeAspect="1"/>
+            </p:cNvPicPr>
+            <p:nvPr/>
+          </p:nvPicPr>
+          <p:blipFill rotWithShape="1">
+            <a:blip r:embed="rId4"/>
+            <a:srcRect l="43424" t="13813" r="43214" b="77551"/>
+            <a:stretch/>
+          </p:blipFill>
+          <p:spPr>
+            <a:xfrm>
+              <a:off x="4744585" y="2726605"/>
+              <a:ext cx="1860551" cy="813718"/>
+            </a:xfrm>
+            <a:prstGeom prst="rect">
+              <a:avLst/>
+            </a:prstGeom>
+          </p:spPr>
+        </p:pic>
+        <p:sp>
+          <p:nvSpPr>
+            <p:cNvPr id="22" name="TextBox 21"/>
+            <p:cNvSpPr txBox="1"/>
+            <p:nvPr/>
+          </p:nvSpPr>
+          <p:spPr>
+            <a:xfrm>
+              <a:off x="4658361" y="3489326"/>
+              <a:ext cx="1914188" cy="584775"/>
+            </a:xfrm>
+            <a:prstGeom prst="rect">
+              <a:avLst/>
+            </a:prstGeom>
+            <a:solidFill>
+              <a:schemeClr val="tx1"/>
+            </a:solidFill>
+          </p:spPr>
+          <p:txBody>
+            <a:bodyPr wrap="square" rtlCol="0">
+              <a:spAutoFit/>
+            </a:bodyPr>
+            <a:lstStyle/>
+            <a:p>
+              <a:pPr algn="ctr"/>
+              <a:r>
+                <a:rPr lang="en-US" sz="1600" dirty="0" smtClean="0">
+                  <a:solidFill>
+                    <a:schemeClr val="bg1"/>
+                  </a:solidFill>
+                  <a:latin typeface="Roboto Light" panose="02000000000000000000" pitchFamily="2" charset="0"/>
+                  <a:ea typeface="Roboto Light" panose="02000000000000000000" pitchFamily="2" charset="0"/>
+                </a:rPr>
+                <a:t>AUTHORIZE </a:t>
+              </a:r>
+            </a:p>
+            <a:p>
+              <a:pPr algn="ctr"/>
+              <a:r>
+                <a:rPr lang="en-US" sz="1600" dirty="0" smtClean="0">
+                  <a:solidFill>
+                    <a:schemeClr val="bg1"/>
+                  </a:solidFill>
+                  <a:latin typeface="Roboto Light" panose="02000000000000000000" pitchFamily="2" charset="0"/>
+                  <a:ea typeface="Roboto Light" panose="02000000000000000000" pitchFamily="2" charset="0"/>
+                </a:rPr>
+                <a:t>CONNECTION</a:t>
+              </a:r>
+              <a:endParaRPr lang="en-US" sz="1600" dirty="0">
+                <a:solidFill>
+                  <a:schemeClr val="bg1"/>
+                </a:solidFill>
+                <a:latin typeface="Roboto Light" panose="02000000000000000000" pitchFamily="2" charset="0"/>
+                <a:ea typeface="Roboto Light" panose="02000000000000000000" pitchFamily="2" charset="0"/>
+              </a:endParaRPr>
+            </a:p>
+          </p:txBody>
+        </p:sp>
+      </p:grpSp>
     </p:spTree>
     <p:extLst>
       <p:ext uri="{BB962C8B-B14F-4D97-AF65-F5344CB8AC3E}">
-        <p14:creationId xmlns:p14="http://schemas.microsoft.com/office/powerpoint/2010/main" val="3914783156"/>
+        <p14:creationId xmlns:p14="http://schemas.microsoft.com/office/powerpoint/2010/main" val="2405463784"/>
       </p:ext>
     </p:extLst>
   </p:cSld>
@@ -5787,7 +5982,7 @@
                                           </p:stCondLst>
                                         </p:cTn>
                                         <p:tgtEl>
-                                          <p:spTgt spid="8"/>
+                                          <p:spTgt spid="6"/>
                                         </p:tgtEl>
                                         <p:attrNameLst>
                                           <p:attrName>style.visibility</p:attrName>
@@ -5801,7 +5996,7 @@
                                       <p:cBhvr>
                                         <p:cTn id="7" dur="500"/>
                                         <p:tgtEl>
-                                          <p:spTgt spid="8"/>
+                                          <p:spTgt spid="6"/>
                                         </p:tgtEl>
                                       </p:cBhvr>
                                     </p:animEffect>
@@ -5827,7 +6022,7 @@
                             </p:stCondLst>
                             <p:childTnLst>
                               <p:par>
-                                <p:cTn id="10" presetID="2" presetClass="entr" presetSubtype="4" fill="hold" nodeType="clickEffect">
+                                <p:cTn id="10" presetID="22" presetClass="entr" presetSubtype="4" fill="hold" nodeType="clickEffect">
                                   <p:stCondLst>
                                     <p:cond delay="0"/>
                                   </p:stCondLst>
@@ -5840,7 +6035,7 @@
                                           </p:stCondLst>
                                         </p:cTn>
                                         <p:tgtEl>
-                                          <p:spTgt spid="6"/>
+                                          <p:spTgt spid="12"/>
                                         </p:tgtEl>
                                         <p:attrNameLst>
                                           <p:attrName>style.visibility</p:attrName>
@@ -5850,52 +6045,173 @@
                                         <p:strVal val="visible"/>
                                       </p:to>
                                     </p:set>
-                                    <p:anim calcmode="lin" valueType="num">
-                                      <p:cBhvr additive="base">
-                                        <p:cTn id="12" dur="500" fill="hold"/>
+                                    <p:animEffect transition="in" filter="wipe(down)">
+                                      <p:cBhvr>
+                                        <p:cTn id="12" dur="500"/>
                                         <p:tgtEl>
-                                          <p:spTgt spid="6"/>
+                                          <p:spTgt spid="12"/>
+                                        </p:tgtEl>
+                                      </p:cBhvr>
+                                    </p:animEffect>
+                                  </p:childTnLst>
+                                </p:cTn>
+                              </p:par>
+                            </p:childTnLst>
+                          </p:cTn>
+                        </p:par>
+                      </p:childTnLst>
+                    </p:cTn>
+                  </p:par>
+                  <p:par>
+                    <p:cTn id="13" fill="hold">
+                      <p:stCondLst>
+                        <p:cond delay="indefinite"/>
+                      </p:stCondLst>
+                      <p:childTnLst>
+                        <p:par>
+                          <p:cTn id="14" fill="hold">
+                            <p:stCondLst>
+                              <p:cond delay="0"/>
+                            </p:stCondLst>
+                            <p:childTnLst>
+                              <p:par>
+                                <p:cTn id="15" presetID="22" presetClass="entr" presetSubtype="4" fill="hold" nodeType="clickEffect">
+                                  <p:stCondLst>
+                                    <p:cond delay="0"/>
+                                  </p:stCondLst>
+                                  <p:childTnLst>
+                                    <p:set>
+                                      <p:cBhvr>
+                                        <p:cTn id="16" dur="1" fill="hold">
+                                          <p:stCondLst>
+                                            <p:cond delay="0"/>
+                                          </p:stCondLst>
+                                        </p:cTn>
+                                        <p:tgtEl>
+                                          <p:spTgt spid="15"/>
                                         </p:tgtEl>
                                         <p:attrNameLst>
-                                          <p:attrName>ppt_x</p:attrName>
+                                          <p:attrName>style.visibility</p:attrName>
                                         </p:attrNameLst>
                                       </p:cBhvr>
-                                      <p:tavLst>
-                                        <p:tav tm="0">
-                                          <p:val>
-                                            <p:strVal val="#ppt_x"/>
-                                          </p:val>
-                                        </p:tav>
-                                        <p:tav tm="100000">
-                                          <p:val>
-                                            <p:strVal val="#ppt_x"/>
-                                          </p:val>
-                                        </p:tav>
-                                      </p:tavLst>
-                                    </p:anim>
-                                    <p:anim calcmode="lin" valueType="num">
-                                      <p:cBhvr additive="base">
-                                        <p:cTn id="13" dur="500" fill="hold"/>
+                                      <p:to>
+                                        <p:strVal val="visible"/>
+                                      </p:to>
+                                    </p:set>
+                                    <p:animEffect transition="in" filter="wipe(down)">
+                                      <p:cBhvr>
+                                        <p:cTn id="17" dur="500"/>
                                         <p:tgtEl>
-                                          <p:spTgt spid="6"/>
+                                          <p:spTgt spid="15"/>
+                                        </p:tgtEl>
+                                      </p:cBhvr>
+                                    </p:animEffect>
+                                  </p:childTnLst>
+                                </p:cTn>
+                              </p:par>
+                            </p:childTnLst>
+                          </p:cTn>
+                        </p:par>
+                      </p:childTnLst>
+                    </p:cTn>
+                  </p:par>
+                  <p:par>
+                    <p:cTn id="18" fill="hold">
+                      <p:stCondLst>
+                        <p:cond delay="indefinite"/>
+                      </p:stCondLst>
+                      <p:childTnLst>
+                        <p:par>
+                          <p:cTn id="19" fill="hold">
+                            <p:stCondLst>
+                              <p:cond delay="0"/>
+                            </p:stCondLst>
+                            <p:childTnLst>
+                              <p:par>
+                                <p:cTn id="20" presetID="22" presetClass="entr" presetSubtype="8" fill="hold" nodeType="clickEffect">
+                                  <p:stCondLst>
+                                    <p:cond delay="0"/>
+                                  </p:stCondLst>
+                                  <p:childTnLst>
+                                    <p:set>
+                                      <p:cBhvr>
+                                        <p:cTn id="21" dur="1" fill="hold">
+                                          <p:stCondLst>
+                                            <p:cond delay="0"/>
+                                          </p:stCondLst>
+                                        </p:cTn>
+                                        <p:tgtEl>
+                                          <p:spTgt spid="18"/>
                                         </p:tgtEl>
                                         <p:attrNameLst>
-                                          <p:attrName>ppt_y</p:attrName>
+                                          <p:attrName>style.visibility</p:attrName>
                                         </p:attrNameLst>
                                       </p:cBhvr>
-                                      <p:tavLst>
-                                        <p:tav tm="0">
-                                          <p:val>
-                                            <p:strVal val="1+#ppt_h/2"/>
-                                          </p:val>
-                                        </p:tav>
-                                        <p:tav tm="100000">
-                                          <p:val>
-                                            <p:strVal val="#ppt_y"/>
-                                          </p:val>
-                                        </p:tav>
-                                      </p:tavLst>
-                                    </p:anim>
+                                      <p:to>
+                                        <p:strVal val="visible"/>
+                                      </p:to>
+                                    </p:set>
+                                    <p:animEffect transition="in" filter="wipe(left)">
+                                      <p:cBhvr>
+                                        <p:cTn id="22" dur="500"/>
+                                        <p:tgtEl>
+                                          <p:spTgt spid="18"/>
+                                        </p:tgtEl>
+                                      </p:cBhvr>
+                                    </p:animEffect>
+                                  </p:childTnLst>
+                                </p:cTn>
+                              </p:par>
+                            </p:childTnLst>
+                          </p:cTn>
+                        </p:par>
+                      </p:childTnLst>
+                    </p:cTn>
+                  </p:par>
+                  <p:par>
+                    <p:cTn id="23" fill="hold">
+                      <p:stCondLst>
+                        <p:cond delay="indefinite"/>
+                      </p:stCondLst>
+                      <p:childTnLst>
+                        <p:par>
+                          <p:cTn id="24" fill="hold">
+                            <p:stCondLst>
+                              <p:cond delay="0"/>
+                            </p:stCondLst>
+                            <p:childTnLst>
+                              <p:par>
+                                <p:cTn id="25" presetID="22" presetClass="entr" presetSubtype="4" fill="hold" nodeType="clickEffect">
+                                  <p:stCondLst>
+                                    <p:cond delay="0"/>
+                                  </p:stCondLst>
+                                  <p:childTnLst>
+                                    <p:set>
+                                      <p:cBhvr>
+                                        <p:cTn id="26" dur="1" fill="hold">
+                                          <p:stCondLst>
+                                            <p:cond delay="0"/>
+                                          </p:stCondLst>
+                                        </p:cTn>
+                                        <p:tgtEl>
+                                          <p:spTgt spid="27"/>
+                                        </p:tgtEl>
+                                        <p:attrNameLst>
+                                          <p:attrName>style.visibility</p:attrName>
+                                        </p:attrNameLst>
+                                      </p:cBhvr>
+                                      <p:to>
+                                        <p:strVal val="visible"/>
+                                      </p:to>
+                                    </p:set>
+                                    <p:animEffect transition="in" filter="wipe(down)">
+                                      <p:cBhvr>
+                                        <p:cTn id="27" dur="500"/>
+                                        <p:tgtEl>
+                                          <p:spTgt spid="27"/>
+                                        </p:tgtEl>
+                                      </p:cBhvr>
+                                    </p:animEffect>
                                   </p:childTnLst>
                                 </p:cTn>
                               </p:par>

--- a/Presentation/Assisted Living.pptx
+++ b/Presentation/Assisted Living.pptx
@@ -8,6 +8,10 @@
     <p:sldId id="256" r:id="rId2"/>
     <p:sldId id="259" r:id="rId3"/>
     <p:sldId id="260" r:id="rId4"/>
+    <p:sldId id="261" r:id="rId5"/>
+    <p:sldId id="262" r:id="rId6"/>
+    <p:sldId id="263" r:id="rId7"/>
+    <p:sldId id="264" r:id="rId8"/>
   </p:sldIdLst>
   <p:sldSz cx="12192000" cy="6858000"/>
   <p:notesSz cx="6858000" cy="9144000"/>
@@ -108,7 +112,7 @@
   </p:defaultTextStyle>
   <p:extLst>
     <p:ext uri="{EFAFB233-063F-42B5-8137-9DF3F51BA10A}">
-      <p15:sldGuideLst xmlns:p15="http://schemas.microsoft.com/office/powerpoint/2012/main"/>
+      <p15:sldGuideLst xmlns:p15="http://schemas.microsoft.com/office/powerpoint/2012/main" xmlns=""/>
     </p:ext>
   </p:extLst>
 </p:presentation>
@@ -208,8 +212,8 @@
           <a:ln/>
           <a:effectLst/>
           <a:extLst>
-            <a:ext uri="{91240B29-F687-4f45-9708-019B960494DF}">
-              <a14:hiddenLine xmlns:a14="http://schemas.microsoft.com/office/drawing/2010/main" xmlns="" w="9525">
+            <a:ext uri="{91240B29-F687-4F45-9708-019B960494DF}">
+              <a14:hiddenLine xmlns:a14="http://schemas.microsoft.com/office/drawing/2010/main" w="9525">
                 <a:solidFill>
                   <a:srgbClr val="000000"/>
                 </a:solidFill>
@@ -401,7 +405,7 @@
           <a:p>
             <a:fld id="{96DFF08F-DC6B-4601-B491-B0F83F6DD2DA}" type="datetimeFigureOut">
               <a:rPr lang="en-US" smtClean="0"/>
-              <a:t>6/12/2014</a:t>
+              <a:t>6/13/2014</a:t>
             </a:fld>
             <a:endParaRPr lang="en-US" dirty="0"/>
           </a:p>
@@ -459,6 +463,13 @@
   <p:clrMapOvr>
     <a:masterClrMapping/>
   </p:clrMapOvr>
+  <p:timing>
+    <p:tnLst>
+      <p:par>
+        <p:cTn id="1" dur="indefinite" restart="never" nodeType="tmRoot"/>
+      </p:par>
+    </p:tnLst>
+  </p:timing>
 </p:sldLayout>
 </file>
 
@@ -720,7 +731,7 @@
             <a:fld id="{96DFF08F-DC6B-4601-B491-B0F83F6DD2DA}" type="datetimeFigureOut">
               <a:rPr lang="en-US" smtClean="0"/>
               <a:pPr/>
-              <a:t>6/12/2014</a:t>
+              <a:t>6/13/2014</a:t>
             </a:fld>
             <a:endParaRPr lang="en-US" dirty="0"/>
           </a:p>
@@ -1210,7 +1221,7 @@
             <a:fld id="{96DFF08F-DC6B-4601-B491-B0F83F6DD2DA}" type="datetimeFigureOut">
               <a:rPr lang="en-US" smtClean="0"/>
               <a:pPr/>
-              <a:t>6/12/2014</a:t>
+              <a:t>6/13/2014</a:t>
             </a:fld>
             <a:endParaRPr lang="en-US" dirty="0"/>
           </a:p>
@@ -1581,7 +1592,7 @@
             <a:fld id="{96DFF08F-DC6B-4601-B491-B0F83F6DD2DA}" type="datetimeFigureOut">
               <a:rPr lang="en-US" smtClean="0"/>
               <a:pPr/>
-              <a:t>6/12/2014</a:t>
+              <a:t>6/13/2014</a:t>
             </a:fld>
             <a:endParaRPr lang="en-US" dirty="0"/>
           </a:p>
@@ -1736,8 +1747,8 @@
           </a:custGeom>
           <a:ln/>
           <a:extLst>
-            <a:ext uri="{91240B29-F687-4f45-9708-019B960494DF}">
-              <a14:hiddenLine xmlns:a14="http://schemas.microsoft.com/office/drawing/2010/main" xmlns="" w="9525">
+            <a:ext uri="{91240B29-F687-4F45-9708-019B960494DF}">
+              <a14:hiddenLine xmlns:a14="http://schemas.microsoft.com/office/drawing/2010/main" w="9525">
                 <a:solidFill>
                   <a:srgbClr val="000000"/>
                 </a:solidFill>
@@ -1855,7 +1866,7 @@
           <a:p>
             <a:fld id="{96DFF08F-DC6B-4601-B491-B0F83F6DD2DA}" type="datetimeFigureOut">
               <a:rPr lang="en-US" smtClean="0"/>
-              <a:t>6/12/2014</a:t>
+              <a:t>6/13/2014</a:t>
             </a:fld>
             <a:endParaRPr lang="en-US" dirty="0"/>
           </a:p>
@@ -2011,8 +2022,8 @@
           </a:custGeom>
           <a:ln/>
           <a:extLst>
-            <a:ext uri="{91240B29-F687-4f45-9708-019B960494DF}">
-              <a14:hiddenLine xmlns:a14="http://schemas.microsoft.com/office/drawing/2010/main" xmlns="" w="9525">
+            <a:ext uri="{91240B29-F687-4F45-9708-019B960494DF}">
+              <a14:hiddenLine xmlns:a14="http://schemas.microsoft.com/office/drawing/2010/main" w="9525">
                 <a:solidFill>
                   <a:srgbClr val="000000"/>
                 </a:solidFill>
@@ -2140,7 +2151,7 @@
           <a:p>
             <a:fld id="{96DFF08F-DC6B-4601-B491-B0F83F6DD2DA}" type="datetimeFigureOut">
               <a:rPr lang="en-US" smtClean="0"/>
-              <a:t>6/12/2014</a:t>
+              <a:t>6/13/2014</a:t>
             </a:fld>
             <a:endParaRPr lang="en-US" dirty="0"/>
           </a:p>
@@ -2294,8 +2305,8 @@
           </a:custGeom>
           <a:ln/>
           <a:extLst>
-            <a:ext uri="{91240B29-F687-4f45-9708-019B960494DF}">
-              <a14:hiddenLine xmlns:a14="http://schemas.microsoft.com/office/drawing/2010/main" xmlns="" w="9525">
+            <a:ext uri="{91240B29-F687-4F45-9708-019B960494DF}">
+              <a14:hiddenLine xmlns:a14="http://schemas.microsoft.com/office/drawing/2010/main" w="9525">
                 <a:solidFill>
                   <a:srgbClr val="000000"/>
                 </a:solidFill>
@@ -2368,69 +2379,102 @@
         </p:nvSpPr>
         <p:spPr>
           <a:xfrm>
-            <a:off x="818712" y="2222287"/>
-            <a:ext cx="10554574" cy="3636511"/>
+            <a:off x="450850" y="2222287"/>
+            <a:ext cx="11226800" cy="3636511"/>
           </a:xfrm>
         </p:spPr>
         <p:txBody>
+          <a:bodyPr>
+            <a:normAutofit/>
+          </a:bodyPr>
+          <a:lstStyle>
+            <a:lvl1pPr>
+              <a:defRPr sz="2800">
+                <a:latin typeface="Roboto Thin" pitchFamily="2" charset="0"/>
+                <a:ea typeface="Roboto Thin" pitchFamily="2" charset="0"/>
+              </a:defRPr>
+            </a:lvl1pPr>
+            <a:lvl2pPr>
+              <a:defRPr sz="2400">
+                <a:latin typeface="Roboto Thin" pitchFamily="2" charset="0"/>
+                <a:ea typeface="Roboto Thin" pitchFamily="2" charset="0"/>
+              </a:defRPr>
+            </a:lvl2pPr>
+            <a:lvl3pPr>
+              <a:defRPr sz="2000">
+                <a:latin typeface="Roboto Thin" pitchFamily="2" charset="0"/>
+                <a:ea typeface="Roboto Thin" pitchFamily="2" charset="0"/>
+              </a:defRPr>
+            </a:lvl3pPr>
+            <a:lvl4pPr>
+              <a:defRPr sz="1800">
+                <a:latin typeface="Roboto Thin" pitchFamily="2" charset="0"/>
+                <a:ea typeface="Roboto Thin" pitchFamily="2" charset="0"/>
+              </a:defRPr>
+            </a:lvl4pPr>
+            <a:lvl5pPr>
+              <a:defRPr sz="1800">
+                <a:latin typeface="Roboto Thin" pitchFamily="2" charset="0"/>
+                <a:ea typeface="Roboto Thin" pitchFamily="2" charset="0"/>
+              </a:defRPr>
+            </a:lvl5pPr>
+          </a:lstStyle>
+          <a:p>
+            <a:pPr lvl="0"/>
+            <a:r>
+              <a:rPr lang="en-US" dirty="0" smtClean="0"/>
+              <a:t>Click to edit Master text styles</a:t>
+            </a:r>
+          </a:p>
+          <a:p>
+            <a:pPr lvl="1"/>
+            <a:r>
+              <a:rPr lang="en-US" dirty="0" smtClean="0"/>
+              <a:t>Second level</a:t>
+            </a:r>
+          </a:p>
+          <a:p>
+            <a:pPr lvl="2"/>
+            <a:r>
+              <a:rPr lang="en-US" dirty="0" smtClean="0"/>
+              <a:t>Third level</a:t>
+            </a:r>
+          </a:p>
+          <a:p>
+            <a:pPr lvl="3"/>
+            <a:r>
+              <a:rPr lang="en-US" dirty="0" smtClean="0"/>
+              <a:t>Fourth level</a:t>
+            </a:r>
+          </a:p>
+          <a:p>
+            <a:pPr lvl="4"/>
+            <a:r>
+              <a:rPr lang="en-US" dirty="0" smtClean="0"/>
+              <a:t>Fifth level</a:t>
+            </a:r>
+            <a:endParaRPr lang="en-US" dirty="0"/>
+          </a:p>
+        </p:txBody>
+      </p:sp>
+      <p:sp>
+        <p:nvSpPr>
+          <p:cNvPr id="4" name="Date Placeholder 3"/>
+          <p:cNvSpPr>
+            <a:spLocks noGrp="1"/>
+          </p:cNvSpPr>
+          <p:nvPr>
+            <p:ph type="dt" sz="half" idx="10"/>
+          </p:nvPr>
+        </p:nvSpPr>
+        <p:spPr/>
+        <p:txBody>
           <a:bodyPr/>
           <a:lstStyle/>
           <a:p>
-            <a:pPr lvl="0"/>
-            <a:r>
-              <a:rPr lang="en-US" smtClean="0"/>
-              <a:t>Click to edit Master text styles</a:t>
-            </a:r>
-          </a:p>
-          <a:p>
-            <a:pPr lvl="1"/>
-            <a:r>
-              <a:rPr lang="en-US" smtClean="0"/>
-              <a:t>Second level</a:t>
-            </a:r>
-          </a:p>
-          <a:p>
-            <a:pPr lvl="2"/>
-            <a:r>
-              <a:rPr lang="en-US" smtClean="0"/>
-              <a:t>Third level</a:t>
-            </a:r>
-          </a:p>
-          <a:p>
-            <a:pPr lvl="3"/>
-            <a:r>
-              <a:rPr lang="en-US" smtClean="0"/>
-              <a:t>Fourth level</a:t>
-            </a:r>
-          </a:p>
-          <a:p>
-            <a:pPr lvl="4"/>
-            <a:r>
-              <a:rPr lang="en-US" smtClean="0"/>
-              <a:t>Fifth level</a:t>
-            </a:r>
-            <a:endParaRPr lang="en-US" dirty="0"/>
-          </a:p>
-        </p:txBody>
-      </p:sp>
-      <p:sp>
-        <p:nvSpPr>
-          <p:cNvPr id="4" name="Date Placeholder 3"/>
-          <p:cNvSpPr>
-            <a:spLocks noGrp="1"/>
-          </p:cNvSpPr>
-          <p:nvPr>
-            <p:ph type="dt" sz="half" idx="10"/>
-          </p:nvPr>
-        </p:nvSpPr>
-        <p:spPr/>
-        <p:txBody>
-          <a:bodyPr/>
-          <a:lstStyle/>
-          <a:p>
             <a:fld id="{2A57D7DE-61AE-4BC6-A87E-9454F8FD646E}" type="datetimeFigureOut">
               <a:rPr lang="en-US" smtClean="0"/>
-              <a:t>6/12/2014</a:t>
+              <a:t>6/13/2014</a:t>
             </a:fld>
             <a:endParaRPr lang="en-US" dirty="0"/>
           </a:p>
@@ -2488,6 +2532,13 @@
   <p:clrMapOvr>
     <a:masterClrMapping/>
   </p:clrMapOvr>
+  <p:timing>
+    <p:tnLst>
+      <p:par>
+        <p:cTn id="1" dur="indefinite" restart="never" nodeType="tmRoot"/>
+      </p:par>
+    </p:tnLst>
+  </p:timing>
 </p:sldLayout>
 </file>
 
@@ -2773,7 +2824,7 @@
           <a:p>
             <a:fld id="{96DFF08F-DC6B-4601-B491-B0F83F6DD2DA}" type="datetimeFigureOut">
               <a:rPr lang="en-US" smtClean="0"/>
-              <a:t>6/12/2014</a:t>
+              <a:t>6/13/2014</a:t>
             </a:fld>
             <a:endParaRPr lang="en-US" dirty="0"/>
           </a:p>
@@ -2831,6 +2882,13 @@
   <p:clrMapOvr>
     <a:masterClrMapping/>
   </p:clrMapOvr>
+  <p:timing>
+    <p:tnLst>
+      <p:par>
+        <p:cTn id="1" dur="indefinite" restart="never" nodeType="tmRoot"/>
+      </p:par>
+    </p:tnLst>
+  </p:timing>
 </p:sldLayout>
 </file>
 
@@ -2927,8 +2985,8 @@
           </a:custGeom>
           <a:ln/>
           <a:extLst>
-            <a:ext uri="{91240B29-F687-4f45-9708-019B960494DF}">
-              <a14:hiddenLine xmlns:a14="http://schemas.microsoft.com/office/drawing/2010/main" xmlns="" w="9525">
+            <a:ext uri="{91240B29-F687-4F45-9708-019B960494DF}">
+              <a14:hiddenLine xmlns:a14="http://schemas.microsoft.com/office/drawing/2010/main" w="9525">
                 <a:solidFill>
                   <a:srgbClr val="000000"/>
                 </a:solidFill>
@@ -3112,7 +3170,7 @@
           <a:p>
             <a:fld id="{96DFF08F-DC6B-4601-B491-B0F83F6DD2DA}" type="datetimeFigureOut">
               <a:rPr lang="en-US" smtClean="0"/>
-              <a:t>6/12/2014</a:t>
+              <a:t>6/13/2014</a:t>
             </a:fld>
             <a:endParaRPr lang="en-US" dirty="0"/>
           </a:p>
@@ -3170,6 +3228,13 @@
   <p:clrMapOvr>
     <a:masterClrMapping/>
   </p:clrMapOvr>
+  <p:timing>
+    <p:tnLst>
+      <p:par>
+        <p:cTn id="1" dur="indefinite" restart="never" nodeType="tmRoot"/>
+      </p:par>
+    </p:tnLst>
+  </p:timing>
 </p:sldLayout>
 </file>
 
@@ -3266,8 +3331,8 @@
           </a:custGeom>
           <a:ln/>
           <a:extLst>
-            <a:ext uri="{91240B29-F687-4f45-9708-019B960494DF}">
-              <a14:hiddenLine xmlns:a14="http://schemas.microsoft.com/office/drawing/2010/main" xmlns="" w="9525">
+            <a:ext uri="{91240B29-F687-4F45-9708-019B960494DF}">
+              <a14:hiddenLine xmlns:a14="http://schemas.microsoft.com/office/drawing/2010/main" w="9525">
                 <a:solidFill>
                   <a:srgbClr val="000000"/>
                 </a:solidFill>
@@ -3589,7 +3654,7 @@
           <a:p>
             <a:fld id="{96DFF08F-DC6B-4601-B491-B0F83F6DD2DA}" type="datetimeFigureOut">
               <a:rPr lang="en-US" smtClean="0"/>
-              <a:t>6/12/2014</a:t>
+              <a:t>6/13/2014</a:t>
             </a:fld>
             <a:endParaRPr lang="en-US" dirty="0"/>
           </a:p>
@@ -3743,8 +3808,8 @@
           </a:custGeom>
           <a:ln/>
           <a:extLst>
-            <a:ext uri="{91240B29-F687-4f45-9708-019B960494DF}">
-              <a14:hiddenLine xmlns:a14="http://schemas.microsoft.com/office/drawing/2010/main" xmlns="" w="9525">
+            <a:ext uri="{91240B29-F687-4F45-9708-019B960494DF}">
+              <a14:hiddenLine xmlns:a14="http://schemas.microsoft.com/office/drawing/2010/main" w="9525">
                 <a:solidFill>
                   <a:srgbClr val="000000"/>
                 </a:solidFill>
@@ -3810,7 +3875,7 @@
           <a:p>
             <a:fld id="{96DFF08F-DC6B-4601-B491-B0F83F6DD2DA}" type="datetimeFigureOut">
               <a:rPr lang="en-US" smtClean="0"/>
-              <a:t>6/12/2014</a:t>
+              <a:t>6/13/2014</a:t>
             </a:fld>
             <a:endParaRPr lang="en-US" dirty="0"/>
           </a:p>
@@ -3906,7 +3971,7 @@
             <a:fld id="{96DFF08F-DC6B-4601-B491-B0F83F6DD2DA}" type="datetimeFigureOut">
               <a:rPr lang="en-US" smtClean="0"/>
               <a:pPr/>
-              <a:t>6/12/2014</a:t>
+              <a:t>6/13/2014</a:t>
             </a:fld>
             <a:endParaRPr lang="en-US" dirty="0"/>
           </a:p>
@@ -4174,8 +4239,8 @@
           </a:custGeom>
           <a:ln/>
           <a:extLst>
-            <a:ext uri="{91240B29-F687-4f45-9708-019B960494DF}">
-              <a14:hiddenLine xmlns:a14="http://schemas.microsoft.com/office/drawing/2010/main" xmlns="" w="9525">
+            <a:ext uri="{91240B29-F687-4F45-9708-019B960494DF}">
+              <a14:hiddenLine xmlns:a14="http://schemas.microsoft.com/office/drawing/2010/main" w="9525">
                 <a:solidFill>
                   <a:srgbClr val="000000"/>
                 </a:solidFill>
@@ -4375,7 +4440,7 @@
             <a:fld id="{96DFF08F-DC6B-4601-B491-B0F83F6DD2DA}" type="datetimeFigureOut">
               <a:rPr lang="en-US" smtClean="0"/>
               <a:pPr/>
-              <a:t>6/12/2014</a:t>
+              <a:t>6/13/2014</a:t>
             </a:fld>
             <a:endParaRPr lang="en-US" dirty="0"/>
           </a:p>
@@ -4690,7 +4755,7 @@
             <a:fld id="{96DFF08F-DC6B-4601-B491-B0F83F6DD2DA}" type="datetimeFigureOut">
               <a:rPr lang="en-US" smtClean="0"/>
               <a:pPr/>
-              <a:t>6/12/2014</a:t>
+              <a:t>6/13/2014</a:t>
             </a:fld>
             <a:endParaRPr lang="en-US" dirty="0"/>
           </a:p>
@@ -4962,7 +5027,7 @@
             <a:fld id="{96DFF08F-DC6B-4601-B491-B0F83F6DD2DA}" type="datetimeFigureOut">
               <a:rPr lang="en-US" smtClean="0"/>
               <a:pPr/>
-              <a:t>6/12/2014</a:t>
+              <a:t>6/13/2014</a:t>
             </a:fld>
             <a:endParaRPr lang="en-US" dirty="0"/>
           </a:p>
@@ -5431,12 +5496,14 @@
               <a:rPr lang="en-US" sz="9600" dirty="0" smtClean="0">
                 <a:latin typeface="Roboto Thin" pitchFamily="2" charset="0"/>
                 <a:ea typeface="Roboto Thin" pitchFamily="2" charset="0"/>
+                <a:cs typeface="Arial" pitchFamily="34" charset="0"/>
               </a:rPr>
               <a:t>ASSISTED LIVING PROJECT</a:t>
             </a:r>
             <a:endParaRPr lang="en-US" sz="9600" dirty="0">
               <a:latin typeface="Roboto Thin" pitchFamily="2" charset="0"/>
               <a:ea typeface="Roboto Thin" pitchFamily="2" charset="0"/>
+              <a:cs typeface="Arial" pitchFamily="34" charset="0"/>
             </a:endParaRPr>
           </a:p>
         </p:txBody>
@@ -5459,10 +5526,18 @@
           <a:lstStyle/>
           <a:p>
             <a:r>
-              <a:rPr lang="en-US" sz="3600" dirty="0" smtClean="0"/>
-              <a:t>Ritwik Dutta</a:t>
-            </a:r>
-            <a:endParaRPr lang="en-US" sz="3600" dirty="0"/>
+              <a:rPr lang="en-US" sz="3600" dirty="0" smtClean="0">
+                <a:latin typeface="Roboto Thin" pitchFamily="2" charset="0"/>
+                <a:ea typeface="Roboto Thin" pitchFamily="2" charset="0"/>
+                <a:cs typeface="Arial" pitchFamily="34" charset="0"/>
+              </a:rPr>
+              <a:t>RITWIK DUTTA</a:t>
+            </a:r>
+            <a:endParaRPr lang="en-US" sz="3600" dirty="0">
+              <a:latin typeface="Roboto Thin" pitchFamily="2" charset="0"/>
+              <a:ea typeface="Roboto Thin" pitchFamily="2" charset="0"/>
+              <a:cs typeface="Arial" pitchFamily="34" charset="0"/>
+            </a:endParaRPr>
           </a:p>
         </p:txBody>
       </p:sp>
@@ -5476,6 +5551,9 @@
   <p:clrMapOvr>
     <a:masterClrMapping/>
   </p:clrMapOvr>
+  <p:transition spd="slow">
+    <p:push dir="u"/>
+  </p:transition>
   <p:timing>
     <p:tnLst>
       <p:par>
@@ -5536,68 +5614,78 @@
             <p:ph idx="1"/>
           </p:nvPr>
         </p:nvSpPr>
-        <p:spPr/>
-        <p:txBody>
-          <a:bodyPr/>
+        <p:spPr>
+          <a:xfrm>
+            <a:off x="215900" y="2222287"/>
+            <a:ext cx="11703050" cy="3636511"/>
+          </a:xfrm>
+        </p:spPr>
+        <p:txBody>
+          <a:bodyPr>
+            <a:noAutofit/>
+          </a:bodyPr>
           <a:lstStyle/>
           <a:p>
             <a:r>
-              <a:rPr lang="en-US" dirty="0">
-                <a:latin typeface="Roboto Light" panose="02000000000000000000" pitchFamily="2" charset="0"/>
-                <a:ea typeface="Roboto Light" panose="02000000000000000000" pitchFamily="2" charset="0"/>
+              <a:rPr lang="en-US" sz="2400" dirty="0">
+                <a:latin typeface="Roboto Thin" pitchFamily="2" charset="0"/>
+                <a:ea typeface="Roboto Thin" pitchFamily="2" charset="0"/>
               </a:rPr>
               <a:t>End user goes to the root website and clicks authorize</a:t>
             </a:r>
           </a:p>
           <a:p>
             <a:r>
-              <a:rPr lang="en-US" dirty="0">
-                <a:latin typeface="Roboto Light" panose="02000000000000000000" pitchFamily="2" charset="0"/>
-                <a:ea typeface="Roboto Light" panose="02000000000000000000" pitchFamily="2" charset="0"/>
+              <a:rPr lang="en-US" sz="2400" dirty="0">
+                <a:latin typeface="Roboto Thin" pitchFamily="2" charset="0"/>
+                <a:ea typeface="Roboto Thin" pitchFamily="2" charset="0"/>
               </a:rPr>
               <a:t>Frontend OAuth2 implementation flow redirects to Jawbone account login</a:t>
             </a:r>
           </a:p>
           <a:p>
             <a:r>
-              <a:rPr lang="en-US" dirty="0">
-                <a:latin typeface="Roboto Light" panose="02000000000000000000" pitchFamily="2" charset="0"/>
-                <a:ea typeface="Roboto Light" panose="02000000000000000000" pitchFamily="2" charset="0"/>
+              <a:rPr lang="en-US" sz="2400" dirty="0">
+                <a:latin typeface="Roboto Thin" pitchFamily="2" charset="0"/>
+                <a:ea typeface="Roboto Thin" pitchFamily="2" charset="0"/>
               </a:rPr>
               <a:t>Redirected temporary authentication token sent to server side Python CGI script</a:t>
             </a:r>
           </a:p>
           <a:p>
             <a:r>
-              <a:rPr lang="en-US" dirty="0">
-                <a:latin typeface="Roboto Light" panose="02000000000000000000" pitchFamily="2" charset="0"/>
-                <a:ea typeface="Roboto Light" panose="02000000000000000000" pitchFamily="2" charset="0"/>
+              <a:rPr lang="en-US" sz="2400" dirty="0">
+                <a:latin typeface="Roboto Thin" pitchFamily="2" charset="0"/>
+                <a:ea typeface="Roboto Thin" pitchFamily="2" charset="0"/>
               </a:rPr>
               <a:t>Script requests data from API by including Authentication tokens in the header</a:t>
             </a:r>
           </a:p>
           <a:p>
             <a:r>
-              <a:rPr lang="en-US" dirty="0">
-                <a:latin typeface="Roboto Light" panose="02000000000000000000" pitchFamily="2" charset="0"/>
-                <a:ea typeface="Roboto Light" panose="02000000000000000000" pitchFamily="2" charset="0"/>
+              <a:rPr lang="en-US" sz="2400" dirty="0">
+                <a:latin typeface="Roboto Thin" pitchFamily="2" charset="0"/>
+                <a:ea typeface="Roboto Thin" pitchFamily="2" charset="0"/>
               </a:rPr>
               <a:t>Script returns relevant data to JavaScript to be formatted and </a:t>
             </a:r>
             <a:r>
-              <a:rPr lang="en-US" dirty="0" smtClean="0">
-                <a:latin typeface="Roboto Light" panose="02000000000000000000" pitchFamily="2" charset="0"/>
-                <a:ea typeface="Roboto Light" panose="02000000000000000000" pitchFamily="2" charset="0"/>
+              <a:rPr lang="en-US" sz="2400" dirty="0" smtClean="0">
+                <a:latin typeface="Roboto Thin" pitchFamily="2" charset="0"/>
+                <a:ea typeface="Roboto Thin" pitchFamily="2" charset="0"/>
               </a:rPr>
               <a:t>displayed</a:t>
             </a:r>
-            <a:endParaRPr lang="en-US" dirty="0">
-              <a:latin typeface="Roboto Light" panose="02000000000000000000" pitchFamily="2" charset="0"/>
-              <a:ea typeface="Roboto Light" panose="02000000000000000000" pitchFamily="2" charset="0"/>
+            <a:endParaRPr lang="en-US" sz="2400" dirty="0">
+              <a:latin typeface="Roboto Thin" pitchFamily="2" charset="0"/>
+              <a:ea typeface="Roboto Thin" pitchFamily="2" charset="0"/>
             </a:endParaRPr>
           </a:p>
           <a:p>
-            <a:endParaRPr lang="en-US" dirty="0"/>
+            <a:endParaRPr lang="en-US" sz="2400" dirty="0">
+              <a:latin typeface="Roboto Thin" pitchFamily="2" charset="0"/>
+              <a:ea typeface="Roboto Thin" pitchFamily="2" charset="0"/>
+            </a:endParaRPr>
           </a:p>
         </p:txBody>
       </p:sp>
@@ -5611,6 +5699,9 @@
   <p:clrMapOvr>
     <a:masterClrMapping/>
   </p:clrMapOvr>
+  <p:transition spd="slow">
+    <p:push dir="u"/>
+  </p:transition>
   <p:timing>
     <p:tnLst>
       <p:par>
@@ -5655,7 +5746,7 @@
           <a:p>
             <a:r>
               <a:rPr lang="en-US" dirty="0" smtClean="0"/>
-              <a:t>USER FLOW</a:t>
+              <a:t>PROJECT FLOW</a:t>
             </a:r>
             <a:endParaRPr lang="en-US" dirty="0"/>
           </a:p>
@@ -5682,8 +5773,8 @@
         </p:blipFill>
         <p:spPr>
           <a:xfrm>
-            <a:off x="3060700" y="4622037"/>
-            <a:ext cx="844550" cy="2012030"/>
+            <a:off x="1054100" y="4821602"/>
+            <a:ext cx="758824" cy="1807798"/>
           </a:xfrm>
           <a:prstGeom prst="rect">
             <a:avLst/>
@@ -5754,39 +5845,6 @@
       </p:grpSp>
       <p:cxnSp>
         <p:nvCxnSpPr>
-          <p:cNvPr id="12" name="Curved Connector 11"/>
-          <p:cNvCxnSpPr/>
-          <p:nvPr/>
-        </p:nvCxnSpPr>
-        <p:spPr>
-          <a:xfrm rot="10800000">
-            <a:off x="1282215" y="4148815"/>
-            <a:ext cx="1488677" cy="1553951"/>
-          </a:xfrm>
-          <a:prstGeom prst="curvedConnector2">
-            <a:avLst/>
-          </a:prstGeom>
-          <a:ln>
-            <a:tailEnd type="triangle"/>
-          </a:ln>
-        </p:spPr>
-        <p:style>
-          <a:lnRef idx="1">
-            <a:schemeClr val="accent1"/>
-          </a:lnRef>
-          <a:fillRef idx="0">
-            <a:schemeClr val="accent1"/>
-          </a:fillRef>
-          <a:effectRef idx="0">
-            <a:schemeClr val="accent1"/>
-          </a:effectRef>
-          <a:fontRef idx="minor">
-            <a:schemeClr val="tx1"/>
-          </a:fontRef>
-        </p:style>
-      </p:cxnSp>
-      <p:cxnSp>
-        <p:nvCxnSpPr>
           <p:cNvPr id="18" name="Straight Arrow Connector 17"/>
           <p:cNvCxnSpPr/>
           <p:nvPr/>
@@ -5794,7 +5852,7 @@
         <p:spPr>
           <a:xfrm flipV="1">
             <a:off x="2957037" y="3374657"/>
-            <a:ext cx="1371123" cy="2"/>
+            <a:ext cx="1468913" cy="2"/>
           </a:xfrm>
           <a:prstGeom prst="straightConnector1">
             <a:avLst/>
@@ -5826,7 +5884,7 @@
         </p:nvGrpSpPr>
         <p:grpSpPr>
           <a:xfrm>
-            <a:off x="4653282" y="2431645"/>
+            <a:off x="4538460" y="2506360"/>
             <a:ext cx="2427266" cy="1642455"/>
             <a:chOff x="4401822" y="2553430"/>
             <a:chExt cx="2427266" cy="1642455"/>
@@ -5938,6 +5996,479 @@
           </p:txBody>
         </p:sp>
       </p:grpSp>
+      <p:pic>
+        <p:nvPicPr>
+          <p:cNvPr id="3" name="Picture 2"/>
+          <p:cNvPicPr>
+            <a:picLocks noChangeAspect="1"/>
+          </p:cNvPicPr>
+          <p:nvPr/>
+        </p:nvPicPr>
+        <p:blipFill>
+          <a:blip r:embed="rId5">
+            <a:extLst>
+              <a:ext uri="{28A0092B-C50C-407E-A947-70E740481C1C}">
+                <a14:useLocalDpi xmlns:a14="http://schemas.microsoft.com/office/drawing/2010/main" val="0"/>
+              </a:ext>
+            </a:extLst>
+          </a:blip>
+          <a:stretch>
+            <a:fillRect/>
+          </a:stretch>
+        </p:blipFill>
+        <p:spPr>
+          <a:xfrm rot="5400000">
+            <a:off x="4780365" y="5256692"/>
+            <a:ext cx="1200732" cy="742721"/>
+          </a:xfrm>
+          <a:prstGeom prst="rect">
+            <a:avLst/>
+          </a:prstGeom>
+        </p:spPr>
+      </p:pic>
+      <p:cxnSp>
+        <p:nvCxnSpPr>
+          <p:cNvPr id="5" name="Straight Arrow Connector 4"/>
+          <p:cNvCxnSpPr>
+            <a:endCxn id="3" idx="2"/>
+          </p:cNvCxnSpPr>
+          <p:nvPr/>
+        </p:nvCxnSpPr>
+        <p:spPr>
+          <a:xfrm flipV="1">
+            <a:off x="4193914" y="5628053"/>
+            <a:ext cx="815457" cy="1"/>
+          </a:xfrm>
+          <a:prstGeom prst="straightConnector1">
+            <a:avLst/>
+          </a:prstGeom>
+          <a:ln>
+            <a:headEnd type="triangle"/>
+            <a:tailEnd type="triangle"/>
+          </a:ln>
+        </p:spPr>
+        <p:style>
+          <a:lnRef idx="1">
+            <a:schemeClr val="accent1"/>
+          </a:lnRef>
+          <a:fillRef idx="0">
+            <a:schemeClr val="accent1"/>
+          </a:fillRef>
+          <a:effectRef idx="0">
+            <a:schemeClr val="accent1"/>
+          </a:effectRef>
+          <a:fontRef idx="minor">
+            <a:schemeClr val="tx1"/>
+          </a:fontRef>
+        </p:style>
+      </p:cxnSp>
+      <p:cxnSp>
+        <p:nvCxnSpPr>
+          <p:cNvPr id="30" name="Straight Arrow Connector 29"/>
+          <p:cNvCxnSpPr/>
+          <p:nvPr/>
+        </p:nvCxnSpPr>
+        <p:spPr>
+          <a:xfrm flipV="1">
+            <a:off x="1835150" y="4240337"/>
+            <a:ext cx="2675369" cy="553913"/>
+          </a:xfrm>
+          <a:prstGeom prst="straightConnector1">
+            <a:avLst/>
+          </a:prstGeom>
+          <a:ln>
+            <a:headEnd type="triangle"/>
+            <a:tailEnd type="triangle"/>
+          </a:ln>
+        </p:spPr>
+        <p:style>
+          <a:lnRef idx="1">
+            <a:schemeClr val="accent1"/>
+          </a:lnRef>
+          <a:fillRef idx="0">
+            <a:schemeClr val="accent1"/>
+          </a:fillRef>
+          <a:effectRef idx="0">
+            <a:schemeClr val="accent1"/>
+          </a:effectRef>
+          <a:fontRef idx="minor">
+            <a:schemeClr val="tx1"/>
+          </a:fontRef>
+        </p:style>
+      </p:cxnSp>
+      <p:cxnSp>
+        <p:nvCxnSpPr>
+          <p:cNvPr id="55" name="Straight Arrow Connector 54"/>
+          <p:cNvCxnSpPr/>
+          <p:nvPr/>
+        </p:nvCxnSpPr>
+        <p:spPr>
+          <a:xfrm>
+            <a:off x="7116287" y="3327587"/>
+            <a:ext cx="2016065" cy="0"/>
+          </a:xfrm>
+          <a:prstGeom prst="straightConnector1">
+            <a:avLst/>
+          </a:prstGeom>
+          <a:ln>
+            <a:tailEnd type="triangle"/>
+          </a:ln>
+        </p:spPr>
+        <p:style>
+          <a:lnRef idx="1">
+            <a:schemeClr val="accent1"/>
+          </a:lnRef>
+          <a:fillRef idx="0">
+            <a:schemeClr val="accent1"/>
+          </a:fillRef>
+          <a:effectRef idx="0">
+            <a:schemeClr val="accent1"/>
+          </a:effectRef>
+          <a:fontRef idx="minor">
+            <a:schemeClr val="tx1"/>
+          </a:fontRef>
+        </p:style>
+      </p:cxnSp>
+      <p:grpSp>
+        <p:nvGrpSpPr>
+          <p:cNvPr id="54" name="Group 53"/>
+          <p:cNvGrpSpPr/>
+          <p:nvPr/>
+        </p:nvGrpSpPr>
+        <p:grpSpPr>
+          <a:xfrm>
+            <a:off x="8953809" y="2222846"/>
+            <a:ext cx="2567958" cy="1925969"/>
+            <a:chOff x="8337550" y="2222846"/>
+            <a:chExt cx="3184217" cy="2388163"/>
+          </a:xfrm>
+        </p:grpSpPr>
+        <p:pic>
+          <p:nvPicPr>
+            <p:cNvPr id="47" name="Picture 46"/>
+            <p:cNvPicPr>
+              <a:picLocks noChangeAspect="1"/>
+            </p:cNvPicPr>
+            <p:nvPr/>
+          </p:nvPicPr>
+          <p:blipFill>
+            <a:blip r:embed="rId6">
+              <a:extLst>
+                <a:ext uri="{28A0092B-C50C-407E-A947-70E740481C1C}">
+                  <a14:useLocalDpi xmlns:a14="http://schemas.microsoft.com/office/drawing/2010/main" val="0"/>
+                </a:ext>
+              </a:extLst>
+            </a:blip>
+            <a:stretch>
+              <a:fillRect/>
+            </a:stretch>
+          </p:blipFill>
+          <p:spPr>
+            <a:xfrm>
+              <a:off x="8337550" y="2222846"/>
+              <a:ext cx="3184217" cy="2388163"/>
+            </a:xfrm>
+            <a:prstGeom prst="rect">
+              <a:avLst/>
+            </a:prstGeom>
+          </p:spPr>
+        </p:pic>
+        <p:pic>
+          <p:nvPicPr>
+            <p:cNvPr id="56" name="Picture 55"/>
+            <p:cNvPicPr>
+              <a:picLocks noChangeAspect="1"/>
+            </p:cNvPicPr>
+            <p:nvPr/>
+          </p:nvPicPr>
+          <p:blipFill>
+            <a:blip r:embed="rId7">
+              <a:extLst>
+                <a:ext uri="{28A0092B-C50C-407E-A947-70E740481C1C}">
+                  <a14:useLocalDpi xmlns:a14="http://schemas.microsoft.com/office/drawing/2010/main" val="0"/>
+                </a:ext>
+              </a:extLst>
+            </a:blip>
+            <a:stretch>
+              <a:fillRect/>
+            </a:stretch>
+          </p:blipFill>
+          <p:spPr>
+            <a:xfrm>
+              <a:off x="8655050" y="2786517"/>
+              <a:ext cx="1035050" cy="1035050"/>
+            </a:xfrm>
+            <a:prstGeom prst="rect">
+              <a:avLst/>
+            </a:prstGeom>
+          </p:spPr>
+        </p:pic>
+      </p:grpSp>
+      <p:cxnSp>
+        <p:nvCxnSpPr>
+          <p:cNvPr id="65" name="Straight Arrow Connector 64"/>
+          <p:cNvCxnSpPr/>
+          <p:nvPr/>
+        </p:nvCxnSpPr>
+        <p:spPr>
+          <a:xfrm flipV="1">
+            <a:off x="5880100" y="3734643"/>
+            <a:ext cx="3118295" cy="1893411"/>
+          </a:xfrm>
+          <a:prstGeom prst="straightConnector1">
+            <a:avLst/>
+          </a:prstGeom>
+          <a:ln>
+            <a:headEnd type="triangle"/>
+            <a:tailEnd type="triangle"/>
+          </a:ln>
+        </p:spPr>
+        <p:style>
+          <a:lnRef idx="1">
+            <a:schemeClr val="accent1"/>
+          </a:lnRef>
+          <a:fillRef idx="0">
+            <a:schemeClr val="accent1"/>
+          </a:fillRef>
+          <a:effectRef idx="0">
+            <a:schemeClr val="accent1"/>
+          </a:effectRef>
+          <a:fontRef idx="minor">
+            <a:schemeClr val="tx1"/>
+          </a:fontRef>
+        </p:style>
+      </p:cxnSp>
+      <p:cxnSp>
+        <p:nvCxnSpPr>
+          <p:cNvPr id="70" name="Straight Arrow Connector 69"/>
+          <p:cNvCxnSpPr/>
+          <p:nvPr/>
+        </p:nvCxnSpPr>
+        <p:spPr>
+          <a:xfrm flipH="1">
+            <a:off x="10555287" y="4109051"/>
+            <a:ext cx="1" cy="621699"/>
+          </a:xfrm>
+          <a:prstGeom prst="straightConnector1">
+            <a:avLst/>
+          </a:prstGeom>
+          <a:ln>
+            <a:tailEnd type="triangle"/>
+          </a:ln>
+        </p:spPr>
+        <p:style>
+          <a:lnRef idx="1">
+            <a:schemeClr val="accent1"/>
+          </a:lnRef>
+          <a:fillRef idx="0">
+            <a:schemeClr val="accent1"/>
+          </a:fillRef>
+          <a:effectRef idx="0">
+            <a:schemeClr val="accent1"/>
+          </a:effectRef>
+          <a:fontRef idx="minor">
+            <a:schemeClr val="tx1"/>
+          </a:fontRef>
+        </p:style>
+      </p:cxnSp>
+      <p:pic>
+        <p:nvPicPr>
+          <p:cNvPr id="1027" name="Picture 3"/>
+          <p:cNvPicPr>
+            <a:picLocks noChangeAspect="1" noChangeArrowheads="1"/>
+          </p:cNvPicPr>
+          <p:nvPr/>
+        </p:nvPicPr>
+        <p:blipFill>
+          <a:blip r:embed="rId8">
+            <a:extLst>
+              <a:ext uri="{28A0092B-C50C-407E-A947-70E740481C1C}">
+                <a14:useLocalDpi xmlns:a14="http://schemas.microsoft.com/office/drawing/2010/main" val="0"/>
+              </a:ext>
+            </a:extLst>
+          </a:blip>
+          <a:srcRect/>
+          <a:stretch>
+            <a:fillRect/>
+          </a:stretch>
+        </p:blipFill>
+        <p:spPr bwMode="auto">
+          <a:xfrm>
+            <a:off x="9020310" y="4904240"/>
+            <a:ext cx="2434955" cy="1644873"/>
+          </a:xfrm>
+          <a:prstGeom prst="rect">
+            <a:avLst/>
+          </a:prstGeom>
+          <a:noFill/>
+          <a:ln>
+            <a:noFill/>
+          </a:ln>
+          <a:effectLst/>
+          <a:extLst>
+            <a:ext uri="{909E8E84-426E-40DD-AFC4-6F175D3DCCD1}">
+              <a14:hiddenFill xmlns:a14="http://schemas.microsoft.com/office/drawing/2010/main">
+                <a:solidFill>
+                  <a:schemeClr val="accent1"/>
+                </a:solidFill>
+              </a14:hiddenFill>
+            </a:ext>
+            <a:ext uri="{91240B29-F687-4F45-9708-019B960494DF}">
+              <a14:hiddenLine xmlns:a14="http://schemas.microsoft.com/office/drawing/2010/main" w="9525">
+                <a:solidFill>
+                  <a:schemeClr val="tx1"/>
+                </a:solidFill>
+                <a:miter lim="800000"/>
+                <a:headEnd/>
+                <a:tailEnd/>
+              </a14:hiddenLine>
+            </a:ext>
+            <a:ext uri="{AF507438-7753-43E0-B8FC-AC1667EBCBE1}">
+              <a14:hiddenEffects xmlns:a14="http://schemas.microsoft.com/office/drawing/2010/main">
+                <a:effectLst>
+                  <a:outerShdw dist="35921" dir="2700000" algn="ctr" rotWithShape="0">
+                    <a:schemeClr val="bg2"/>
+                  </a:outerShdw>
+                </a:effectLst>
+              </a14:hiddenEffects>
+            </a:ext>
+          </a:extLst>
+        </p:spPr>
+      </p:pic>
+      <p:cxnSp>
+        <p:nvCxnSpPr>
+          <p:cNvPr id="82" name="Straight Arrow Connector 81"/>
+          <p:cNvCxnSpPr/>
+          <p:nvPr/>
+        </p:nvCxnSpPr>
+        <p:spPr>
+          <a:xfrm flipV="1">
+            <a:off x="1572023" y="4240339"/>
+            <a:ext cx="1" cy="553911"/>
+          </a:xfrm>
+          <a:prstGeom prst="straightConnector1">
+            <a:avLst/>
+          </a:prstGeom>
+          <a:ln>
+            <a:tailEnd type="triangle"/>
+          </a:ln>
+        </p:spPr>
+        <p:style>
+          <a:lnRef idx="1">
+            <a:schemeClr val="accent1"/>
+          </a:lnRef>
+          <a:fillRef idx="0">
+            <a:schemeClr val="accent1"/>
+          </a:fillRef>
+          <a:effectRef idx="0">
+            <a:schemeClr val="accent1"/>
+          </a:effectRef>
+          <a:fontRef idx="minor">
+            <a:schemeClr val="tx1"/>
+          </a:fontRef>
+        </p:style>
+      </p:cxnSp>
+      <p:pic>
+        <p:nvPicPr>
+          <p:cNvPr id="92" name="Picture 91"/>
+          <p:cNvPicPr>
+            <a:picLocks noChangeAspect="1"/>
+          </p:cNvPicPr>
+          <p:nvPr/>
+        </p:nvPicPr>
+        <p:blipFill rotWithShape="1">
+          <a:blip r:embed="rId2">
+            <a:extLst>
+              <a:ext uri="{28A0092B-C50C-407E-A947-70E740481C1C}">
+                <a14:useLocalDpi xmlns:a14="http://schemas.microsoft.com/office/drawing/2010/main" val="0"/>
+              </a:ext>
+            </a:extLst>
+          </a:blip>
+          <a:srcRect l="27358" r="36333"/>
+          <a:stretch/>
+        </p:blipFill>
+        <p:spPr>
+          <a:xfrm>
+            <a:off x="3457310" y="4794250"/>
+            <a:ext cx="736604" cy="1754863"/>
+          </a:xfrm>
+          <a:prstGeom prst="rect">
+            <a:avLst/>
+          </a:prstGeom>
+        </p:spPr>
+      </p:pic>
+      <p:sp>
+        <p:nvSpPr>
+          <p:cNvPr id="90" name="TextBox 89"/>
+          <p:cNvSpPr txBox="1"/>
+          <p:nvPr/>
+        </p:nvSpPr>
+        <p:spPr>
+          <a:xfrm>
+            <a:off x="3287319" y="6379836"/>
+            <a:ext cx="1076586" cy="338554"/>
+          </a:xfrm>
+          <a:prstGeom prst="rect">
+            <a:avLst/>
+          </a:prstGeom>
+          <a:noFill/>
+        </p:spPr>
+        <p:txBody>
+          <a:bodyPr wrap="square" rtlCol="0">
+            <a:spAutoFit/>
+          </a:bodyPr>
+          <a:lstStyle/>
+          <a:p>
+            <a:r>
+              <a:rPr lang="en-US" sz="1600" dirty="0" smtClean="0">
+                <a:latin typeface="Roboto Thin" pitchFamily="2" charset="0"/>
+                <a:ea typeface="Roboto Thin" pitchFamily="2" charset="0"/>
+              </a:rPr>
+              <a:t>PATIENT</a:t>
+            </a:r>
+            <a:endParaRPr lang="en-US" sz="1600" dirty="0">
+              <a:latin typeface="Roboto Thin" pitchFamily="2" charset="0"/>
+              <a:ea typeface="Roboto Thin" pitchFamily="2" charset="0"/>
+            </a:endParaRPr>
+          </a:p>
+        </p:txBody>
+      </p:sp>
+      <p:sp>
+        <p:nvSpPr>
+          <p:cNvPr id="94" name="TextBox 93"/>
+          <p:cNvSpPr txBox="1"/>
+          <p:nvPr/>
+        </p:nvSpPr>
+        <p:spPr>
+          <a:xfrm>
+            <a:off x="763521" y="6460123"/>
+            <a:ext cx="1339982" cy="338554"/>
+          </a:xfrm>
+          <a:prstGeom prst="rect">
+            <a:avLst/>
+          </a:prstGeom>
+          <a:noFill/>
+        </p:spPr>
+        <p:txBody>
+          <a:bodyPr wrap="square" rtlCol="0">
+            <a:spAutoFit/>
+          </a:bodyPr>
+          <a:lstStyle/>
+          <a:p>
+            <a:r>
+              <a:rPr lang="en-US" sz="1600" dirty="0" smtClean="0">
+                <a:latin typeface="Roboto Thin" pitchFamily="2" charset="0"/>
+                <a:ea typeface="Roboto Thin" pitchFamily="2" charset="0"/>
+              </a:rPr>
+              <a:t>CARETAKER</a:t>
+            </a:r>
+            <a:endParaRPr lang="en-US" sz="1600" dirty="0">
+              <a:latin typeface="Roboto Thin" pitchFamily="2" charset="0"/>
+              <a:ea typeface="Roboto Thin" pitchFamily="2" charset="0"/>
+            </a:endParaRPr>
+          </a:p>
+        </p:txBody>
+      </p:sp>
     </p:spTree>
     <p:extLst>
       <p:ext uri="{BB962C8B-B14F-4D97-AF65-F5344CB8AC3E}">
@@ -5948,6 +6479,9 @@
   <p:clrMapOvr>
     <a:masterClrMapping/>
   </p:clrMapOvr>
+  <p:transition spd="slow">
+    <p:push dir="u"/>
+  </p:transition>
   <p:timing>
     <p:tnLst>
       <p:par>
@@ -5969,7 +6503,7 @@
                             </p:stCondLst>
                             <p:childTnLst>
                               <p:par>
-                                <p:cTn id="5" presetID="10" presetClass="entr" presetSubtype="0" fill="hold" nodeType="clickEffect">
+                                <p:cTn id="5" presetID="22" presetClass="entr" presetSubtype="4" fill="hold" nodeType="clickEffect">
                                   <p:stCondLst>
                                     <p:cond delay="0"/>
                                   </p:stCondLst>
@@ -5982,7 +6516,7 @@
                                           </p:stCondLst>
                                         </p:cTn>
                                         <p:tgtEl>
-                                          <p:spTgt spid="6"/>
+                                          <p:spTgt spid="82"/>
                                         </p:tgtEl>
                                         <p:attrNameLst>
                                           <p:attrName>style.visibility</p:attrName>
@@ -5992,11 +6526,11 @@
                                         <p:strVal val="visible"/>
                                       </p:to>
                                     </p:set>
-                                    <p:animEffect transition="in" filter="fade">
+                                    <p:animEffect transition="in" filter="wipe(down)">
                                       <p:cBhvr>
                                         <p:cTn id="7" dur="500"/>
                                         <p:tgtEl>
-                                          <p:spTgt spid="6"/>
+                                          <p:spTgt spid="82"/>
                                         </p:tgtEl>
                                       </p:cBhvr>
                                     </p:animEffect>
@@ -6022,7 +6556,7 @@
                             </p:stCondLst>
                             <p:childTnLst>
                               <p:par>
-                                <p:cTn id="10" presetID="22" presetClass="entr" presetSubtype="4" fill="hold" nodeType="clickEffect">
+                                <p:cTn id="10" presetID="53" presetClass="entr" presetSubtype="16" fill="hold" nodeType="clickEffect">
                                   <p:stCondLst>
                                     <p:cond delay="0"/>
                                   </p:stCondLst>
@@ -6030,59 +6564,6 @@
                                     <p:set>
                                       <p:cBhvr>
                                         <p:cTn id="11" dur="1" fill="hold">
-                                          <p:stCondLst>
-                                            <p:cond delay="0"/>
-                                          </p:stCondLst>
-                                        </p:cTn>
-                                        <p:tgtEl>
-                                          <p:spTgt spid="12"/>
-                                        </p:tgtEl>
-                                        <p:attrNameLst>
-                                          <p:attrName>style.visibility</p:attrName>
-                                        </p:attrNameLst>
-                                      </p:cBhvr>
-                                      <p:to>
-                                        <p:strVal val="visible"/>
-                                      </p:to>
-                                    </p:set>
-                                    <p:animEffect transition="in" filter="wipe(down)">
-                                      <p:cBhvr>
-                                        <p:cTn id="12" dur="500"/>
-                                        <p:tgtEl>
-                                          <p:spTgt spid="12"/>
-                                        </p:tgtEl>
-                                      </p:cBhvr>
-                                    </p:animEffect>
-                                  </p:childTnLst>
-                                </p:cTn>
-                              </p:par>
-                            </p:childTnLst>
-                          </p:cTn>
-                        </p:par>
-                      </p:childTnLst>
-                    </p:cTn>
-                  </p:par>
-                  <p:par>
-                    <p:cTn id="13" fill="hold">
-                      <p:stCondLst>
-                        <p:cond delay="indefinite"/>
-                      </p:stCondLst>
-                      <p:childTnLst>
-                        <p:par>
-                          <p:cTn id="14" fill="hold">
-                            <p:stCondLst>
-                              <p:cond delay="0"/>
-                            </p:stCondLst>
-                            <p:childTnLst>
-                              <p:par>
-                                <p:cTn id="15" presetID="22" presetClass="entr" presetSubtype="4" fill="hold" nodeType="clickEffect">
-                                  <p:stCondLst>
-                                    <p:cond delay="0"/>
-                                  </p:stCondLst>
-                                  <p:childTnLst>
-                                    <p:set>
-                                      <p:cBhvr>
-                                        <p:cTn id="16" dur="1" fill="hold">
                                           <p:stCondLst>
                                             <p:cond delay="0"/>
                                           </p:stCondLst>
@@ -6098,9 +6579,55 @@
                                         <p:strVal val="visible"/>
                                       </p:to>
                                     </p:set>
-                                    <p:animEffect transition="in" filter="wipe(down)">
+                                    <p:anim calcmode="lin" valueType="num">
                                       <p:cBhvr>
-                                        <p:cTn id="17" dur="500"/>
+                                        <p:cTn id="12" dur="500" fill="hold"/>
+                                        <p:tgtEl>
+                                          <p:spTgt spid="15"/>
+                                        </p:tgtEl>
+                                        <p:attrNameLst>
+                                          <p:attrName>ppt_w</p:attrName>
+                                        </p:attrNameLst>
+                                      </p:cBhvr>
+                                      <p:tavLst>
+                                        <p:tav tm="0">
+                                          <p:val>
+                                            <p:fltVal val="0"/>
+                                          </p:val>
+                                        </p:tav>
+                                        <p:tav tm="100000">
+                                          <p:val>
+                                            <p:strVal val="#ppt_w"/>
+                                          </p:val>
+                                        </p:tav>
+                                      </p:tavLst>
+                                    </p:anim>
+                                    <p:anim calcmode="lin" valueType="num">
+                                      <p:cBhvr>
+                                        <p:cTn id="13" dur="500" fill="hold"/>
+                                        <p:tgtEl>
+                                          <p:spTgt spid="15"/>
+                                        </p:tgtEl>
+                                        <p:attrNameLst>
+                                          <p:attrName>ppt_h</p:attrName>
+                                        </p:attrNameLst>
+                                      </p:cBhvr>
+                                      <p:tavLst>
+                                        <p:tav tm="0">
+                                          <p:val>
+                                            <p:fltVal val="0"/>
+                                          </p:val>
+                                        </p:tav>
+                                        <p:tav tm="100000">
+                                          <p:val>
+                                            <p:strVal val="#ppt_h"/>
+                                          </p:val>
+                                        </p:tav>
+                                      </p:tavLst>
+                                    </p:anim>
+                                    <p:animEffect transition="in" filter="fade">
+                                      <p:cBhvr>
+                                        <p:cTn id="14" dur="500"/>
                                         <p:tgtEl>
                                           <p:spTgt spid="15"/>
                                         </p:tgtEl>
@@ -6116,26 +6643,26 @@
                     </p:cTn>
                   </p:par>
                   <p:par>
-                    <p:cTn id="18" fill="hold">
+                    <p:cTn id="15" fill="hold">
                       <p:stCondLst>
                         <p:cond delay="indefinite"/>
                       </p:stCondLst>
                       <p:childTnLst>
                         <p:par>
-                          <p:cTn id="19" fill="hold">
+                          <p:cTn id="16" fill="hold">
                             <p:stCondLst>
                               <p:cond delay="0"/>
                             </p:stCondLst>
                             <p:childTnLst>
                               <p:par>
-                                <p:cTn id="20" presetID="22" presetClass="entr" presetSubtype="8" fill="hold" nodeType="clickEffect">
+                                <p:cTn id="17" presetID="22" presetClass="entr" presetSubtype="8" fill="hold" nodeType="clickEffect">
                                   <p:stCondLst>
                                     <p:cond delay="0"/>
                                   </p:stCondLst>
                                   <p:childTnLst>
                                     <p:set>
                                       <p:cBhvr>
-                                        <p:cTn id="21" dur="1" fill="hold">
+                                        <p:cTn id="18" dur="1" fill="hold">
                                           <p:stCondLst>
                                             <p:cond delay="0"/>
                                           </p:stCondLst>
@@ -6153,7 +6680,7 @@
                                     </p:set>
                                     <p:animEffect transition="in" filter="wipe(left)">
                                       <p:cBhvr>
-                                        <p:cTn id="22" dur="500"/>
+                                        <p:cTn id="19" dur="500"/>
                                         <p:tgtEl>
                                           <p:spTgt spid="18"/>
                                         </p:tgtEl>
@@ -6162,33 +6689,15 @@
                                   </p:childTnLst>
                                 </p:cTn>
                               </p:par>
-                            </p:childTnLst>
-                          </p:cTn>
-                        </p:par>
-                      </p:childTnLst>
-                    </p:cTn>
-                  </p:par>
-                  <p:par>
-                    <p:cTn id="23" fill="hold">
-                      <p:stCondLst>
-                        <p:cond delay="indefinite"/>
-                      </p:stCondLst>
-                      <p:childTnLst>
-                        <p:par>
-                          <p:cTn id="24" fill="hold">
-                            <p:stCondLst>
-                              <p:cond delay="0"/>
-                            </p:stCondLst>
-                            <p:childTnLst>
                               <p:par>
-                                <p:cTn id="25" presetID="22" presetClass="entr" presetSubtype="4" fill="hold" nodeType="clickEffect">
+                                <p:cTn id="20" presetID="53" presetClass="entr" presetSubtype="16" fill="hold" nodeType="withEffect">
                                   <p:stCondLst>
                                     <p:cond delay="0"/>
                                   </p:stCondLst>
                                   <p:childTnLst>
                                     <p:set>
                                       <p:cBhvr>
-                                        <p:cTn id="26" dur="1" fill="hold">
+                                        <p:cTn id="21" dur="1" fill="hold">
                                           <p:stCondLst>
                                             <p:cond delay="0"/>
                                           </p:stCondLst>
@@ -6204,14 +6713,1820 @@
                                         <p:strVal val="visible"/>
                                       </p:to>
                                     </p:set>
-                                    <p:animEffect transition="in" filter="wipe(down)">
+                                    <p:anim calcmode="lin" valueType="num">
                                       <p:cBhvr>
-                                        <p:cTn id="27" dur="500"/>
+                                        <p:cTn id="22" dur="500" fill="hold"/>
+                                        <p:tgtEl>
+                                          <p:spTgt spid="27"/>
+                                        </p:tgtEl>
+                                        <p:attrNameLst>
+                                          <p:attrName>ppt_w</p:attrName>
+                                        </p:attrNameLst>
+                                      </p:cBhvr>
+                                      <p:tavLst>
+                                        <p:tav tm="0">
+                                          <p:val>
+                                            <p:fltVal val="0"/>
+                                          </p:val>
+                                        </p:tav>
+                                        <p:tav tm="100000">
+                                          <p:val>
+                                            <p:strVal val="#ppt_w"/>
+                                          </p:val>
+                                        </p:tav>
+                                      </p:tavLst>
+                                    </p:anim>
+                                    <p:anim calcmode="lin" valueType="num">
+                                      <p:cBhvr>
+                                        <p:cTn id="23" dur="500" fill="hold"/>
+                                        <p:tgtEl>
+                                          <p:spTgt spid="27"/>
+                                        </p:tgtEl>
+                                        <p:attrNameLst>
+                                          <p:attrName>ppt_h</p:attrName>
+                                        </p:attrNameLst>
+                                      </p:cBhvr>
+                                      <p:tavLst>
+                                        <p:tav tm="0">
+                                          <p:val>
+                                            <p:fltVal val="0"/>
+                                          </p:val>
+                                        </p:tav>
+                                        <p:tav tm="100000">
+                                          <p:val>
+                                            <p:strVal val="#ppt_h"/>
+                                          </p:val>
+                                        </p:tav>
+                                      </p:tavLst>
+                                    </p:anim>
+                                    <p:animEffect transition="in" filter="fade">
+                                      <p:cBhvr>
+                                        <p:cTn id="24" dur="500"/>
                                         <p:tgtEl>
                                           <p:spTgt spid="27"/>
                                         </p:tgtEl>
                                       </p:cBhvr>
                                     </p:animEffect>
+                                  </p:childTnLst>
+                                </p:cTn>
+                              </p:par>
+                            </p:childTnLst>
+                          </p:cTn>
+                        </p:par>
+                      </p:childTnLst>
+                    </p:cTn>
+                  </p:par>
+                  <p:par>
+                    <p:cTn id="25" fill="hold">
+                      <p:stCondLst>
+                        <p:cond delay="indefinite"/>
+                      </p:stCondLst>
+                      <p:childTnLst>
+                        <p:par>
+                          <p:cTn id="26" fill="hold">
+                            <p:stCondLst>
+                              <p:cond delay="0"/>
+                            </p:stCondLst>
+                            <p:childTnLst>
+                              <p:par>
+                                <p:cTn id="27" presetID="22" presetClass="entr" presetSubtype="4" fill="hold" nodeType="clickEffect">
+                                  <p:stCondLst>
+                                    <p:cond delay="0"/>
+                                  </p:stCondLst>
+                                  <p:childTnLst>
+                                    <p:set>
+                                      <p:cBhvr>
+                                        <p:cTn id="28" dur="1" fill="hold">
+                                          <p:stCondLst>
+                                            <p:cond delay="0"/>
+                                          </p:stCondLst>
+                                        </p:cTn>
+                                        <p:tgtEl>
+                                          <p:spTgt spid="30"/>
+                                        </p:tgtEl>
+                                        <p:attrNameLst>
+                                          <p:attrName>style.visibility</p:attrName>
+                                        </p:attrNameLst>
+                                      </p:cBhvr>
+                                      <p:to>
+                                        <p:strVal val="visible"/>
+                                      </p:to>
+                                    </p:set>
+                                    <p:animEffect transition="in" filter="wipe(down)">
+                                      <p:cBhvr>
+                                        <p:cTn id="29" dur="500"/>
+                                        <p:tgtEl>
+                                          <p:spTgt spid="30"/>
+                                        </p:tgtEl>
+                                      </p:cBhvr>
+                                    </p:animEffect>
+                                  </p:childTnLst>
+                                </p:cTn>
+                              </p:par>
+                            </p:childTnLst>
+                          </p:cTn>
+                        </p:par>
+                      </p:childTnLst>
+                    </p:cTn>
+                  </p:par>
+                  <p:par>
+                    <p:cTn id="30" fill="hold">
+                      <p:stCondLst>
+                        <p:cond delay="indefinite"/>
+                      </p:stCondLst>
+                      <p:childTnLst>
+                        <p:par>
+                          <p:cTn id="31" fill="hold">
+                            <p:stCondLst>
+                              <p:cond delay="0"/>
+                            </p:stCondLst>
+                            <p:childTnLst>
+                              <p:par>
+                                <p:cTn id="32" presetID="26" presetClass="emph" presetSubtype="0" fill="hold" nodeType="clickEffect">
+                                  <p:stCondLst>
+                                    <p:cond delay="0"/>
+                                  </p:stCondLst>
+                                  <p:childTnLst>
+                                    <p:animEffect transition="out" filter="fade">
+                                      <p:cBhvr>
+                                        <p:cTn id="33" dur="500" tmFilter="0, 0; .2, .5; .8, .5; 1, 0"/>
+                                        <p:tgtEl>
+                                          <p:spTgt spid="6"/>
+                                        </p:tgtEl>
+                                      </p:cBhvr>
+                                    </p:animEffect>
+                                    <p:animScale>
+                                      <p:cBhvr>
+                                        <p:cTn id="34" dur="250" autoRev="1" fill="hold"/>
+                                        <p:tgtEl>
+                                          <p:spTgt spid="6"/>
+                                        </p:tgtEl>
+                                      </p:cBhvr>
+                                      <p:by x="105000" y="105000"/>
+                                    </p:animScale>
+                                  </p:childTnLst>
+                                </p:cTn>
+                              </p:par>
+                            </p:childTnLst>
+                          </p:cTn>
+                        </p:par>
+                      </p:childTnLst>
+                    </p:cTn>
+                  </p:par>
+                  <p:par>
+                    <p:cTn id="35" fill="hold">
+                      <p:stCondLst>
+                        <p:cond delay="indefinite"/>
+                      </p:stCondLst>
+                      <p:childTnLst>
+                        <p:par>
+                          <p:cTn id="36" fill="hold">
+                            <p:stCondLst>
+                              <p:cond delay="0"/>
+                            </p:stCondLst>
+                            <p:childTnLst>
+                              <p:par>
+                                <p:cTn id="37" presetID="22" presetClass="entr" presetSubtype="8" fill="hold" nodeType="clickEffect">
+                                  <p:stCondLst>
+                                    <p:cond delay="0"/>
+                                  </p:stCondLst>
+                                  <p:childTnLst>
+                                    <p:set>
+                                      <p:cBhvr>
+                                        <p:cTn id="38" dur="1" fill="hold">
+                                          <p:stCondLst>
+                                            <p:cond delay="0"/>
+                                          </p:stCondLst>
+                                        </p:cTn>
+                                        <p:tgtEl>
+                                          <p:spTgt spid="55"/>
+                                        </p:tgtEl>
+                                        <p:attrNameLst>
+                                          <p:attrName>style.visibility</p:attrName>
+                                        </p:attrNameLst>
+                                      </p:cBhvr>
+                                      <p:to>
+                                        <p:strVal val="visible"/>
+                                      </p:to>
+                                    </p:set>
+                                    <p:animEffect transition="in" filter="wipe(left)">
+                                      <p:cBhvr>
+                                        <p:cTn id="39" dur="500"/>
+                                        <p:tgtEl>
+                                          <p:spTgt spid="55"/>
+                                        </p:tgtEl>
+                                      </p:cBhvr>
+                                    </p:animEffect>
+                                  </p:childTnLst>
+                                </p:cTn>
+                              </p:par>
+                            </p:childTnLst>
+                          </p:cTn>
+                        </p:par>
+                      </p:childTnLst>
+                    </p:cTn>
+                  </p:par>
+                  <p:par>
+                    <p:cTn id="40" fill="hold">
+                      <p:stCondLst>
+                        <p:cond delay="indefinite"/>
+                      </p:stCondLst>
+                      <p:childTnLst>
+                        <p:par>
+                          <p:cTn id="41" fill="hold">
+                            <p:stCondLst>
+                              <p:cond delay="0"/>
+                            </p:stCondLst>
+                            <p:childTnLst>
+                              <p:par>
+                                <p:cTn id="42" presetID="53" presetClass="entr" presetSubtype="16" fill="hold" nodeType="clickEffect">
+                                  <p:stCondLst>
+                                    <p:cond delay="0"/>
+                                  </p:stCondLst>
+                                  <p:childTnLst>
+                                    <p:set>
+                                      <p:cBhvr>
+                                        <p:cTn id="43" dur="1" fill="hold">
+                                          <p:stCondLst>
+                                            <p:cond delay="0"/>
+                                          </p:stCondLst>
+                                        </p:cTn>
+                                        <p:tgtEl>
+                                          <p:spTgt spid="54"/>
+                                        </p:tgtEl>
+                                        <p:attrNameLst>
+                                          <p:attrName>style.visibility</p:attrName>
+                                        </p:attrNameLst>
+                                      </p:cBhvr>
+                                      <p:to>
+                                        <p:strVal val="visible"/>
+                                      </p:to>
+                                    </p:set>
+                                    <p:anim calcmode="lin" valueType="num">
+                                      <p:cBhvr>
+                                        <p:cTn id="44" dur="500" fill="hold"/>
+                                        <p:tgtEl>
+                                          <p:spTgt spid="54"/>
+                                        </p:tgtEl>
+                                        <p:attrNameLst>
+                                          <p:attrName>ppt_w</p:attrName>
+                                        </p:attrNameLst>
+                                      </p:cBhvr>
+                                      <p:tavLst>
+                                        <p:tav tm="0">
+                                          <p:val>
+                                            <p:fltVal val="0"/>
+                                          </p:val>
+                                        </p:tav>
+                                        <p:tav tm="100000">
+                                          <p:val>
+                                            <p:strVal val="#ppt_w"/>
+                                          </p:val>
+                                        </p:tav>
+                                      </p:tavLst>
+                                    </p:anim>
+                                    <p:anim calcmode="lin" valueType="num">
+                                      <p:cBhvr>
+                                        <p:cTn id="45" dur="500" fill="hold"/>
+                                        <p:tgtEl>
+                                          <p:spTgt spid="54"/>
+                                        </p:tgtEl>
+                                        <p:attrNameLst>
+                                          <p:attrName>ppt_h</p:attrName>
+                                        </p:attrNameLst>
+                                      </p:cBhvr>
+                                      <p:tavLst>
+                                        <p:tav tm="0">
+                                          <p:val>
+                                            <p:fltVal val="0"/>
+                                          </p:val>
+                                        </p:tav>
+                                        <p:tav tm="100000">
+                                          <p:val>
+                                            <p:strVal val="#ppt_h"/>
+                                          </p:val>
+                                        </p:tav>
+                                      </p:tavLst>
+                                    </p:anim>
+                                    <p:animEffect transition="in" filter="fade">
+                                      <p:cBhvr>
+                                        <p:cTn id="46" dur="500"/>
+                                        <p:tgtEl>
+                                          <p:spTgt spid="54"/>
+                                        </p:tgtEl>
+                                      </p:cBhvr>
+                                    </p:animEffect>
+                                  </p:childTnLst>
+                                </p:cTn>
+                              </p:par>
+                            </p:childTnLst>
+                          </p:cTn>
+                        </p:par>
+                      </p:childTnLst>
+                    </p:cTn>
+                  </p:par>
+                  <p:par>
+                    <p:cTn id="47" fill="hold">
+                      <p:stCondLst>
+                        <p:cond delay="indefinite"/>
+                      </p:stCondLst>
+                      <p:childTnLst>
+                        <p:par>
+                          <p:cTn id="48" fill="hold">
+                            <p:stCondLst>
+                              <p:cond delay="0"/>
+                            </p:stCondLst>
+                            <p:childTnLst>
+                              <p:par>
+                                <p:cTn id="49" presetID="22" presetClass="entr" presetSubtype="4" fill="hold" nodeType="clickEffect">
+                                  <p:stCondLst>
+                                    <p:cond delay="0"/>
+                                  </p:stCondLst>
+                                  <p:childTnLst>
+                                    <p:set>
+                                      <p:cBhvr>
+                                        <p:cTn id="50" dur="1" fill="hold">
+                                          <p:stCondLst>
+                                            <p:cond delay="0"/>
+                                          </p:stCondLst>
+                                        </p:cTn>
+                                        <p:tgtEl>
+                                          <p:spTgt spid="65"/>
+                                        </p:tgtEl>
+                                        <p:attrNameLst>
+                                          <p:attrName>style.visibility</p:attrName>
+                                        </p:attrNameLst>
+                                      </p:cBhvr>
+                                      <p:to>
+                                        <p:strVal val="visible"/>
+                                      </p:to>
+                                    </p:set>
+                                    <p:animEffect transition="in" filter="wipe(down)">
+                                      <p:cBhvr>
+                                        <p:cTn id="51" dur="500"/>
+                                        <p:tgtEl>
+                                          <p:spTgt spid="65"/>
+                                        </p:tgtEl>
+                                      </p:cBhvr>
+                                    </p:animEffect>
+                                  </p:childTnLst>
+                                </p:cTn>
+                              </p:par>
+                            </p:childTnLst>
+                          </p:cTn>
+                        </p:par>
+                      </p:childTnLst>
+                    </p:cTn>
+                  </p:par>
+                  <p:par>
+                    <p:cTn id="52" fill="hold">
+                      <p:stCondLst>
+                        <p:cond delay="indefinite"/>
+                      </p:stCondLst>
+                      <p:childTnLst>
+                        <p:par>
+                          <p:cTn id="53" fill="hold">
+                            <p:stCondLst>
+                              <p:cond delay="0"/>
+                            </p:stCondLst>
+                            <p:childTnLst>
+                              <p:par>
+                                <p:cTn id="54" presetID="26" presetClass="emph" presetSubtype="0" fill="hold" nodeType="clickEffect">
+                                  <p:stCondLst>
+                                    <p:cond delay="0"/>
+                                  </p:stCondLst>
+                                  <p:childTnLst>
+                                    <p:animEffect transition="out" filter="fade">
+                                      <p:cBhvr>
+                                        <p:cTn id="55" dur="500" tmFilter="0, 0; .2, .5; .8, .5; 1, 0"/>
+                                        <p:tgtEl>
+                                          <p:spTgt spid="3"/>
+                                        </p:tgtEl>
+                                      </p:cBhvr>
+                                    </p:animEffect>
+                                    <p:animScale>
+                                      <p:cBhvr>
+                                        <p:cTn id="56" dur="250" autoRev="1" fill="hold"/>
+                                        <p:tgtEl>
+                                          <p:spTgt spid="3"/>
+                                        </p:tgtEl>
+                                      </p:cBhvr>
+                                      <p:by x="105000" y="105000"/>
+                                    </p:animScale>
+                                  </p:childTnLst>
+                                </p:cTn>
+                              </p:par>
+                            </p:childTnLst>
+                          </p:cTn>
+                        </p:par>
+                      </p:childTnLst>
+                    </p:cTn>
+                  </p:par>
+                  <p:par>
+                    <p:cTn id="57" fill="hold">
+                      <p:stCondLst>
+                        <p:cond delay="indefinite"/>
+                      </p:stCondLst>
+                      <p:childTnLst>
+                        <p:par>
+                          <p:cTn id="58" fill="hold">
+                            <p:stCondLst>
+                              <p:cond delay="0"/>
+                            </p:stCondLst>
+                            <p:childTnLst>
+                              <p:par>
+                                <p:cTn id="59" presetID="22" presetClass="entr" presetSubtype="1" fill="hold" nodeType="clickEffect">
+                                  <p:stCondLst>
+                                    <p:cond delay="0"/>
+                                  </p:stCondLst>
+                                  <p:childTnLst>
+                                    <p:set>
+                                      <p:cBhvr>
+                                        <p:cTn id="60" dur="1" fill="hold">
+                                          <p:stCondLst>
+                                            <p:cond delay="0"/>
+                                          </p:stCondLst>
+                                        </p:cTn>
+                                        <p:tgtEl>
+                                          <p:spTgt spid="70"/>
+                                        </p:tgtEl>
+                                        <p:attrNameLst>
+                                          <p:attrName>style.visibility</p:attrName>
+                                        </p:attrNameLst>
+                                      </p:cBhvr>
+                                      <p:to>
+                                        <p:strVal val="visible"/>
+                                      </p:to>
+                                    </p:set>
+                                    <p:animEffect transition="in" filter="wipe(up)">
+                                      <p:cBhvr>
+                                        <p:cTn id="61" dur="500"/>
+                                        <p:tgtEl>
+                                          <p:spTgt spid="70"/>
+                                        </p:tgtEl>
+                                      </p:cBhvr>
+                                    </p:animEffect>
+                                  </p:childTnLst>
+                                </p:cTn>
+                              </p:par>
+                            </p:childTnLst>
+                          </p:cTn>
+                        </p:par>
+                      </p:childTnLst>
+                    </p:cTn>
+                  </p:par>
+                  <p:par>
+                    <p:cTn id="62" fill="hold">
+                      <p:stCondLst>
+                        <p:cond delay="indefinite"/>
+                      </p:stCondLst>
+                      <p:childTnLst>
+                        <p:par>
+                          <p:cTn id="63" fill="hold">
+                            <p:stCondLst>
+                              <p:cond delay="0"/>
+                            </p:stCondLst>
+                            <p:childTnLst>
+                              <p:par>
+                                <p:cTn id="64" presetID="53" presetClass="entr" presetSubtype="16" fill="hold" nodeType="clickEffect">
+                                  <p:stCondLst>
+                                    <p:cond delay="0"/>
+                                  </p:stCondLst>
+                                  <p:childTnLst>
+                                    <p:set>
+                                      <p:cBhvr>
+                                        <p:cTn id="65" dur="1" fill="hold">
+                                          <p:stCondLst>
+                                            <p:cond delay="0"/>
+                                          </p:stCondLst>
+                                        </p:cTn>
+                                        <p:tgtEl>
+                                          <p:spTgt spid="1027"/>
+                                        </p:tgtEl>
+                                        <p:attrNameLst>
+                                          <p:attrName>style.visibility</p:attrName>
+                                        </p:attrNameLst>
+                                      </p:cBhvr>
+                                      <p:to>
+                                        <p:strVal val="visible"/>
+                                      </p:to>
+                                    </p:set>
+                                    <p:anim calcmode="lin" valueType="num">
+                                      <p:cBhvr>
+                                        <p:cTn id="66" dur="500" fill="hold"/>
+                                        <p:tgtEl>
+                                          <p:spTgt spid="1027"/>
+                                        </p:tgtEl>
+                                        <p:attrNameLst>
+                                          <p:attrName>ppt_w</p:attrName>
+                                        </p:attrNameLst>
+                                      </p:cBhvr>
+                                      <p:tavLst>
+                                        <p:tav tm="0">
+                                          <p:val>
+                                            <p:fltVal val="0"/>
+                                          </p:val>
+                                        </p:tav>
+                                        <p:tav tm="100000">
+                                          <p:val>
+                                            <p:strVal val="#ppt_w"/>
+                                          </p:val>
+                                        </p:tav>
+                                      </p:tavLst>
+                                    </p:anim>
+                                    <p:anim calcmode="lin" valueType="num">
+                                      <p:cBhvr>
+                                        <p:cTn id="67" dur="500" fill="hold"/>
+                                        <p:tgtEl>
+                                          <p:spTgt spid="1027"/>
+                                        </p:tgtEl>
+                                        <p:attrNameLst>
+                                          <p:attrName>ppt_h</p:attrName>
+                                        </p:attrNameLst>
+                                      </p:cBhvr>
+                                      <p:tavLst>
+                                        <p:tav tm="0">
+                                          <p:val>
+                                            <p:fltVal val="0"/>
+                                          </p:val>
+                                        </p:tav>
+                                        <p:tav tm="100000">
+                                          <p:val>
+                                            <p:strVal val="#ppt_h"/>
+                                          </p:val>
+                                        </p:tav>
+                                      </p:tavLst>
+                                    </p:anim>
+                                    <p:animEffect transition="in" filter="fade">
+                                      <p:cBhvr>
+                                        <p:cTn id="68" dur="500"/>
+                                        <p:tgtEl>
+                                          <p:spTgt spid="1027"/>
+                                        </p:tgtEl>
+                                      </p:cBhvr>
+                                    </p:animEffect>
+                                  </p:childTnLst>
+                                </p:cTn>
+                              </p:par>
+                            </p:childTnLst>
+                          </p:cTn>
+                        </p:par>
+                      </p:childTnLst>
+                    </p:cTn>
+                  </p:par>
+                </p:childTnLst>
+              </p:cTn>
+              <p:prevCondLst>
+                <p:cond evt="onPrev" delay="0">
+                  <p:tgtEl>
+                    <p:sldTgt/>
+                  </p:tgtEl>
+                </p:cond>
+              </p:prevCondLst>
+              <p:nextCondLst>
+                <p:cond evt="onNext" delay="0">
+                  <p:tgtEl>
+                    <p:sldTgt/>
+                  </p:tgtEl>
+                </p:cond>
+              </p:nextCondLst>
+            </p:seq>
+          </p:childTnLst>
+        </p:cTn>
+      </p:par>
+    </p:tnLst>
+  </p:timing>
+</p:sld>
+</file>
+
+<file path=ppt/slides/slide4.xml><?xml version="1.0" encoding="utf-8"?>
+<p:sld xmlns:a="http://schemas.openxmlformats.org/drawingml/2006/main" xmlns:r="http://schemas.openxmlformats.org/officeDocument/2006/relationships" xmlns:p="http://schemas.openxmlformats.org/presentationml/2006/main">
+  <p:cSld>
+    <p:spTree>
+      <p:nvGrpSpPr>
+        <p:cNvPr id="1" name=""/>
+        <p:cNvGrpSpPr/>
+        <p:nvPr/>
+      </p:nvGrpSpPr>
+      <p:grpSpPr>
+        <a:xfrm>
+          <a:off x="0" y="0"/>
+          <a:ext cx="0" cy="0"/>
+          <a:chOff x="0" y="0"/>
+          <a:chExt cx="0" cy="0"/>
+        </a:xfrm>
+      </p:grpSpPr>
+      <p:sp>
+        <p:nvSpPr>
+          <p:cNvPr id="2" name="Title 1"/>
+          <p:cNvSpPr>
+            <a:spLocks noGrp="1"/>
+          </p:cNvSpPr>
+          <p:nvPr>
+            <p:ph type="title"/>
+          </p:nvPr>
+        </p:nvSpPr>
+        <p:spPr/>
+        <p:txBody>
+          <a:bodyPr/>
+          <a:lstStyle/>
+          <a:p>
+            <a:r>
+              <a:rPr lang="en-US" dirty="0" smtClean="0"/>
+              <a:t>PATIENT SETUP</a:t>
+            </a:r>
+            <a:endParaRPr lang="en-US" dirty="0"/>
+          </a:p>
+        </p:txBody>
+      </p:sp>
+      <p:sp>
+        <p:nvSpPr>
+          <p:cNvPr id="3" name="Content Placeholder 2"/>
+          <p:cNvSpPr>
+            <a:spLocks noGrp="1"/>
+          </p:cNvSpPr>
+          <p:nvPr>
+            <p:ph idx="1"/>
+          </p:nvPr>
+        </p:nvSpPr>
+        <p:spPr>
+          <a:xfrm>
+            <a:off x="450850" y="2222287"/>
+            <a:ext cx="8915608" cy="3636511"/>
+          </a:xfrm>
+        </p:spPr>
+        <p:txBody>
+          <a:bodyPr>
+            <a:normAutofit/>
+          </a:bodyPr>
+          <a:lstStyle/>
+          <a:p>
+            <a:r>
+              <a:rPr lang="en-US" sz="2400" dirty="0" smtClean="0"/>
+              <a:t>Patient wears Jawbone UP24 device on wrist</a:t>
+            </a:r>
+          </a:p>
+          <a:p>
+            <a:r>
+              <a:rPr lang="en-US" sz="2400" dirty="0" smtClean="0"/>
+              <a:t>Patient carries smartphone in pocket</a:t>
+            </a:r>
+          </a:p>
+          <a:p>
+            <a:r>
+              <a:rPr lang="en-US" sz="2400" dirty="0" smtClean="0"/>
+              <a:t>Wristband has an approximate battery life of 1 week</a:t>
+            </a:r>
+          </a:p>
+          <a:p>
+            <a:r>
+              <a:rPr lang="en-US" sz="2400" dirty="0" smtClean="0"/>
+              <a:t>Phone has an approximate battery life of 12-15 hours (depending on model)</a:t>
+            </a:r>
+          </a:p>
+          <a:p>
+            <a:r>
+              <a:rPr lang="en-US" sz="2400" dirty="0" smtClean="0"/>
+              <a:t>Data is synced every 20 minutes</a:t>
+            </a:r>
+            <a:endParaRPr lang="en-US" sz="2400" dirty="0"/>
+          </a:p>
+        </p:txBody>
+      </p:sp>
+      <p:pic>
+        <p:nvPicPr>
+          <p:cNvPr id="4" name="Picture 3"/>
+          <p:cNvPicPr>
+            <a:picLocks noChangeAspect="1"/>
+          </p:cNvPicPr>
+          <p:nvPr/>
+        </p:nvPicPr>
+        <p:blipFill>
+          <a:blip r:embed="rId2">
+            <a:extLst>
+              <a:ext uri="{28A0092B-C50C-407E-A947-70E740481C1C}">
+                <a14:useLocalDpi xmlns:a14="http://schemas.microsoft.com/office/drawing/2010/main" val="0"/>
+              </a:ext>
+            </a:extLst>
+          </a:blip>
+          <a:stretch>
+            <a:fillRect/>
+          </a:stretch>
+        </p:blipFill>
+        <p:spPr>
+          <a:xfrm>
+            <a:off x="9366458" y="1954291"/>
+            <a:ext cx="2317542" cy="1433531"/>
+          </a:xfrm>
+          <a:prstGeom prst="rect">
+            <a:avLst/>
+          </a:prstGeom>
+        </p:spPr>
+      </p:pic>
+      <p:pic>
+        <p:nvPicPr>
+          <p:cNvPr id="6" name="Picture 5"/>
+          <p:cNvPicPr>
+            <a:picLocks noChangeAspect="1"/>
+          </p:cNvPicPr>
+          <p:nvPr/>
+        </p:nvPicPr>
+        <p:blipFill rotWithShape="1">
+          <a:blip r:embed="rId3">
+            <a:extLst>
+              <a:ext uri="{28A0092B-C50C-407E-A947-70E740481C1C}">
+                <a14:useLocalDpi xmlns:a14="http://schemas.microsoft.com/office/drawing/2010/main" val="0"/>
+              </a:ext>
+            </a:extLst>
+          </a:blip>
+          <a:srcRect l="19015" t="11670" r="16096" b="10463"/>
+          <a:stretch/>
+        </p:blipFill>
+        <p:spPr>
+          <a:xfrm>
+            <a:off x="9791700" y="3505200"/>
+            <a:ext cx="1663699" cy="2994658"/>
+          </a:xfrm>
+          <a:prstGeom prst="rect">
+            <a:avLst/>
+          </a:prstGeom>
+        </p:spPr>
+      </p:pic>
+    </p:spTree>
+    <p:extLst>
+      <p:ext uri="{BB962C8B-B14F-4D97-AF65-F5344CB8AC3E}">
+        <p14:creationId xmlns:p14="http://schemas.microsoft.com/office/powerpoint/2010/main" val="3126308991"/>
+      </p:ext>
+    </p:extLst>
+  </p:cSld>
+  <p:clrMapOvr>
+    <a:masterClrMapping/>
+  </p:clrMapOvr>
+  <p:transition spd="slow">
+    <p:push dir="u"/>
+  </p:transition>
+  <p:timing>
+    <p:tnLst>
+      <p:par>
+        <p:cTn id="1" dur="indefinite" restart="never" nodeType="tmRoot">
+          <p:childTnLst>
+            <p:seq concurrent="1" nextAc="seek">
+              <p:cTn id="2" dur="indefinite" nodeType="mainSeq">
+                <p:childTnLst>
+                  <p:par>
+                    <p:cTn id="3" fill="hold">
+                      <p:stCondLst>
+                        <p:cond delay="indefinite"/>
+                      </p:stCondLst>
+                      <p:childTnLst>
+                        <p:par>
+                          <p:cTn id="4" fill="hold">
+                            <p:stCondLst>
+                              <p:cond delay="0"/>
+                            </p:stCondLst>
+                            <p:childTnLst>
+                              <p:par>
+                                <p:cTn id="5" presetID="42" presetClass="entr" presetSubtype="0" fill="hold" nodeType="clickEffect">
+                                  <p:stCondLst>
+                                    <p:cond delay="0"/>
+                                  </p:stCondLst>
+                                  <p:childTnLst>
+                                    <p:set>
+                                      <p:cBhvr>
+                                        <p:cTn id="6" dur="1" fill="hold">
+                                          <p:stCondLst>
+                                            <p:cond delay="0"/>
+                                          </p:stCondLst>
+                                        </p:cTn>
+                                        <p:tgtEl>
+                                          <p:spTgt spid="4"/>
+                                        </p:tgtEl>
+                                        <p:attrNameLst>
+                                          <p:attrName>style.visibility</p:attrName>
+                                        </p:attrNameLst>
+                                      </p:cBhvr>
+                                      <p:to>
+                                        <p:strVal val="visible"/>
+                                      </p:to>
+                                    </p:set>
+                                    <p:animEffect transition="in" filter="fade">
+                                      <p:cBhvr>
+                                        <p:cTn id="7" dur="1000"/>
+                                        <p:tgtEl>
+                                          <p:spTgt spid="4"/>
+                                        </p:tgtEl>
+                                      </p:cBhvr>
+                                    </p:animEffect>
+                                    <p:anim calcmode="lin" valueType="num">
+                                      <p:cBhvr>
+                                        <p:cTn id="8" dur="1000" fill="hold"/>
+                                        <p:tgtEl>
+                                          <p:spTgt spid="4"/>
+                                        </p:tgtEl>
+                                        <p:attrNameLst>
+                                          <p:attrName>ppt_x</p:attrName>
+                                        </p:attrNameLst>
+                                      </p:cBhvr>
+                                      <p:tavLst>
+                                        <p:tav tm="0">
+                                          <p:val>
+                                            <p:strVal val="#ppt_x"/>
+                                          </p:val>
+                                        </p:tav>
+                                        <p:tav tm="100000">
+                                          <p:val>
+                                            <p:strVal val="#ppt_x"/>
+                                          </p:val>
+                                        </p:tav>
+                                      </p:tavLst>
+                                    </p:anim>
+                                    <p:anim calcmode="lin" valueType="num">
+                                      <p:cBhvr>
+                                        <p:cTn id="9" dur="1000" fill="hold"/>
+                                        <p:tgtEl>
+                                          <p:spTgt spid="4"/>
+                                        </p:tgtEl>
+                                        <p:attrNameLst>
+                                          <p:attrName>ppt_y</p:attrName>
+                                        </p:attrNameLst>
+                                      </p:cBhvr>
+                                      <p:tavLst>
+                                        <p:tav tm="0">
+                                          <p:val>
+                                            <p:strVal val="#ppt_y+.1"/>
+                                          </p:val>
+                                        </p:tav>
+                                        <p:tav tm="100000">
+                                          <p:val>
+                                            <p:strVal val="#ppt_y"/>
+                                          </p:val>
+                                        </p:tav>
+                                      </p:tavLst>
+                                    </p:anim>
+                                  </p:childTnLst>
+                                </p:cTn>
+                              </p:par>
+                            </p:childTnLst>
+                          </p:cTn>
+                        </p:par>
+                        <p:par>
+                          <p:cTn id="10" fill="hold">
+                            <p:stCondLst>
+                              <p:cond delay="1000"/>
+                            </p:stCondLst>
+                            <p:childTnLst>
+                              <p:par>
+                                <p:cTn id="11" presetID="26" presetClass="emph" presetSubtype="0" fill="hold" nodeType="afterEffect">
+                                  <p:stCondLst>
+                                    <p:cond delay="0"/>
+                                  </p:stCondLst>
+                                  <p:childTnLst>
+                                    <p:animEffect transition="out" filter="fade">
+                                      <p:cBhvr>
+                                        <p:cTn id="12" dur="500" tmFilter="0, 0; .2, .5; .8, .5; 1, 0"/>
+                                        <p:tgtEl>
+                                          <p:spTgt spid="4"/>
+                                        </p:tgtEl>
+                                      </p:cBhvr>
+                                    </p:animEffect>
+                                    <p:animScale>
+                                      <p:cBhvr>
+                                        <p:cTn id="13" dur="250" autoRev="1" fill="hold"/>
+                                        <p:tgtEl>
+                                          <p:spTgt spid="4"/>
+                                        </p:tgtEl>
+                                      </p:cBhvr>
+                                      <p:by x="105000" y="105000"/>
+                                    </p:animScale>
+                                  </p:childTnLst>
+                                </p:cTn>
+                              </p:par>
+                            </p:childTnLst>
+                          </p:cTn>
+                        </p:par>
+                      </p:childTnLst>
+                    </p:cTn>
+                  </p:par>
+                  <p:par>
+                    <p:cTn id="14" fill="hold">
+                      <p:stCondLst>
+                        <p:cond delay="indefinite"/>
+                      </p:stCondLst>
+                      <p:childTnLst>
+                        <p:par>
+                          <p:cTn id="15" fill="hold">
+                            <p:stCondLst>
+                              <p:cond delay="0"/>
+                            </p:stCondLst>
+                            <p:childTnLst>
+                              <p:par>
+                                <p:cTn id="16" presetID="42" presetClass="entr" presetSubtype="0" fill="hold" nodeType="clickEffect">
+                                  <p:stCondLst>
+                                    <p:cond delay="0"/>
+                                  </p:stCondLst>
+                                  <p:childTnLst>
+                                    <p:set>
+                                      <p:cBhvr>
+                                        <p:cTn id="17" dur="1" fill="hold">
+                                          <p:stCondLst>
+                                            <p:cond delay="0"/>
+                                          </p:stCondLst>
+                                        </p:cTn>
+                                        <p:tgtEl>
+                                          <p:spTgt spid="6"/>
+                                        </p:tgtEl>
+                                        <p:attrNameLst>
+                                          <p:attrName>style.visibility</p:attrName>
+                                        </p:attrNameLst>
+                                      </p:cBhvr>
+                                      <p:to>
+                                        <p:strVal val="visible"/>
+                                      </p:to>
+                                    </p:set>
+                                    <p:animEffect transition="in" filter="fade">
+                                      <p:cBhvr>
+                                        <p:cTn id="18" dur="1000"/>
+                                        <p:tgtEl>
+                                          <p:spTgt spid="6"/>
+                                        </p:tgtEl>
+                                      </p:cBhvr>
+                                    </p:animEffect>
+                                    <p:anim calcmode="lin" valueType="num">
+                                      <p:cBhvr>
+                                        <p:cTn id="19" dur="1000" fill="hold"/>
+                                        <p:tgtEl>
+                                          <p:spTgt spid="6"/>
+                                        </p:tgtEl>
+                                        <p:attrNameLst>
+                                          <p:attrName>ppt_x</p:attrName>
+                                        </p:attrNameLst>
+                                      </p:cBhvr>
+                                      <p:tavLst>
+                                        <p:tav tm="0">
+                                          <p:val>
+                                            <p:strVal val="#ppt_x"/>
+                                          </p:val>
+                                        </p:tav>
+                                        <p:tav tm="100000">
+                                          <p:val>
+                                            <p:strVal val="#ppt_x"/>
+                                          </p:val>
+                                        </p:tav>
+                                      </p:tavLst>
+                                    </p:anim>
+                                    <p:anim calcmode="lin" valueType="num">
+                                      <p:cBhvr>
+                                        <p:cTn id="20" dur="1000" fill="hold"/>
+                                        <p:tgtEl>
+                                          <p:spTgt spid="6"/>
+                                        </p:tgtEl>
+                                        <p:attrNameLst>
+                                          <p:attrName>ppt_y</p:attrName>
+                                        </p:attrNameLst>
+                                      </p:cBhvr>
+                                      <p:tavLst>
+                                        <p:tav tm="0">
+                                          <p:val>
+                                            <p:strVal val="#ppt_y+.1"/>
+                                          </p:val>
+                                        </p:tav>
+                                        <p:tav tm="100000">
+                                          <p:val>
+                                            <p:strVal val="#ppt_y"/>
+                                          </p:val>
+                                        </p:tav>
+                                      </p:tavLst>
+                                    </p:anim>
+                                  </p:childTnLst>
+                                </p:cTn>
+                              </p:par>
+                            </p:childTnLst>
+                          </p:cTn>
+                        </p:par>
+                        <p:par>
+                          <p:cTn id="21" fill="hold">
+                            <p:stCondLst>
+                              <p:cond delay="1000"/>
+                            </p:stCondLst>
+                            <p:childTnLst>
+                              <p:par>
+                                <p:cTn id="22" presetID="26" presetClass="emph" presetSubtype="0" fill="hold" nodeType="afterEffect">
+                                  <p:stCondLst>
+                                    <p:cond delay="0"/>
+                                  </p:stCondLst>
+                                  <p:childTnLst>
+                                    <p:animEffect transition="out" filter="fade">
+                                      <p:cBhvr>
+                                        <p:cTn id="23" dur="500" tmFilter="0, 0; .2, .5; .8, .5; 1, 0"/>
+                                        <p:tgtEl>
+                                          <p:spTgt spid="6"/>
+                                        </p:tgtEl>
+                                      </p:cBhvr>
+                                    </p:animEffect>
+                                    <p:animScale>
+                                      <p:cBhvr>
+                                        <p:cTn id="24" dur="250" autoRev="1" fill="hold"/>
+                                        <p:tgtEl>
+                                          <p:spTgt spid="6"/>
+                                        </p:tgtEl>
+                                      </p:cBhvr>
+                                      <p:by x="105000" y="105000"/>
+                                    </p:animScale>
+                                  </p:childTnLst>
+                                </p:cTn>
+                              </p:par>
+                            </p:childTnLst>
+                          </p:cTn>
+                        </p:par>
+                      </p:childTnLst>
+                    </p:cTn>
+                  </p:par>
+                </p:childTnLst>
+              </p:cTn>
+              <p:prevCondLst>
+                <p:cond evt="onPrev" delay="0">
+                  <p:tgtEl>
+                    <p:sldTgt/>
+                  </p:tgtEl>
+                </p:cond>
+              </p:prevCondLst>
+              <p:nextCondLst>
+                <p:cond evt="onNext" delay="0">
+                  <p:tgtEl>
+                    <p:sldTgt/>
+                  </p:tgtEl>
+                </p:cond>
+              </p:nextCondLst>
+            </p:seq>
+          </p:childTnLst>
+        </p:cTn>
+      </p:par>
+    </p:tnLst>
+  </p:timing>
+</p:sld>
+</file>
+
+<file path=ppt/slides/slide5.xml><?xml version="1.0" encoding="utf-8"?>
+<p:sld xmlns:a="http://schemas.openxmlformats.org/drawingml/2006/main" xmlns:r="http://schemas.openxmlformats.org/officeDocument/2006/relationships" xmlns:p="http://schemas.openxmlformats.org/presentationml/2006/main">
+  <p:cSld>
+    <p:spTree>
+      <p:nvGrpSpPr>
+        <p:cNvPr id="1" name=""/>
+        <p:cNvGrpSpPr/>
+        <p:nvPr/>
+      </p:nvGrpSpPr>
+      <p:grpSpPr>
+        <a:xfrm>
+          <a:off x="0" y="0"/>
+          <a:ext cx="0" cy="0"/>
+          <a:chOff x="0" y="0"/>
+          <a:chExt cx="0" cy="0"/>
+        </a:xfrm>
+      </p:grpSpPr>
+      <p:sp>
+        <p:nvSpPr>
+          <p:cNvPr id="2" name="Title 1"/>
+          <p:cNvSpPr>
+            <a:spLocks noGrp="1"/>
+          </p:cNvSpPr>
+          <p:nvPr>
+            <p:ph type="title"/>
+          </p:nvPr>
+        </p:nvSpPr>
+        <p:spPr/>
+        <p:txBody>
+          <a:bodyPr/>
+          <a:lstStyle/>
+          <a:p>
+            <a:r>
+              <a:rPr lang="en-US" dirty="0" smtClean="0"/>
+              <a:t>CARETAKER SETUP</a:t>
+            </a:r>
+            <a:endParaRPr lang="en-US" dirty="0"/>
+          </a:p>
+        </p:txBody>
+      </p:sp>
+      <p:sp>
+        <p:nvSpPr>
+          <p:cNvPr id="3" name="Content Placeholder 2"/>
+          <p:cNvSpPr>
+            <a:spLocks noGrp="1"/>
+          </p:cNvSpPr>
+          <p:nvPr>
+            <p:ph idx="1"/>
+          </p:nvPr>
+        </p:nvSpPr>
+        <p:spPr>
+          <a:xfrm>
+            <a:off x="450850" y="2222287"/>
+            <a:ext cx="8915608" cy="3636511"/>
+          </a:xfrm>
+        </p:spPr>
+        <p:txBody>
+          <a:bodyPr>
+            <a:normAutofit/>
+          </a:bodyPr>
+          <a:lstStyle/>
+          <a:p>
+            <a:r>
+              <a:rPr lang="en-US" sz="2400" dirty="0" smtClean="0"/>
+              <a:t>Caretaker needs to charge phone and band at daily and weekly intervals, respectively</a:t>
+            </a:r>
+          </a:p>
+          <a:p>
+            <a:r>
+              <a:rPr lang="en-US" sz="2400" dirty="0" smtClean="0"/>
+              <a:t> Caretaker needs to manage Jawbone UP24 account</a:t>
+            </a:r>
+          </a:p>
+          <a:p>
+            <a:r>
+              <a:rPr lang="en-US" sz="2400" dirty="0" smtClean="0"/>
+              <a:t> Caretaker needs to login to monitoring website</a:t>
+            </a:r>
+          </a:p>
+          <a:p>
+            <a:endParaRPr lang="en-US" sz="2400" dirty="0"/>
+          </a:p>
+        </p:txBody>
+      </p:sp>
+    </p:spTree>
+    <p:extLst>
+      <p:ext uri="{BB962C8B-B14F-4D97-AF65-F5344CB8AC3E}">
+        <p14:creationId xmlns:p14="http://schemas.microsoft.com/office/powerpoint/2010/main" val="2650783819"/>
+      </p:ext>
+    </p:extLst>
+  </p:cSld>
+  <p:clrMapOvr>
+    <a:masterClrMapping/>
+  </p:clrMapOvr>
+  <p:transition spd="slow">
+    <p:push dir="u"/>
+  </p:transition>
+  <p:timing>
+    <p:tnLst>
+      <p:par>
+        <p:cTn id="1" dur="indefinite" restart="never" nodeType="tmRoot"/>
+      </p:par>
+    </p:tnLst>
+  </p:timing>
+</p:sld>
+</file>
+
+<file path=ppt/slides/slide6.xml><?xml version="1.0" encoding="utf-8"?>
+<p:sld xmlns:a="http://schemas.openxmlformats.org/drawingml/2006/main" xmlns:r="http://schemas.openxmlformats.org/officeDocument/2006/relationships" xmlns:p="http://schemas.openxmlformats.org/presentationml/2006/main">
+  <p:cSld>
+    <p:spTree>
+      <p:nvGrpSpPr>
+        <p:cNvPr id="1" name=""/>
+        <p:cNvGrpSpPr/>
+        <p:nvPr/>
+      </p:nvGrpSpPr>
+      <p:grpSpPr>
+        <a:xfrm>
+          <a:off x="0" y="0"/>
+          <a:ext cx="0" cy="0"/>
+          <a:chOff x="0" y="0"/>
+          <a:chExt cx="0" cy="0"/>
+        </a:xfrm>
+      </p:grpSpPr>
+      <p:sp>
+        <p:nvSpPr>
+          <p:cNvPr id="2" name="Title 1"/>
+          <p:cNvSpPr>
+            <a:spLocks noGrp="1"/>
+          </p:cNvSpPr>
+          <p:nvPr>
+            <p:ph type="title"/>
+          </p:nvPr>
+        </p:nvSpPr>
+        <p:spPr/>
+        <p:txBody>
+          <a:bodyPr/>
+          <a:lstStyle/>
+          <a:p>
+            <a:r>
+              <a:rPr lang="en-US" dirty="0" smtClean="0"/>
+              <a:t>WEBSITE LOGIN – PART I</a:t>
+            </a:r>
+            <a:endParaRPr lang="en-US" dirty="0"/>
+          </a:p>
+        </p:txBody>
+      </p:sp>
+      <p:sp>
+        <p:nvSpPr>
+          <p:cNvPr id="3" name="Content Placeholder 2"/>
+          <p:cNvSpPr>
+            <a:spLocks noGrp="1"/>
+          </p:cNvSpPr>
+          <p:nvPr>
+            <p:ph idx="1"/>
+          </p:nvPr>
+        </p:nvSpPr>
+        <p:spPr>
+          <a:xfrm>
+            <a:off x="450850" y="2222287"/>
+            <a:ext cx="8915608" cy="3636511"/>
+          </a:xfrm>
+        </p:spPr>
+        <p:txBody>
+          <a:bodyPr>
+            <a:normAutofit/>
+          </a:bodyPr>
+          <a:lstStyle/>
+          <a:p>
+            <a:r>
+              <a:rPr lang="en-US" sz="2400" dirty="0" smtClean="0"/>
+              <a:t>Simple interface</a:t>
+            </a:r>
+          </a:p>
+          <a:p>
+            <a:r>
+              <a:rPr lang="en-US" sz="2400" dirty="0" smtClean="0"/>
+              <a:t>Single button, “LOGIN”</a:t>
+            </a:r>
+          </a:p>
+          <a:p>
+            <a:r>
+              <a:rPr lang="en-US" sz="2400" dirty="0" smtClean="0"/>
+              <a:t>Redirects to Jawbone authentication page</a:t>
+            </a:r>
+          </a:p>
+          <a:p>
+            <a:r>
+              <a:rPr lang="en-US" sz="2400" dirty="0" smtClean="0"/>
+              <a:t>Starts </a:t>
+            </a:r>
+            <a:r>
+              <a:rPr lang="en-US" sz="2400" dirty="0" err="1" smtClean="0"/>
+              <a:t>OAuth</a:t>
+            </a:r>
+            <a:r>
+              <a:rPr lang="en-US" sz="2400" dirty="0" smtClean="0"/>
+              <a:t> implementation flow </a:t>
+            </a:r>
+            <a:endParaRPr lang="en-US" sz="2400" dirty="0"/>
+          </a:p>
+        </p:txBody>
+      </p:sp>
+      <p:pic>
+        <p:nvPicPr>
+          <p:cNvPr id="2051" name="Picture 3"/>
+          <p:cNvPicPr>
+            <a:picLocks noChangeAspect="1" noChangeArrowheads="1"/>
+          </p:cNvPicPr>
+          <p:nvPr/>
+        </p:nvPicPr>
+        <p:blipFill>
+          <a:blip r:embed="rId2">
+            <a:extLst>
+              <a:ext uri="{28A0092B-C50C-407E-A947-70E740481C1C}">
+                <a14:useLocalDpi xmlns:a14="http://schemas.microsoft.com/office/drawing/2010/main" val="0"/>
+              </a:ext>
+            </a:extLst>
+          </a:blip>
+          <a:srcRect/>
+          <a:stretch>
+            <a:fillRect/>
+          </a:stretch>
+        </p:blipFill>
+        <p:spPr bwMode="auto">
+          <a:xfrm>
+            <a:off x="6829425" y="2483699"/>
+            <a:ext cx="4876800" cy="3110651"/>
+          </a:xfrm>
+          <a:prstGeom prst="rect">
+            <a:avLst/>
+          </a:prstGeom>
+          <a:noFill/>
+          <a:ln>
+            <a:noFill/>
+          </a:ln>
+          <a:effectLst/>
+          <a:extLst>
+            <a:ext uri="{909E8E84-426E-40DD-AFC4-6F175D3DCCD1}">
+              <a14:hiddenFill xmlns:a14="http://schemas.microsoft.com/office/drawing/2010/main">
+                <a:solidFill>
+                  <a:schemeClr val="accent1"/>
+                </a:solidFill>
+              </a14:hiddenFill>
+            </a:ext>
+            <a:ext uri="{91240B29-F687-4F45-9708-019B960494DF}">
+              <a14:hiddenLine xmlns:a14="http://schemas.microsoft.com/office/drawing/2010/main" w="9525">
+                <a:solidFill>
+                  <a:schemeClr val="tx1"/>
+                </a:solidFill>
+                <a:miter lim="800000"/>
+                <a:headEnd/>
+                <a:tailEnd/>
+              </a14:hiddenLine>
+            </a:ext>
+            <a:ext uri="{AF507438-7753-43E0-B8FC-AC1667EBCBE1}">
+              <a14:hiddenEffects xmlns:a14="http://schemas.microsoft.com/office/drawing/2010/main">
+                <a:effectLst>
+                  <a:outerShdw dist="35921" dir="2700000" algn="ctr" rotWithShape="0">
+                    <a:schemeClr val="bg2"/>
+                  </a:outerShdw>
+                </a:effectLst>
+              </a14:hiddenEffects>
+            </a:ext>
+          </a:extLst>
+        </p:spPr>
+      </p:pic>
+    </p:spTree>
+    <p:extLst>
+      <p:ext uri="{BB962C8B-B14F-4D97-AF65-F5344CB8AC3E}">
+        <p14:creationId xmlns:p14="http://schemas.microsoft.com/office/powerpoint/2010/main" val="3440160190"/>
+      </p:ext>
+    </p:extLst>
+  </p:cSld>
+  <p:clrMapOvr>
+    <a:masterClrMapping/>
+  </p:clrMapOvr>
+  <p:transition spd="slow">
+    <p:push dir="u"/>
+  </p:transition>
+  <p:timing>
+    <p:tnLst>
+      <p:par>
+        <p:cTn id="1" dur="indefinite" restart="never" nodeType="tmRoot">
+          <p:childTnLst>
+            <p:seq concurrent="1" nextAc="seek">
+              <p:cTn id="2" dur="indefinite" nodeType="mainSeq">
+                <p:childTnLst>
+                  <p:par>
+                    <p:cTn id="3" fill="hold">
+                      <p:stCondLst>
+                        <p:cond delay="indefinite"/>
+                      </p:stCondLst>
+                      <p:childTnLst>
+                        <p:par>
+                          <p:cTn id="4" fill="hold">
+                            <p:stCondLst>
+                              <p:cond delay="0"/>
+                            </p:stCondLst>
+                            <p:childTnLst>
+                              <p:par>
+                                <p:cTn id="5" presetID="42" presetClass="entr" presetSubtype="0" fill="hold" nodeType="clickEffect">
+                                  <p:stCondLst>
+                                    <p:cond delay="0"/>
+                                  </p:stCondLst>
+                                  <p:childTnLst>
+                                    <p:set>
+                                      <p:cBhvr>
+                                        <p:cTn id="6" dur="1" fill="hold">
+                                          <p:stCondLst>
+                                            <p:cond delay="0"/>
+                                          </p:stCondLst>
+                                        </p:cTn>
+                                        <p:tgtEl>
+                                          <p:spTgt spid="2051"/>
+                                        </p:tgtEl>
+                                        <p:attrNameLst>
+                                          <p:attrName>style.visibility</p:attrName>
+                                        </p:attrNameLst>
+                                      </p:cBhvr>
+                                      <p:to>
+                                        <p:strVal val="visible"/>
+                                      </p:to>
+                                    </p:set>
+                                    <p:animEffect transition="in" filter="fade">
+                                      <p:cBhvr>
+                                        <p:cTn id="7" dur="1000"/>
+                                        <p:tgtEl>
+                                          <p:spTgt spid="2051"/>
+                                        </p:tgtEl>
+                                      </p:cBhvr>
+                                    </p:animEffect>
+                                    <p:anim calcmode="lin" valueType="num">
+                                      <p:cBhvr>
+                                        <p:cTn id="8" dur="1000" fill="hold"/>
+                                        <p:tgtEl>
+                                          <p:spTgt spid="2051"/>
+                                        </p:tgtEl>
+                                        <p:attrNameLst>
+                                          <p:attrName>ppt_x</p:attrName>
+                                        </p:attrNameLst>
+                                      </p:cBhvr>
+                                      <p:tavLst>
+                                        <p:tav tm="0">
+                                          <p:val>
+                                            <p:strVal val="#ppt_x"/>
+                                          </p:val>
+                                        </p:tav>
+                                        <p:tav tm="100000">
+                                          <p:val>
+                                            <p:strVal val="#ppt_x"/>
+                                          </p:val>
+                                        </p:tav>
+                                      </p:tavLst>
+                                    </p:anim>
+                                    <p:anim calcmode="lin" valueType="num">
+                                      <p:cBhvr>
+                                        <p:cTn id="9" dur="1000" fill="hold"/>
+                                        <p:tgtEl>
+                                          <p:spTgt spid="2051"/>
+                                        </p:tgtEl>
+                                        <p:attrNameLst>
+                                          <p:attrName>ppt_y</p:attrName>
+                                        </p:attrNameLst>
+                                      </p:cBhvr>
+                                      <p:tavLst>
+                                        <p:tav tm="0">
+                                          <p:val>
+                                            <p:strVal val="#ppt_y+.1"/>
+                                          </p:val>
+                                        </p:tav>
+                                        <p:tav tm="100000">
+                                          <p:val>
+                                            <p:strVal val="#ppt_y"/>
+                                          </p:val>
+                                        </p:tav>
+                                      </p:tavLst>
+                                    </p:anim>
+                                  </p:childTnLst>
+                                </p:cTn>
+                              </p:par>
+                            </p:childTnLst>
+                          </p:cTn>
+                        </p:par>
+                        <p:par>
+                          <p:cTn id="10" fill="hold">
+                            <p:stCondLst>
+                              <p:cond delay="1000"/>
+                            </p:stCondLst>
+                            <p:childTnLst>
+                              <p:par>
+                                <p:cTn id="11" presetID="26" presetClass="emph" presetSubtype="0" fill="hold" nodeType="afterEffect">
+                                  <p:stCondLst>
+                                    <p:cond delay="0"/>
+                                  </p:stCondLst>
+                                  <p:childTnLst>
+                                    <p:animEffect transition="out" filter="fade">
+                                      <p:cBhvr>
+                                        <p:cTn id="12" dur="500" tmFilter="0, 0; .2, .5; .8, .5; 1, 0"/>
+                                        <p:tgtEl>
+                                          <p:spTgt spid="2051"/>
+                                        </p:tgtEl>
+                                      </p:cBhvr>
+                                    </p:animEffect>
+                                    <p:animScale>
+                                      <p:cBhvr>
+                                        <p:cTn id="13" dur="250" autoRev="1" fill="hold"/>
+                                        <p:tgtEl>
+                                          <p:spTgt spid="2051"/>
+                                        </p:tgtEl>
+                                      </p:cBhvr>
+                                      <p:by x="105000" y="105000"/>
+                                    </p:animScale>
+                                  </p:childTnLst>
+                                </p:cTn>
+                              </p:par>
+                            </p:childTnLst>
+                          </p:cTn>
+                        </p:par>
+                      </p:childTnLst>
+                    </p:cTn>
+                  </p:par>
+                </p:childTnLst>
+              </p:cTn>
+              <p:prevCondLst>
+                <p:cond evt="onPrev" delay="0">
+                  <p:tgtEl>
+                    <p:sldTgt/>
+                  </p:tgtEl>
+                </p:cond>
+              </p:prevCondLst>
+              <p:nextCondLst>
+                <p:cond evt="onNext" delay="0">
+                  <p:tgtEl>
+                    <p:sldTgt/>
+                  </p:tgtEl>
+                </p:cond>
+              </p:nextCondLst>
+            </p:seq>
+          </p:childTnLst>
+        </p:cTn>
+      </p:par>
+    </p:tnLst>
+  </p:timing>
+</p:sld>
+</file>
+
+<file path=ppt/slides/slide7.xml><?xml version="1.0" encoding="utf-8"?>
+<p:sld xmlns:a="http://schemas.openxmlformats.org/drawingml/2006/main" xmlns:r="http://schemas.openxmlformats.org/officeDocument/2006/relationships" xmlns:p="http://schemas.openxmlformats.org/presentationml/2006/main">
+  <p:cSld>
+    <p:spTree>
+      <p:nvGrpSpPr>
+        <p:cNvPr id="1" name=""/>
+        <p:cNvGrpSpPr/>
+        <p:nvPr/>
+      </p:nvGrpSpPr>
+      <p:grpSpPr>
+        <a:xfrm>
+          <a:off x="0" y="0"/>
+          <a:ext cx="0" cy="0"/>
+          <a:chOff x="0" y="0"/>
+          <a:chExt cx="0" cy="0"/>
+        </a:xfrm>
+      </p:grpSpPr>
+      <p:pic>
+        <p:nvPicPr>
+          <p:cNvPr id="3074" name="Picture 2"/>
+          <p:cNvPicPr>
+            <a:picLocks noChangeAspect="1" noChangeArrowheads="1"/>
+          </p:cNvPicPr>
+          <p:nvPr/>
+        </p:nvPicPr>
+        <p:blipFill>
+          <a:blip r:embed="rId2">
+            <a:extLst>
+              <a:ext uri="{28A0092B-C50C-407E-A947-70E740481C1C}">
+                <a14:useLocalDpi xmlns:a14="http://schemas.microsoft.com/office/drawing/2010/main" val="0"/>
+              </a:ext>
+            </a:extLst>
+          </a:blip>
+          <a:srcRect/>
+          <a:stretch>
+            <a:fillRect/>
+          </a:stretch>
+        </p:blipFill>
+        <p:spPr bwMode="auto">
+          <a:xfrm>
+            <a:off x="6829425" y="2483699"/>
+            <a:ext cx="4876801" cy="3110651"/>
+          </a:xfrm>
+          <a:prstGeom prst="rect">
+            <a:avLst/>
+          </a:prstGeom>
+          <a:noFill/>
+          <a:ln>
+            <a:noFill/>
+          </a:ln>
+          <a:effectLst/>
+          <a:extLst>
+            <a:ext uri="{909E8E84-426E-40DD-AFC4-6F175D3DCCD1}">
+              <a14:hiddenFill xmlns:a14="http://schemas.microsoft.com/office/drawing/2010/main">
+                <a:solidFill>
+                  <a:schemeClr val="accent1"/>
+                </a:solidFill>
+              </a14:hiddenFill>
+            </a:ext>
+            <a:ext uri="{91240B29-F687-4F45-9708-019B960494DF}">
+              <a14:hiddenLine xmlns:a14="http://schemas.microsoft.com/office/drawing/2010/main" w="9525">
+                <a:solidFill>
+                  <a:schemeClr val="tx1"/>
+                </a:solidFill>
+                <a:miter lim="800000"/>
+                <a:headEnd/>
+                <a:tailEnd/>
+              </a14:hiddenLine>
+            </a:ext>
+            <a:ext uri="{AF507438-7753-43E0-B8FC-AC1667EBCBE1}">
+              <a14:hiddenEffects xmlns:a14="http://schemas.microsoft.com/office/drawing/2010/main">
+                <a:effectLst>
+                  <a:outerShdw dist="35921" dir="2700000" algn="ctr" rotWithShape="0">
+                    <a:schemeClr val="bg2"/>
+                  </a:outerShdw>
+                </a:effectLst>
+              </a14:hiddenEffects>
+            </a:ext>
+          </a:extLst>
+        </p:spPr>
+      </p:pic>
+      <p:sp>
+        <p:nvSpPr>
+          <p:cNvPr id="2" name="Title 1"/>
+          <p:cNvSpPr>
+            <a:spLocks noGrp="1"/>
+          </p:cNvSpPr>
+          <p:nvPr>
+            <p:ph type="title"/>
+          </p:nvPr>
+        </p:nvSpPr>
+        <p:spPr/>
+        <p:txBody>
+          <a:bodyPr/>
+          <a:lstStyle/>
+          <a:p>
+            <a:r>
+              <a:rPr lang="en-US" dirty="0" smtClean="0"/>
+              <a:t>WEBSITE LOGIN – PART II</a:t>
+            </a:r>
+            <a:endParaRPr lang="en-US" dirty="0"/>
+          </a:p>
+        </p:txBody>
+      </p:sp>
+      <p:sp>
+        <p:nvSpPr>
+          <p:cNvPr id="3" name="Content Placeholder 2"/>
+          <p:cNvSpPr>
+            <a:spLocks noGrp="1"/>
+          </p:cNvSpPr>
+          <p:nvPr>
+            <p:ph idx="1"/>
+          </p:nvPr>
+        </p:nvSpPr>
+        <p:spPr>
+          <a:xfrm>
+            <a:off x="450850" y="2222287"/>
+            <a:ext cx="8915608" cy="3636511"/>
+          </a:xfrm>
+        </p:spPr>
+        <p:txBody>
+          <a:bodyPr>
+            <a:normAutofit/>
+          </a:bodyPr>
+          <a:lstStyle/>
+          <a:p>
+            <a:r>
+              <a:rPr lang="en-US" sz="2400" dirty="0" smtClean="0"/>
+              <a:t>Jawbone authentication page</a:t>
+            </a:r>
+          </a:p>
+          <a:p>
+            <a:r>
+              <a:rPr lang="en-US" sz="2400" dirty="0" smtClean="0"/>
+              <a:t>Requires Jawbone account</a:t>
+            </a:r>
+          </a:p>
+          <a:p>
+            <a:r>
+              <a:rPr lang="en-US" sz="2400" dirty="0" smtClean="0"/>
+              <a:t>Returns temporary authentication token</a:t>
+            </a:r>
+          </a:p>
+          <a:p>
+            <a:r>
+              <a:rPr lang="en-US" sz="2400" dirty="0" smtClean="0"/>
+              <a:t>Callback required to be https://</a:t>
+            </a:r>
+          </a:p>
+          <a:p>
+            <a:r>
+              <a:rPr lang="en-US" sz="2400" dirty="0" smtClean="0"/>
+              <a:t>Current certificate self-generated</a:t>
+            </a:r>
+          </a:p>
+          <a:p>
+            <a:r>
+              <a:rPr lang="en-US" sz="2400" dirty="0" smtClean="0"/>
+              <a:t>Not trusted </a:t>
+            </a:r>
+            <a:r>
+              <a:rPr lang="en-US" sz="2400" smtClean="0"/>
+              <a:t>by default</a:t>
+            </a:r>
+            <a:endParaRPr lang="en-US" sz="2400"/>
+          </a:p>
+        </p:txBody>
+      </p:sp>
+    </p:spTree>
+    <p:extLst>
+      <p:ext uri="{BB962C8B-B14F-4D97-AF65-F5344CB8AC3E}">
+        <p14:creationId xmlns:p14="http://schemas.microsoft.com/office/powerpoint/2010/main" val="3185130796"/>
+      </p:ext>
+    </p:extLst>
+  </p:cSld>
+  <p:clrMapOvr>
+    <a:masterClrMapping/>
+  </p:clrMapOvr>
+  <p:transition spd="slow">
+    <p:push dir="u"/>
+  </p:transition>
+  <p:timing>
+    <p:tnLst>
+      <p:par>
+        <p:cTn id="1" dur="indefinite" restart="never" nodeType="tmRoot">
+          <p:childTnLst>
+            <p:seq concurrent="1" nextAc="seek">
+              <p:cTn id="2" dur="indefinite" nodeType="mainSeq">
+                <p:childTnLst>
+                  <p:par>
+                    <p:cTn id="3" fill="hold">
+                      <p:stCondLst>
+                        <p:cond delay="indefinite"/>
+                      </p:stCondLst>
+                      <p:childTnLst>
+                        <p:par>
+                          <p:cTn id="4" fill="hold">
+                            <p:stCondLst>
+                              <p:cond delay="0"/>
+                            </p:stCondLst>
+                            <p:childTnLst>
+                              <p:par>
+                                <p:cTn id="5" presetID="42" presetClass="entr" presetSubtype="0" fill="hold" nodeType="clickEffect">
+                                  <p:stCondLst>
+                                    <p:cond delay="0"/>
+                                  </p:stCondLst>
+                                  <p:childTnLst>
+                                    <p:set>
+                                      <p:cBhvr>
+                                        <p:cTn id="6" dur="1" fill="hold">
+                                          <p:stCondLst>
+                                            <p:cond delay="0"/>
+                                          </p:stCondLst>
+                                        </p:cTn>
+                                        <p:tgtEl>
+                                          <p:spTgt spid="3074"/>
+                                        </p:tgtEl>
+                                        <p:attrNameLst>
+                                          <p:attrName>style.visibility</p:attrName>
+                                        </p:attrNameLst>
+                                      </p:cBhvr>
+                                      <p:to>
+                                        <p:strVal val="visible"/>
+                                      </p:to>
+                                    </p:set>
+                                    <p:animEffect transition="in" filter="fade">
+                                      <p:cBhvr>
+                                        <p:cTn id="7" dur="1000"/>
+                                        <p:tgtEl>
+                                          <p:spTgt spid="3074"/>
+                                        </p:tgtEl>
+                                      </p:cBhvr>
+                                    </p:animEffect>
+                                    <p:anim calcmode="lin" valueType="num">
+                                      <p:cBhvr>
+                                        <p:cTn id="8" dur="1000" fill="hold"/>
+                                        <p:tgtEl>
+                                          <p:spTgt spid="3074"/>
+                                        </p:tgtEl>
+                                        <p:attrNameLst>
+                                          <p:attrName>ppt_x</p:attrName>
+                                        </p:attrNameLst>
+                                      </p:cBhvr>
+                                      <p:tavLst>
+                                        <p:tav tm="0">
+                                          <p:val>
+                                            <p:strVal val="#ppt_x"/>
+                                          </p:val>
+                                        </p:tav>
+                                        <p:tav tm="100000">
+                                          <p:val>
+                                            <p:strVal val="#ppt_x"/>
+                                          </p:val>
+                                        </p:tav>
+                                      </p:tavLst>
+                                    </p:anim>
+                                    <p:anim calcmode="lin" valueType="num">
+                                      <p:cBhvr>
+                                        <p:cTn id="9" dur="1000" fill="hold"/>
+                                        <p:tgtEl>
+                                          <p:spTgt spid="3074"/>
+                                        </p:tgtEl>
+                                        <p:attrNameLst>
+                                          <p:attrName>ppt_y</p:attrName>
+                                        </p:attrNameLst>
+                                      </p:cBhvr>
+                                      <p:tavLst>
+                                        <p:tav tm="0">
+                                          <p:val>
+                                            <p:strVal val="#ppt_y+.1"/>
+                                          </p:val>
+                                        </p:tav>
+                                        <p:tav tm="100000">
+                                          <p:val>
+                                            <p:strVal val="#ppt_y"/>
+                                          </p:val>
+                                        </p:tav>
+                                      </p:tavLst>
+                                    </p:anim>
+                                  </p:childTnLst>
+                                </p:cTn>
+                              </p:par>
+                            </p:childTnLst>
+                          </p:cTn>
+                        </p:par>
+                        <p:par>
+                          <p:cTn id="10" fill="hold">
+                            <p:stCondLst>
+                              <p:cond delay="1000"/>
+                            </p:stCondLst>
+                            <p:childTnLst>
+                              <p:par>
+                                <p:cTn id="11" presetID="26" presetClass="emph" presetSubtype="0" fill="hold" nodeType="afterEffect">
+                                  <p:stCondLst>
+                                    <p:cond delay="0"/>
+                                  </p:stCondLst>
+                                  <p:childTnLst>
+                                    <p:animEffect transition="out" filter="fade">
+                                      <p:cBhvr>
+                                        <p:cTn id="12" dur="500" tmFilter="0, 0; .2, .5; .8, .5; 1, 0"/>
+                                        <p:tgtEl>
+                                          <p:spTgt spid="3074"/>
+                                        </p:tgtEl>
+                                      </p:cBhvr>
+                                    </p:animEffect>
+                                    <p:animScale>
+                                      <p:cBhvr>
+                                        <p:cTn id="13" dur="250" autoRev="1" fill="hold"/>
+                                        <p:tgtEl>
+                                          <p:spTgt spid="3074"/>
+                                        </p:tgtEl>
+                                      </p:cBhvr>
+                                      <p:by x="105000" y="105000"/>
+                                    </p:animScale>
                                   </p:childTnLst>
                                 </p:cTn>
                               </p:par>
@@ -6289,7 +8604,7 @@
     </a:clrScheme>
     <a:fontScheme name="Quotable">
       <a:majorFont>
-        <a:latin typeface="Century Gothic" panose="020B0502020202020204"/>
+        <a:latin typeface="Century Gothic"/>
         <a:ea typeface=""/>
         <a:cs typeface=""/>
         <a:font script="Jpan" typeface="ＭＳ ゴシック"/>
@@ -6324,7 +8639,7 @@
         <a:font script="Geor" typeface="Sylfaen"/>
       </a:majorFont>
       <a:minorFont>
-        <a:latin typeface="Century Gothic" panose="020B0502020202020204"/>
+        <a:latin typeface="Century Gothic"/>
         <a:ea typeface=""/>
         <a:cs typeface=""/>
         <a:font script="Jpan" typeface="ＭＳ ゴシック"/>
@@ -6477,7 +8792,7 @@
   <a:extraClrSchemeLst/>
   <a:extLst>
     <a:ext uri="{05A4C25C-085E-4340-85A3-A5531E510DB2}">
-      <thm15:themeFamily xmlns:thm15="http://schemas.microsoft.com/office/thememl/2012/main" name="Quotable" id="{39EC5628-30ED-4578-ACD8-9820EDB8E15A}" vid="{6F3559E9-1A4C-49D8-94D4-F41003531C49}"/>
+      <thm15:themeFamily xmlns:thm15="http://schemas.microsoft.com/office/thememl/2012/main" xmlns="" name="Quotable" id="{39EC5628-30ED-4578-ACD8-9820EDB8E15A}" vid="{6F3559E9-1A4C-49D8-94D4-F41003531C49}"/>
     </a:ext>
   </a:extLst>
 </a:theme>

--- a/Presentation/Assisted Living.pptx
+++ b/Presentation/Assisted Living.pptx
@@ -1,6 +1,6 @@
 
 <file path=ppt/presentation.xml><?xml version="1.0" encoding="utf-8"?>
-<p:presentation xmlns:a="http://schemas.openxmlformats.org/drawingml/2006/main" xmlns:r="http://schemas.openxmlformats.org/officeDocument/2006/relationships" xmlns:p="http://schemas.openxmlformats.org/presentationml/2006/main" autoCompressPictures="0">
+<p:presentation xmlns:a="http://schemas.openxmlformats.org/drawingml/2006/main" xmlns:r="http://schemas.openxmlformats.org/officeDocument/2006/relationships" xmlns:p="http://schemas.openxmlformats.org/presentationml/2006/main" embedTrueTypeFonts="1" autoCompressPictures="0">
   <p:sldMasterIdLst>
     <p:sldMasterId id="2147483661" r:id="rId1"/>
   </p:sldMasterIdLst>
@@ -12,9 +12,36 @@
     <p:sldId id="262" r:id="rId6"/>
     <p:sldId id="263" r:id="rId7"/>
     <p:sldId id="264" r:id="rId8"/>
+    <p:sldId id="265" r:id="rId9"/>
+    <p:sldId id="266" r:id="rId10"/>
+    <p:sldId id="268" r:id="rId11"/>
+    <p:sldId id="267" r:id="rId12"/>
   </p:sldIdLst>
   <p:sldSz cx="12192000" cy="6858000"/>
   <p:notesSz cx="6858000" cy="9144000"/>
+  <p:embeddedFontLst>
+    <p:embeddedFont>
+      <p:font typeface="Roboto Thin" pitchFamily="2" charset="0"/>
+      <p:regular r:id="rId13"/>
+      <p:italic r:id="rId14"/>
+    </p:embeddedFont>
+    <p:embeddedFont>
+      <p:font typeface="Century Gothic" pitchFamily="34" charset="0"/>
+      <p:regular r:id="rId15"/>
+      <p:bold r:id="rId16"/>
+      <p:italic r:id="rId17"/>
+      <p:boldItalic r:id="rId18"/>
+    </p:embeddedFont>
+    <p:embeddedFont>
+      <p:font typeface="Wingdings 2" pitchFamily="18" charset="2"/>
+      <p:regular r:id="rId19"/>
+    </p:embeddedFont>
+    <p:embeddedFont>
+      <p:font typeface="Roboto Light" pitchFamily="2" charset="0"/>
+      <p:regular r:id="rId20"/>
+      <p:italic r:id="rId21"/>
+    </p:embeddedFont>
+  </p:embeddedFontLst>
   <p:defaultTextStyle>
     <a:defPPr>
       <a:defRPr lang="en-US"/>
@@ -112,7 +139,7 @@
   </p:defaultTextStyle>
   <p:extLst>
     <p:ext uri="{EFAFB233-063F-42B5-8137-9DF3F51BA10A}">
-      <p15:sldGuideLst xmlns:p15="http://schemas.microsoft.com/office/powerpoint/2012/main" xmlns=""/>
+      <p15:sldGuideLst xmlns="" xmlns:p15="http://schemas.microsoft.com/office/powerpoint/2012/main"/>
     </p:ext>
   </p:extLst>
 </p:presentation>
@@ -5487,20 +5514,26 @@
             <p:ph type="ctrTitle"/>
           </p:nvPr>
         </p:nvSpPr>
-        <p:spPr/>
+        <p:spPr>
+          <a:xfrm>
+            <a:off x="101600" y="825499"/>
+            <a:ext cx="11280401" cy="3251799"/>
+          </a:xfrm>
+        </p:spPr>
         <p:txBody>
           <a:bodyPr/>
           <a:lstStyle/>
           <a:p>
-            <a:r>
-              <a:rPr lang="en-US" sz="9600" dirty="0" smtClean="0">
+            <a:pPr algn="r"/>
+            <a:r>
+              <a:rPr lang="en-US" sz="10000" dirty="0" smtClean="0">
                 <a:latin typeface="Roboto Thin" pitchFamily="2" charset="0"/>
                 <a:ea typeface="Roboto Thin" pitchFamily="2" charset="0"/>
                 <a:cs typeface="Arial" pitchFamily="34" charset="0"/>
               </a:rPr>
               <a:t>ASSISTED LIVING PROJECT</a:t>
             </a:r>
-            <a:endParaRPr lang="en-US" sz="9600" dirty="0">
+            <a:endParaRPr lang="en-US" sz="10000" dirty="0">
               <a:latin typeface="Roboto Thin" pitchFamily="2" charset="0"/>
               <a:ea typeface="Roboto Thin" pitchFamily="2" charset="0"/>
               <a:cs typeface="Arial" pitchFamily="34" charset="0"/>
@@ -5526,14 +5559,14 @@
           <a:lstStyle/>
           <a:p>
             <a:r>
-              <a:rPr lang="en-US" sz="3600" dirty="0" smtClean="0">
+              <a:rPr lang="en-US" sz="6000" dirty="0" smtClean="0">
                 <a:latin typeface="Roboto Thin" pitchFamily="2" charset="0"/>
                 <a:ea typeface="Roboto Thin" pitchFamily="2" charset="0"/>
                 <a:cs typeface="Arial" pitchFamily="34" charset="0"/>
               </a:rPr>
               <a:t>RITWIK DUTTA</a:t>
             </a:r>
-            <a:endParaRPr lang="en-US" sz="3600" dirty="0">
+            <a:endParaRPr lang="en-US" sz="6000" dirty="0">
               <a:latin typeface="Roboto Thin" pitchFamily="2" charset="0"/>
               <a:ea typeface="Roboto Thin" pitchFamily="2" charset="0"/>
               <a:cs typeface="Arial" pitchFamily="34" charset="0"/>
@@ -5554,6 +5587,248 @@
   <p:transition spd="slow">
     <p:push dir="u"/>
   </p:transition>
+  <p:timing>
+    <p:tnLst>
+      <p:par>
+        <p:cTn id="1" dur="indefinite" restart="never" nodeType="tmRoot"/>
+      </p:par>
+    </p:tnLst>
+  </p:timing>
+</p:sld>
+</file>
+
+<file path=ppt/slides/slide10.xml><?xml version="1.0" encoding="utf-8"?>
+<p:sld xmlns:a="http://schemas.openxmlformats.org/drawingml/2006/main" xmlns:r="http://schemas.openxmlformats.org/officeDocument/2006/relationships" xmlns:p="http://schemas.openxmlformats.org/presentationml/2006/main">
+  <p:cSld>
+    <p:spTree>
+      <p:nvGrpSpPr>
+        <p:cNvPr id="1" name=""/>
+        <p:cNvGrpSpPr/>
+        <p:nvPr/>
+      </p:nvGrpSpPr>
+      <p:grpSpPr>
+        <a:xfrm>
+          <a:off x="0" y="0"/>
+          <a:ext cx="0" cy="0"/>
+          <a:chOff x="0" y="0"/>
+          <a:chExt cx="0" cy="0"/>
+        </a:xfrm>
+      </p:grpSpPr>
+      <p:sp>
+        <p:nvSpPr>
+          <p:cNvPr id="2" name="Title 1"/>
+          <p:cNvSpPr>
+            <a:spLocks noGrp="1"/>
+          </p:cNvSpPr>
+          <p:nvPr>
+            <p:ph type="title"/>
+          </p:nvPr>
+        </p:nvSpPr>
+        <p:spPr/>
+        <p:txBody>
+          <a:bodyPr/>
+          <a:lstStyle/>
+          <a:p>
+            <a:r>
+              <a:rPr lang="en-US" dirty="0" smtClean="0"/>
+              <a:t>DATA SPECIFICATIONS</a:t>
+            </a:r>
+            <a:endParaRPr lang="en-US" dirty="0"/>
+          </a:p>
+        </p:txBody>
+      </p:sp>
+      <p:sp>
+        <p:nvSpPr>
+          <p:cNvPr id="3" name="Content Placeholder 2"/>
+          <p:cNvSpPr>
+            <a:spLocks noGrp="1"/>
+          </p:cNvSpPr>
+          <p:nvPr>
+            <p:ph idx="1"/>
+          </p:nvPr>
+        </p:nvSpPr>
+        <p:spPr>
+          <a:xfrm>
+            <a:off x="450850" y="2504227"/>
+            <a:ext cx="11226800" cy="3636511"/>
+          </a:xfrm>
+        </p:spPr>
+        <p:txBody>
+          <a:bodyPr>
+            <a:normAutofit lnSpcReduction="10000"/>
+          </a:bodyPr>
+          <a:lstStyle/>
+          <a:p>
+            <a:r>
+              <a:rPr lang="en-US" dirty="0" smtClean="0"/>
+              <a:t>Received in JSON format</a:t>
+            </a:r>
+          </a:p>
+          <a:p>
+            <a:r>
+              <a:rPr lang="en-US" dirty="0" smtClean="0"/>
+              <a:t>Highest granularity is hourly</a:t>
+            </a:r>
+          </a:p>
+          <a:p>
+            <a:pPr lvl="1"/>
+            <a:r>
+              <a:rPr lang="en-US" dirty="0" smtClean="0"/>
+              <a:t>Total active and inactive time for hour</a:t>
+            </a:r>
+          </a:p>
+          <a:p>
+            <a:pPr lvl="1"/>
+            <a:r>
+              <a:rPr lang="en-US" dirty="0" smtClean="0"/>
+              <a:t>Total number of steps for hour</a:t>
+            </a:r>
+          </a:p>
+          <a:p>
+            <a:pPr lvl="1"/>
+            <a:r>
+              <a:rPr lang="en-US" dirty="0" smtClean="0"/>
+              <a:t>Longest active or inactive time for hour</a:t>
+            </a:r>
+          </a:p>
+          <a:p>
+            <a:r>
+              <a:rPr lang="en-US" dirty="0" smtClean="0"/>
+              <a:t>Can be used to extrapolate lots of other data such as exercise or sleep time to help inform caretaker</a:t>
+            </a:r>
+          </a:p>
+          <a:p>
+            <a:endParaRPr lang="en-US" dirty="0" smtClean="0"/>
+          </a:p>
+          <a:p>
+            <a:endParaRPr lang="en-US" dirty="0"/>
+          </a:p>
+        </p:txBody>
+      </p:sp>
+    </p:spTree>
+    <p:extLst>
+      <p:ext uri="{BB962C8B-B14F-4D97-AF65-F5344CB8AC3E}">
+        <p14:creationId xmlns:p14="http://schemas.microsoft.com/office/powerpoint/2010/main" val="3778322472"/>
+      </p:ext>
+    </p:extLst>
+  </p:cSld>
+  <p:clrMapOvr>
+    <a:masterClrMapping/>
+  </p:clrMapOvr>
+  <p:timing>
+    <p:tnLst>
+      <p:par>
+        <p:cTn id="1" dur="indefinite" restart="never" nodeType="tmRoot"/>
+      </p:par>
+    </p:tnLst>
+  </p:timing>
+</p:sld>
+</file>
+
+<file path=ppt/slides/slide11.xml><?xml version="1.0" encoding="utf-8"?>
+<p:sld xmlns:a="http://schemas.openxmlformats.org/drawingml/2006/main" xmlns:r="http://schemas.openxmlformats.org/officeDocument/2006/relationships" xmlns:p="http://schemas.openxmlformats.org/presentationml/2006/main">
+  <p:cSld>
+    <p:spTree>
+      <p:nvGrpSpPr>
+        <p:cNvPr id="1" name=""/>
+        <p:cNvGrpSpPr/>
+        <p:nvPr/>
+      </p:nvGrpSpPr>
+      <p:grpSpPr>
+        <a:xfrm>
+          <a:off x="0" y="0"/>
+          <a:ext cx="0" cy="0"/>
+          <a:chOff x="0" y="0"/>
+          <a:chExt cx="0" cy="0"/>
+        </a:xfrm>
+      </p:grpSpPr>
+      <p:sp>
+        <p:nvSpPr>
+          <p:cNvPr id="2" name="Title 1"/>
+          <p:cNvSpPr>
+            <a:spLocks noGrp="1"/>
+          </p:cNvSpPr>
+          <p:nvPr>
+            <p:ph type="title"/>
+          </p:nvPr>
+        </p:nvSpPr>
+        <p:spPr/>
+        <p:txBody>
+          <a:bodyPr/>
+          <a:lstStyle/>
+          <a:p>
+            <a:r>
+              <a:rPr lang="en-US" dirty="0" smtClean="0"/>
+              <a:t>FUTURE GOALS</a:t>
+            </a:r>
+            <a:endParaRPr lang="en-US" dirty="0"/>
+          </a:p>
+        </p:txBody>
+      </p:sp>
+      <p:sp>
+        <p:nvSpPr>
+          <p:cNvPr id="3" name="Content Placeholder 2"/>
+          <p:cNvSpPr>
+            <a:spLocks noGrp="1"/>
+          </p:cNvSpPr>
+          <p:nvPr>
+            <p:ph idx="1"/>
+          </p:nvPr>
+        </p:nvSpPr>
+        <p:spPr/>
+        <p:txBody>
+          <a:bodyPr/>
+          <a:lstStyle/>
+          <a:p>
+            <a:r>
+              <a:rPr lang="en-US" dirty="0" smtClean="0"/>
+              <a:t>Implement data processing in server-side Python CGI script(s)</a:t>
+            </a:r>
+          </a:p>
+          <a:p>
+            <a:pPr lvl="1"/>
+            <a:r>
+              <a:rPr lang="en-US" dirty="0"/>
+              <a:t> </a:t>
+            </a:r>
+            <a:r>
+              <a:rPr lang="en-US" dirty="0" smtClean="0"/>
+              <a:t>Use frequency of data</a:t>
+            </a:r>
+          </a:p>
+          <a:p>
+            <a:r>
+              <a:rPr lang="en-US" dirty="0" smtClean="0"/>
+              <a:t>Migrate web server framework from Flask to </a:t>
+            </a:r>
+            <a:r>
+              <a:rPr lang="en-US" dirty="0" err="1" smtClean="0"/>
+              <a:t>Django</a:t>
+            </a:r>
+            <a:r>
+              <a:rPr lang="en-US" dirty="0" smtClean="0"/>
+              <a:t>/Pylons for increased robustness</a:t>
+            </a:r>
+          </a:p>
+          <a:p>
+            <a:r>
+              <a:rPr lang="en-US" dirty="0" smtClean="0"/>
+              <a:t>Migrate server off Digital Ocean VPS servers to dedicated machines to eliminate possibility of maintenance problems or limitations </a:t>
+            </a:r>
+            <a:endParaRPr lang="en-US" dirty="0"/>
+          </a:p>
+        </p:txBody>
+      </p:sp>
+    </p:spTree>
+    <p:extLst>
+      <p:ext uri="{BB962C8B-B14F-4D97-AF65-F5344CB8AC3E}">
+        <p14:creationId xmlns:p14="http://schemas.microsoft.com/office/powerpoint/2010/main" val="3840530786"/>
+      </p:ext>
+    </p:extLst>
+  </p:cSld>
+  <p:clrMapOvr>
+    <a:masterClrMapping/>
+  </p:clrMapOvr>
   <p:timing>
     <p:tnLst>
       <p:par>
@@ -7333,7 +7608,19 @@
           <a:p>
             <a:r>
               <a:rPr lang="en-US" dirty="0" smtClean="0"/>
-              <a:t>PATIENT SETUP</a:t>
+              <a:t>PART </a:t>
+            </a:r>
+            <a:r>
+              <a:rPr lang="en-US" dirty="0" smtClean="0"/>
+              <a:t>I - </a:t>
+            </a:r>
+            <a:r>
+              <a:rPr lang="en-US" dirty="0" smtClean="0"/>
+              <a:t>PATIENT </a:t>
+            </a:r>
+            <a:r>
+              <a:rPr lang="en-US" dirty="0" smtClean="0"/>
+              <a:t>SETUP</a:t>
             </a:r>
             <a:endParaRPr lang="en-US" dirty="0"/>
           </a:p>
@@ -7369,8 +7656,13 @@
           <a:p>
             <a:r>
               <a:rPr lang="en-US" sz="2400" dirty="0" smtClean="0"/>
-              <a:t>Patient carries smartphone in pocket</a:t>
-            </a:r>
+              <a:t>Patient carries smartphone in </a:t>
+            </a:r>
+            <a:r>
+              <a:rPr lang="en-US" sz="2400" dirty="0" smtClean="0"/>
+              <a:t>pocket (LG G2 or phone with equivalent battery life suggested)</a:t>
+            </a:r>
+            <a:endParaRPr lang="en-US" sz="2400" dirty="0" smtClean="0"/>
           </a:p>
           <a:p>
             <a:r>
@@ -7800,7 +8092,11 @@
           <a:p>
             <a:r>
               <a:rPr lang="en-US" dirty="0" smtClean="0"/>
-              <a:t>CARETAKER SETUP</a:t>
+              <a:t>PART II - CARETAKER </a:t>
+            </a:r>
+            <a:r>
+              <a:rPr lang="en-US" dirty="0" smtClean="0"/>
+              <a:t>SETUP</a:t>
             </a:r>
             <a:endParaRPr lang="en-US" dirty="0"/>
           </a:p>
@@ -7850,6 +8146,36 @@
           </a:p>
         </p:txBody>
       </p:sp>
+      <p:pic>
+        <p:nvPicPr>
+          <p:cNvPr id="4" name="Picture 3"/>
+          <p:cNvPicPr>
+            <a:picLocks noChangeAspect="1"/>
+          </p:cNvPicPr>
+          <p:nvPr/>
+        </p:nvPicPr>
+        <p:blipFill>
+          <a:blip r:embed="rId2">
+            <a:extLst>
+              <a:ext uri="{28A0092B-C50C-407E-A947-70E740481C1C}">
+                <a14:useLocalDpi xmlns:a14="http://schemas.microsoft.com/office/drawing/2010/main" val="0"/>
+              </a:ext>
+            </a:extLst>
+          </a:blip>
+          <a:stretch>
+            <a:fillRect/>
+          </a:stretch>
+        </p:blipFill>
+        <p:spPr>
+          <a:xfrm>
+            <a:off x="9473138" y="3287791"/>
+            <a:ext cx="2317542" cy="1433531"/>
+          </a:xfrm>
+          <a:prstGeom prst="rect">
+            <a:avLst/>
+          </a:prstGeom>
+        </p:spPr>
+      </p:pic>
     </p:spTree>
     <p:extLst>
       <p:ext uri="{BB962C8B-B14F-4D97-AF65-F5344CB8AC3E}">
@@ -7866,7 +8192,164 @@
   <p:timing>
     <p:tnLst>
       <p:par>
-        <p:cTn id="1" dur="indefinite" restart="never" nodeType="tmRoot"/>
+        <p:cTn id="1" dur="indefinite" restart="never" nodeType="tmRoot">
+          <p:childTnLst>
+            <p:seq concurrent="1" nextAc="seek">
+              <p:cTn id="2" dur="indefinite" nodeType="mainSeq">
+                <p:childTnLst>
+                  <p:par>
+                    <p:cTn id="3" fill="hold">
+                      <p:stCondLst>
+                        <p:cond delay="indefinite"/>
+                      </p:stCondLst>
+                      <p:childTnLst>
+                        <p:par>
+                          <p:cTn id="4" fill="hold">
+                            <p:stCondLst>
+                              <p:cond delay="0"/>
+                            </p:stCondLst>
+                            <p:childTnLst>
+                              <p:par>
+                                <p:cTn id="5" presetID="42" presetClass="entr" presetSubtype="0" fill="hold" nodeType="clickEffect">
+                                  <p:stCondLst>
+                                    <p:cond delay="0"/>
+                                  </p:stCondLst>
+                                  <p:childTnLst>
+                                    <p:set>
+                                      <p:cBhvr>
+                                        <p:cTn id="6" dur="1" fill="hold">
+                                          <p:stCondLst>
+                                            <p:cond delay="0"/>
+                                          </p:stCondLst>
+                                        </p:cTn>
+                                        <p:tgtEl>
+                                          <p:spTgt spid="4"/>
+                                        </p:tgtEl>
+                                        <p:attrNameLst>
+                                          <p:attrName>style.visibility</p:attrName>
+                                        </p:attrNameLst>
+                                      </p:cBhvr>
+                                      <p:to>
+                                        <p:strVal val="visible"/>
+                                      </p:to>
+                                    </p:set>
+                                    <p:animEffect transition="in" filter="fade">
+                                      <p:cBhvr>
+                                        <p:cTn id="7" dur="1000"/>
+                                        <p:tgtEl>
+                                          <p:spTgt spid="4"/>
+                                        </p:tgtEl>
+                                      </p:cBhvr>
+                                    </p:animEffect>
+                                    <p:anim calcmode="lin" valueType="num">
+                                      <p:cBhvr>
+                                        <p:cTn id="8" dur="1000" fill="hold"/>
+                                        <p:tgtEl>
+                                          <p:spTgt spid="4"/>
+                                        </p:tgtEl>
+                                        <p:attrNameLst>
+                                          <p:attrName>ppt_x</p:attrName>
+                                        </p:attrNameLst>
+                                      </p:cBhvr>
+                                      <p:tavLst>
+                                        <p:tav tm="0">
+                                          <p:val>
+                                            <p:strVal val="#ppt_x"/>
+                                          </p:val>
+                                        </p:tav>
+                                        <p:tav tm="100000">
+                                          <p:val>
+                                            <p:strVal val="#ppt_x"/>
+                                          </p:val>
+                                        </p:tav>
+                                      </p:tavLst>
+                                    </p:anim>
+                                    <p:anim calcmode="lin" valueType="num">
+                                      <p:cBhvr>
+                                        <p:cTn id="9" dur="1000" fill="hold"/>
+                                        <p:tgtEl>
+                                          <p:spTgt spid="4"/>
+                                        </p:tgtEl>
+                                        <p:attrNameLst>
+                                          <p:attrName>ppt_y</p:attrName>
+                                        </p:attrNameLst>
+                                      </p:cBhvr>
+                                      <p:tavLst>
+                                        <p:tav tm="0">
+                                          <p:val>
+                                            <p:strVal val="#ppt_y+.1"/>
+                                          </p:val>
+                                        </p:tav>
+                                        <p:tav tm="100000">
+                                          <p:val>
+                                            <p:strVal val="#ppt_y"/>
+                                          </p:val>
+                                        </p:tav>
+                                      </p:tavLst>
+                                    </p:anim>
+                                  </p:childTnLst>
+                                </p:cTn>
+                              </p:par>
+                            </p:childTnLst>
+                          </p:cTn>
+                        </p:par>
+                        <p:par>
+                          <p:cTn id="10" fill="hold">
+                            <p:stCondLst>
+                              <p:cond delay="1000"/>
+                            </p:stCondLst>
+                            <p:childTnLst>
+                              <p:par>
+                                <p:cTn id="11" presetID="26" presetClass="emph" presetSubtype="0" fill="hold" nodeType="afterEffect">
+                                  <p:stCondLst>
+                                    <p:cond delay="0"/>
+                                  </p:stCondLst>
+                                  <p:childTnLst>
+                                    <p:animEffect transition="out" filter="fade">
+                                      <p:cBhvr>
+                                        <p:cTn id="12" dur="500" tmFilter="0, 0; .2, .5; .8, .5; 1, 0"/>
+                                        <p:tgtEl>
+                                          <p:spTgt spid="4"/>
+                                        </p:tgtEl>
+                                      </p:cBhvr>
+                                    </p:animEffect>
+                                    <p:animScale>
+                                      <p:cBhvr>
+                                        <p:cTn id="13" dur="250" autoRev="1" fill="hold"/>
+                                        <p:tgtEl>
+                                          <p:spTgt spid="4"/>
+                                        </p:tgtEl>
+                                      </p:cBhvr>
+                                      <p:by x="105000" y="105000"/>
+                                    </p:animScale>
+                                  </p:childTnLst>
+                                </p:cTn>
+                              </p:par>
+                            </p:childTnLst>
+                          </p:cTn>
+                        </p:par>
+                      </p:childTnLst>
+                    </p:cTn>
+                  </p:par>
+                </p:childTnLst>
+              </p:cTn>
+              <p:prevCondLst>
+                <p:cond evt="onPrev" delay="0">
+                  <p:tgtEl>
+                    <p:sldTgt/>
+                  </p:tgtEl>
+                </p:cond>
+              </p:prevCondLst>
+              <p:nextCondLst>
+                <p:cond evt="onNext" delay="0">
+                  <p:tgtEl>
+                    <p:sldTgt/>
+                  </p:tgtEl>
+                </p:cond>
+              </p:nextCondLst>
+            </p:seq>
+          </p:childTnLst>
+        </p:cTn>
       </p:par>
     </p:tnLst>
   </p:timing>
@@ -7906,8 +8389,16 @@
           <a:lstStyle/>
           <a:p>
             <a:r>
+              <a:rPr lang="en-US" dirty="0"/>
+              <a:t>PART </a:t>
+            </a:r>
+            <a:r>
               <a:rPr lang="en-US" dirty="0" smtClean="0"/>
-              <a:t>WEBSITE LOGIN – PART I</a:t>
+              <a:t>1 </a:t>
+            </a:r>
+            <a:r>
+              <a:rPr lang="en-US" dirty="0"/>
+              <a:t>- WEBSITE LOGIN </a:t>
             </a:r>
             <a:endParaRPr lang="en-US" dirty="0"/>
           </a:p>
@@ -8150,41 +8641,6 @@
                             </p:childTnLst>
                           </p:cTn>
                         </p:par>
-                        <p:par>
-                          <p:cTn id="10" fill="hold">
-                            <p:stCondLst>
-                              <p:cond delay="1000"/>
-                            </p:stCondLst>
-                            <p:childTnLst>
-                              <p:par>
-                                <p:cTn id="11" presetID="26" presetClass="emph" presetSubtype="0" fill="hold" nodeType="afterEffect">
-                                  <p:stCondLst>
-                                    <p:cond delay="0"/>
-                                  </p:stCondLst>
-                                  <p:childTnLst>
-                                    <p:animEffect transition="out" filter="fade">
-                                      <p:cBhvr>
-                                        <p:cTn id="12" dur="500" tmFilter="0, 0; .2, .5; .8, .5; 1, 0"/>
-                                        <p:tgtEl>
-                                          <p:spTgt spid="2051"/>
-                                        </p:tgtEl>
-                                      </p:cBhvr>
-                                    </p:animEffect>
-                                    <p:animScale>
-                                      <p:cBhvr>
-                                        <p:cTn id="13" dur="250" autoRev="1" fill="hold"/>
-                                        <p:tgtEl>
-                                          <p:spTgt spid="2051"/>
-                                        </p:tgtEl>
-                                      </p:cBhvr>
-                                      <p:by x="105000" y="105000"/>
-                                    </p:animScale>
-                                  </p:childTnLst>
-                                </p:cTn>
-                              </p:par>
-                            </p:childTnLst>
-                          </p:cTn>
-                        </p:par>
                       </p:childTnLst>
                     </p:cTn>
                   </p:par>
@@ -8304,14 +8760,19 @@
             <p:ph type="title"/>
           </p:nvPr>
         </p:nvSpPr>
-        <p:spPr/>
+        <p:spPr>
+          <a:xfrm>
+            <a:off x="810000" y="447188"/>
+            <a:ext cx="11115300" cy="970450"/>
+          </a:xfrm>
+        </p:spPr>
         <p:txBody>
           <a:bodyPr/>
           <a:lstStyle/>
           <a:p>
             <a:r>
               <a:rPr lang="en-US" dirty="0" smtClean="0"/>
-              <a:t>WEBSITE LOGIN – PART II</a:t>
+              <a:t>PART 2 – JAWBONE AUTHENTICATION</a:t>
             </a:r>
             <a:endParaRPr lang="en-US" dirty="0"/>
           </a:p>
@@ -8329,13 +8790,13 @@
         </p:nvSpPr>
         <p:spPr>
           <a:xfrm>
-            <a:off x="450850" y="2222287"/>
-            <a:ext cx="8915608" cy="3636511"/>
+            <a:off x="450850" y="2908087"/>
+            <a:ext cx="6378575" cy="3636511"/>
           </a:xfrm>
         </p:spPr>
         <p:txBody>
           <a:bodyPr>
-            <a:normAutofit/>
+            <a:noAutofit/>
           </a:bodyPr>
           <a:lstStyle/>
           <a:p>
@@ -8371,13 +8832,21 @@
           <a:p>
             <a:r>
               <a:rPr lang="en-US" sz="2400" dirty="0" smtClean="0"/>
-              <a:t>Not trusted </a:t>
-            </a:r>
-            <a:r>
-              <a:rPr lang="en-US" sz="2400" smtClean="0"/>
-              <a:t>by default</a:t>
-            </a:r>
-            <a:endParaRPr lang="en-US" sz="2400"/>
+              <a:t>Not trusted by </a:t>
+            </a:r>
+            <a:r>
+              <a:rPr lang="en-US" sz="2400" dirty="0" smtClean="0"/>
+              <a:t>default</a:t>
+            </a:r>
+          </a:p>
+          <a:p>
+            <a:r>
+              <a:rPr lang="en-US" sz="2400" dirty="0"/>
+              <a:t>Callback page sends OAuth2 GET request to Jawbone server to get user authorization code</a:t>
+            </a:r>
+          </a:p>
+          <a:p>
+            <a:endParaRPr lang="en-US" sz="2400" dirty="0"/>
           </a:p>
         </p:txBody>
       </p:sp>
@@ -8498,35 +8967,513 @@
                             </p:childTnLst>
                           </p:cTn>
                         </p:par>
+                      </p:childTnLst>
+                    </p:cTn>
+                  </p:par>
+                </p:childTnLst>
+              </p:cTn>
+              <p:prevCondLst>
+                <p:cond evt="onPrev" delay="0">
+                  <p:tgtEl>
+                    <p:sldTgt/>
+                  </p:tgtEl>
+                </p:cond>
+              </p:prevCondLst>
+              <p:nextCondLst>
+                <p:cond evt="onNext" delay="0">
+                  <p:tgtEl>
+                    <p:sldTgt/>
+                  </p:tgtEl>
+                </p:cond>
+              </p:nextCondLst>
+            </p:seq>
+          </p:childTnLst>
+        </p:cTn>
+      </p:par>
+    </p:tnLst>
+  </p:timing>
+</p:sld>
+</file>
+
+<file path=ppt/slides/slide8.xml><?xml version="1.0" encoding="utf-8"?>
+<p:sld xmlns:a="http://schemas.openxmlformats.org/drawingml/2006/main" xmlns:r="http://schemas.openxmlformats.org/officeDocument/2006/relationships" xmlns:p="http://schemas.openxmlformats.org/presentationml/2006/main">
+  <p:cSld>
+    <p:spTree>
+      <p:nvGrpSpPr>
+        <p:cNvPr id="1" name=""/>
+        <p:cNvGrpSpPr/>
+        <p:nvPr/>
+      </p:nvGrpSpPr>
+      <p:grpSpPr>
+        <a:xfrm>
+          <a:off x="0" y="0"/>
+          <a:ext cx="0" cy="0"/>
+          <a:chOff x="0" y="0"/>
+          <a:chExt cx="0" cy="0"/>
+        </a:xfrm>
+      </p:grpSpPr>
+      <p:pic>
+        <p:nvPicPr>
+          <p:cNvPr id="10" name="Picture 3"/>
+          <p:cNvPicPr>
+            <a:picLocks noChangeAspect="1" noChangeArrowheads="1"/>
+          </p:cNvPicPr>
+          <p:nvPr/>
+        </p:nvPicPr>
+        <p:blipFill rotWithShape="1">
+          <a:blip r:embed="rId2">
+            <a:extLst>
+              <a:ext uri="{28A0092B-C50C-407E-A947-70E740481C1C}">
+                <a14:useLocalDpi xmlns:a14="http://schemas.microsoft.com/office/drawing/2010/main" val="0"/>
+              </a:ext>
+            </a:extLst>
+          </a:blip>
+          <a:srcRect l="36308" t="2709" r="51490" b="69399"/>
+          <a:stretch/>
+        </p:blipFill>
+        <p:spPr bwMode="auto">
+          <a:xfrm>
+            <a:off x="9934441" y="2100260"/>
+            <a:ext cx="2013720" cy="4579858"/>
+          </a:xfrm>
+          <a:prstGeom prst="rect">
+            <a:avLst/>
+          </a:prstGeom>
+          <a:noFill/>
+          <a:ln>
+            <a:noFill/>
+          </a:ln>
+          <a:effectLst/>
+          <a:extLst>
+            <a:ext uri="{909E8E84-426E-40DD-AFC4-6F175D3DCCD1}">
+              <a14:hiddenFill xmlns:a14="http://schemas.microsoft.com/office/drawing/2010/main">
+                <a:solidFill>
+                  <a:schemeClr val="accent1"/>
+                </a:solidFill>
+              </a14:hiddenFill>
+            </a:ext>
+            <a:ext uri="{91240B29-F687-4F45-9708-019B960494DF}">
+              <a14:hiddenLine xmlns:a14="http://schemas.microsoft.com/office/drawing/2010/main" w="9525">
+                <a:solidFill>
+                  <a:schemeClr val="tx1"/>
+                </a:solidFill>
+                <a:miter lim="800000"/>
+                <a:headEnd/>
+                <a:tailEnd/>
+              </a14:hiddenLine>
+            </a:ext>
+            <a:ext uri="{AF507438-7753-43E0-B8FC-AC1667EBCBE1}">
+              <a14:hiddenEffects xmlns:a14="http://schemas.microsoft.com/office/drawing/2010/main">
+                <a:effectLst>
+                  <a:outerShdw dist="35921" dir="2700000" algn="ctr" rotWithShape="0">
+                    <a:schemeClr val="bg2"/>
+                  </a:outerShdw>
+                </a:effectLst>
+              </a14:hiddenEffects>
+            </a:ext>
+          </a:extLst>
+        </p:spPr>
+      </p:pic>
+      <p:sp>
+        <p:nvSpPr>
+          <p:cNvPr id="2" name="Title 1"/>
+          <p:cNvSpPr>
+            <a:spLocks noGrp="1"/>
+          </p:cNvSpPr>
+          <p:nvPr>
+            <p:ph type="title"/>
+          </p:nvPr>
+        </p:nvSpPr>
+        <p:spPr>
+          <a:xfrm>
+            <a:off x="810000" y="447188"/>
+            <a:ext cx="11275320" cy="970450"/>
+          </a:xfrm>
+        </p:spPr>
+        <p:txBody>
+          <a:bodyPr/>
+          <a:lstStyle/>
+          <a:p>
+            <a:r>
+              <a:rPr lang="en-US" dirty="0" smtClean="0"/>
+              <a:t>PART 3 – SERVER AND API REQUESTS</a:t>
+            </a:r>
+            <a:endParaRPr lang="en-US" dirty="0"/>
+          </a:p>
+        </p:txBody>
+      </p:sp>
+      <p:sp>
+        <p:nvSpPr>
+          <p:cNvPr id="3" name="Content Placeholder 2"/>
+          <p:cNvSpPr>
+            <a:spLocks noGrp="1"/>
+          </p:cNvSpPr>
+          <p:nvPr>
+            <p:ph idx="1"/>
+          </p:nvPr>
+        </p:nvSpPr>
+        <p:spPr>
+          <a:xfrm>
+            <a:off x="199391" y="2625274"/>
+            <a:ext cx="5881370" cy="3636511"/>
+          </a:xfrm>
+        </p:spPr>
+        <p:txBody>
+          <a:bodyPr>
+            <a:noAutofit/>
+          </a:bodyPr>
+          <a:lstStyle/>
+          <a:p>
+            <a:r>
+              <a:rPr lang="en-US" sz="2400" dirty="0" smtClean="0"/>
+              <a:t>Callback page sends GET request to project server with user auth. token</a:t>
+            </a:r>
+          </a:p>
+          <a:p>
+            <a:r>
+              <a:rPr lang="en-US" sz="2400" dirty="0" smtClean="0"/>
+              <a:t>Script requests data from API with user auth. token in authorization header</a:t>
+            </a:r>
+          </a:p>
+          <a:p>
+            <a:r>
+              <a:rPr lang="en-US" sz="2400" dirty="0" smtClean="0"/>
+              <a:t>Script receives JSON object from API and returns to callback page</a:t>
+            </a:r>
+          </a:p>
+          <a:p>
+            <a:r>
+              <a:rPr lang="en-US" sz="2400" dirty="0" smtClean="0"/>
+              <a:t>In future, data processing will be offloaded to server-side script to remove client-side limitations</a:t>
+            </a:r>
+          </a:p>
+          <a:p>
+            <a:endParaRPr lang="en-US" sz="2400" dirty="0"/>
+          </a:p>
+        </p:txBody>
+      </p:sp>
+      <p:pic>
+        <p:nvPicPr>
+          <p:cNvPr id="7" name="Picture 3"/>
+          <p:cNvPicPr>
+            <a:picLocks noChangeAspect="1" noChangeArrowheads="1"/>
+          </p:cNvPicPr>
+          <p:nvPr/>
+        </p:nvPicPr>
+        <p:blipFill rotWithShape="1">
+          <a:blip r:embed="rId2">
+            <a:extLst>
+              <a:ext uri="{28A0092B-C50C-407E-A947-70E740481C1C}">
+                <a14:useLocalDpi xmlns:a14="http://schemas.microsoft.com/office/drawing/2010/main" val="0"/>
+              </a:ext>
+            </a:extLst>
+          </a:blip>
+          <a:srcRect l="695" t="2709" r="51490" b="30335"/>
+          <a:stretch/>
+        </p:blipFill>
+        <p:spPr bwMode="auto">
+          <a:xfrm>
+            <a:off x="6043613" y="2100261"/>
+            <a:ext cx="5093672" cy="4579857"/>
+          </a:xfrm>
+          <a:prstGeom prst="rect">
+            <a:avLst/>
+          </a:prstGeom>
+          <a:noFill/>
+          <a:ln>
+            <a:noFill/>
+          </a:ln>
+          <a:effectLst/>
+          <a:extLst>
+            <a:ext uri="{909E8E84-426E-40DD-AFC4-6F175D3DCCD1}">
+              <a14:hiddenFill xmlns:a14="http://schemas.microsoft.com/office/drawing/2010/main">
+                <a:solidFill>
+                  <a:schemeClr val="accent1"/>
+                </a:solidFill>
+              </a14:hiddenFill>
+            </a:ext>
+            <a:ext uri="{91240B29-F687-4F45-9708-019B960494DF}">
+              <a14:hiddenLine xmlns:a14="http://schemas.microsoft.com/office/drawing/2010/main" w="9525">
+                <a:solidFill>
+                  <a:schemeClr val="tx1"/>
+                </a:solidFill>
+                <a:miter lim="800000"/>
+                <a:headEnd/>
+                <a:tailEnd/>
+              </a14:hiddenLine>
+            </a:ext>
+            <a:ext uri="{AF507438-7753-43E0-B8FC-AC1667EBCBE1}">
+              <a14:hiddenEffects xmlns:a14="http://schemas.microsoft.com/office/drawing/2010/main">
+                <a:effectLst>
+                  <a:outerShdw dist="35921" dir="2700000" algn="ctr" rotWithShape="0">
+                    <a:schemeClr val="bg2"/>
+                  </a:outerShdw>
+                </a:effectLst>
+              </a14:hiddenEffects>
+            </a:ext>
+          </a:extLst>
+        </p:spPr>
+      </p:pic>
+      <p:sp>
+        <p:nvSpPr>
+          <p:cNvPr id="4" name="TextBox 3"/>
+          <p:cNvSpPr txBox="1"/>
+          <p:nvPr/>
+        </p:nvSpPr>
+        <p:spPr>
+          <a:xfrm>
+            <a:off x="9603909" y="2245042"/>
+            <a:ext cx="2546836" cy="1477328"/>
+          </a:xfrm>
+          <a:prstGeom prst="rect">
+            <a:avLst/>
+          </a:prstGeom>
+          <a:noFill/>
+        </p:spPr>
+        <p:txBody>
+          <a:bodyPr wrap="square" rtlCol="0">
+            <a:spAutoFit/>
+          </a:bodyPr>
+          <a:lstStyle/>
+          <a:p>
+            <a:r>
+              <a:rPr lang="en-US" dirty="0" smtClean="0">
+                <a:latin typeface="Roboto Light" pitchFamily="2" charset="0"/>
+                <a:ea typeface="Roboto Light" pitchFamily="2" charset="0"/>
+              </a:rPr>
+              <a:t>Currently using Flask web framework. Planned move to either </a:t>
+            </a:r>
+            <a:r>
+              <a:rPr lang="en-US" dirty="0" err="1" smtClean="0">
+                <a:latin typeface="Roboto Light" pitchFamily="2" charset="0"/>
+                <a:ea typeface="Roboto Light" pitchFamily="2" charset="0"/>
+              </a:rPr>
+              <a:t>Django</a:t>
+            </a:r>
+            <a:r>
+              <a:rPr lang="en-US" dirty="0" smtClean="0">
+                <a:latin typeface="Roboto Light" pitchFamily="2" charset="0"/>
+                <a:ea typeface="Roboto Light" pitchFamily="2" charset="0"/>
+              </a:rPr>
+              <a:t> or Pylons web framework.</a:t>
+            </a:r>
+            <a:endParaRPr lang="en-US" dirty="0">
+              <a:latin typeface="Roboto Thin" pitchFamily="2" charset="0"/>
+              <a:ea typeface="Roboto Thin" pitchFamily="2" charset="0"/>
+            </a:endParaRPr>
+          </a:p>
+        </p:txBody>
+      </p:sp>
+    </p:spTree>
+    <p:extLst>
+      <p:ext uri="{BB962C8B-B14F-4D97-AF65-F5344CB8AC3E}">
+        <p14:creationId xmlns:p14="http://schemas.microsoft.com/office/powerpoint/2010/main" val="2728623901"/>
+      </p:ext>
+    </p:extLst>
+  </p:cSld>
+  <p:clrMapOvr>
+    <a:masterClrMapping/>
+  </p:clrMapOvr>
+  <p:transition spd="slow">
+    <p:push dir="u"/>
+  </p:transition>
+  <p:timing>
+    <p:tnLst>
+      <p:par>
+        <p:cTn id="1" dur="indefinite" restart="never" nodeType="tmRoot">
+          <p:childTnLst>
+            <p:seq concurrent="1" nextAc="seek">
+              <p:cTn id="2" dur="indefinite" nodeType="mainSeq">
+                <p:childTnLst>
+                  <p:par>
+                    <p:cTn id="3" fill="hold">
+                      <p:stCondLst>
+                        <p:cond delay="indefinite"/>
+                      </p:stCondLst>
+                      <p:childTnLst>
                         <p:par>
-                          <p:cTn id="10" fill="hold">
+                          <p:cTn id="4" fill="hold">
                             <p:stCondLst>
-                              <p:cond delay="1000"/>
+                              <p:cond delay="0"/>
                             </p:stCondLst>
                             <p:childTnLst>
                               <p:par>
-                                <p:cTn id="11" presetID="26" presetClass="emph" presetSubtype="0" fill="hold" nodeType="afterEffect">
+                                <p:cTn id="5" presetID="42" presetClass="entr" presetSubtype="0" fill="hold" nodeType="clickEffect">
                                   <p:stCondLst>
                                     <p:cond delay="0"/>
                                   </p:stCondLst>
                                   <p:childTnLst>
-                                    <p:animEffect transition="out" filter="fade">
+                                    <p:set>
                                       <p:cBhvr>
-                                        <p:cTn id="12" dur="500" tmFilter="0, 0; .2, .5; .8, .5; 1, 0"/>
+                                        <p:cTn id="6" dur="1" fill="hold">
+                                          <p:stCondLst>
+                                            <p:cond delay="0"/>
+                                          </p:stCondLst>
+                                        </p:cTn>
                                         <p:tgtEl>
-                                          <p:spTgt spid="3074"/>
+                                          <p:spTgt spid="7"/>
+                                        </p:tgtEl>
+                                        <p:attrNameLst>
+                                          <p:attrName>style.visibility</p:attrName>
+                                        </p:attrNameLst>
+                                      </p:cBhvr>
+                                      <p:to>
+                                        <p:strVal val="visible"/>
+                                      </p:to>
+                                    </p:set>
+                                    <p:animEffect transition="in" filter="fade">
+                                      <p:cBhvr>
+                                        <p:cTn id="7" dur="1000"/>
+                                        <p:tgtEl>
+                                          <p:spTgt spid="7"/>
                                         </p:tgtEl>
                                       </p:cBhvr>
                                     </p:animEffect>
-                                    <p:animScale>
+                                    <p:anim calcmode="lin" valueType="num">
                                       <p:cBhvr>
-                                        <p:cTn id="13" dur="250" autoRev="1" fill="hold"/>
+                                        <p:cTn id="8" dur="1000" fill="hold"/>
                                         <p:tgtEl>
-                                          <p:spTgt spid="3074"/>
+                                          <p:spTgt spid="7"/>
+                                        </p:tgtEl>
+                                        <p:attrNameLst>
+                                          <p:attrName>ppt_x</p:attrName>
+                                        </p:attrNameLst>
+                                      </p:cBhvr>
+                                      <p:tavLst>
+                                        <p:tav tm="0">
+                                          <p:val>
+                                            <p:strVal val="#ppt_x"/>
+                                          </p:val>
+                                        </p:tav>
+                                        <p:tav tm="100000">
+                                          <p:val>
+                                            <p:strVal val="#ppt_x"/>
+                                          </p:val>
+                                        </p:tav>
+                                      </p:tavLst>
+                                    </p:anim>
+                                    <p:anim calcmode="lin" valueType="num">
+                                      <p:cBhvr>
+                                        <p:cTn id="9" dur="1000" fill="hold"/>
+                                        <p:tgtEl>
+                                          <p:spTgt spid="7"/>
+                                        </p:tgtEl>
+                                        <p:attrNameLst>
+                                          <p:attrName>ppt_y</p:attrName>
+                                        </p:attrNameLst>
+                                      </p:cBhvr>
+                                      <p:tavLst>
+                                        <p:tav tm="0">
+                                          <p:val>
+                                            <p:strVal val="#ppt_y+.1"/>
+                                          </p:val>
+                                        </p:tav>
+                                        <p:tav tm="100000">
+                                          <p:val>
+                                            <p:strVal val="#ppt_y"/>
+                                          </p:val>
+                                        </p:tav>
+                                      </p:tavLst>
+                                    </p:anim>
+                                  </p:childTnLst>
+                                </p:cTn>
+                              </p:par>
+                            </p:childTnLst>
+                          </p:cTn>
+                        </p:par>
+                      </p:childTnLst>
+                    </p:cTn>
+                  </p:par>
+                  <p:par>
+                    <p:cTn id="10" fill="hold">
+                      <p:stCondLst>
+                        <p:cond delay="indefinite"/>
+                      </p:stCondLst>
+                      <p:childTnLst>
+                        <p:par>
+                          <p:cTn id="11" fill="hold">
+                            <p:stCondLst>
+                              <p:cond delay="0"/>
+                            </p:stCondLst>
+                            <p:childTnLst>
+                              <p:par>
+                                <p:cTn id="12" presetID="42" presetClass="entr" presetSubtype="0" fill="hold" nodeType="clickEffect">
+                                  <p:stCondLst>
+                                    <p:cond delay="0"/>
+                                  </p:stCondLst>
+                                  <p:childTnLst>
+                                    <p:set>
+                                      <p:cBhvr>
+                                        <p:cTn id="13" dur="1" fill="hold">
+                                          <p:stCondLst>
+                                            <p:cond delay="0"/>
+                                          </p:stCondLst>
+                                        </p:cTn>
+                                        <p:tgtEl>
+                                          <p:spTgt spid="10"/>
+                                        </p:tgtEl>
+                                        <p:attrNameLst>
+                                          <p:attrName>style.visibility</p:attrName>
+                                        </p:attrNameLst>
+                                      </p:cBhvr>
+                                      <p:to>
+                                        <p:strVal val="visible"/>
+                                      </p:to>
+                                    </p:set>
+                                    <p:animEffect transition="in" filter="fade">
+                                      <p:cBhvr>
+                                        <p:cTn id="14" dur="1000"/>
+                                        <p:tgtEl>
+                                          <p:spTgt spid="10"/>
                                         </p:tgtEl>
                                       </p:cBhvr>
-                                      <p:by x="105000" y="105000"/>
-                                    </p:animScale>
+                                    </p:animEffect>
+                                    <p:anim calcmode="lin" valueType="num">
+                                      <p:cBhvr>
+                                        <p:cTn id="15" dur="1000" fill="hold"/>
+                                        <p:tgtEl>
+                                          <p:spTgt spid="10"/>
+                                        </p:tgtEl>
+                                        <p:attrNameLst>
+                                          <p:attrName>ppt_x</p:attrName>
+                                        </p:attrNameLst>
+                                      </p:cBhvr>
+                                      <p:tavLst>
+                                        <p:tav tm="0">
+                                          <p:val>
+                                            <p:strVal val="#ppt_x"/>
+                                          </p:val>
+                                        </p:tav>
+                                        <p:tav tm="100000">
+                                          <p:val>
+                                            <p:strVal val="#ppt_x"/>
+                                          </p:val>
+                                        </p:tav>
+                                      </p:tavLst>
+                                    </p:anim>
+                                    <p:anim calcmode="lin" valueType="num">
+                                      <p:cBhvr>
+                                        <p:cTn id="16" dur="1000" fill="hold"/>
+                                        <p:tgtEl>
+                                          <p:spTgt spid="10"/>
+                                        </p:tgtEl>
+                                        <p:attrNameLst>
+                                          <p:attrName>ppt_y</p:attrName>
+                                        </p:attrNameLst>
+                                      </p:cBhvr>
+                                      <p:tavLst>
+                                        <p:tav tm="0">
+                                          <p:val>
+                                            <p:strVal val="#ppt_y+.1"/>
+                                          </p:val>
+                                        </p:tav>
+                                        <p:tav tm="100000">
+                                          <p:val>
+                                            <p:strVal val="#ppt_y"/>
+                                          </p:val>
+                                        </p:tav>
+                                      </p:tavLst>
+                                    </p:anim>
                                   </p:childTnLst>
                                 </p:cTn>
                               </p:par>
@@ -8555,6 +9502,177 @@
             </p:seq>
           </p:childTnLst>
         </p:cTn>
+      </p:par>
+    </p:tnLst>
+  </p:timing>
+</p:sld>
+</file>
+
+<file path=ppt/slides/slide9.xml><?xml version="1.0" encoding="utf-8"?>
+<p:sld xmlns:a="http://schemas.openxmlformats.org/drawingml/2006/main" xmlns:r="http://schemas.openxmlformats.org/officeDocument/2006/relationships" xmlns:p="http://schemas.openxmlformats.org/presentationml/2006/main">
+  <p:cSld>
+    <p:spTree>
+      <p:nvGrpSpPr>
+        <p:cNvPr id="1" name=""/>
+        <p:cNvGrpSpPr/>
+        <p:nvPr/>
+      </p:nvGrpSpPr>
+      <p:grpSpPr>
+        <a:xfrm>
+          <a:off x="0" y="0"/>
+          <a:ext cx="0" cy="0"/>
+          <a:chOff x="0" y="0"/>
+          <a:chExt cx="0" cy="0"/>
+        </a:xfrm>
+      </p:grpSpPr>
+      <p:sp>
+        <p:nvSpPr>
+          <p:cNvPr id="2" name="Title 1"/>
+          <p:cNvSpPr>
+            <a:spLocks noGrp="1"/>
+          </p:cNvSpPr>
+          <p:nvPr>
+            <p:ph type="title"/>
+          </p:nvPr>
+        </p:nvSpPr>
+        <p:spPr/>
+        <p:txBody>
+          <a:bodyPr/>
+          <a:lstStyle/>
+          <a:p>
+            <a:r>
+              <a:rPr lang="en-US" dirty="0" smtClean="0"/>
+              <a:t>PART 4 – API DATA DISPLAY</a:t>
+            </a:r>
+            <a:endParaRPr lang="en-US" dirty="0"/>
+          </a:p>
+        </p:txBody>
+      </p:sp>
+      <p:sp>
+        <p:nvSpPr>
+          <p:cNvPr id="3" name="Content Placeholder 2"/>
+          <p:cNvSpPr>
+            <a:spLocks noGrp="1"/>
+          </p:cNvSpPr>
+          <p:nvPr>
+            <p:ph idx="1"/>
+          </p:nvPr>
+        </p:nvSpPr>
+        <p:spPr>
+          <a:xfrm>
+            <a:off x="450850" y="2222287"/>
+            <a:ext cx="6124121" cy="3636511"/>
+          </a:xfrm>
+        </p:spPr>
+        <p:txBody>
+          <a:bodyPr>
+            <a:normAutofit/>
+          </a:bodyPr>
+          <a:lstStyle/>
+          <a:p>
+            <a:r>
+              <a:rPr lang="en-US" sz="2400" dirty="0" smtClean="0"/>
+              <a:t>Callback page received JSON data from server-side Python CGI script</a:t>
+            </a:r>
+          </a:p>
+          <a:p>
+            <a:r>
+              <a:rPr lang="en-US" sz="2400" dirty="0" smtClean="0"/>
+              <a:t>Callback page parses JSON and injects data into HTML page</a:t>
+            </a:r>
+          </a:p>
+          <a:p>
+            <a:r>
+              <a:rPr lang="en-US" sz="2400" dirty="0" smtClean="0"/>
+              <a:t>Caretaker can view data to make adequate decisions</a:t>
+            </a:r>
+          </a:p>
+          <a:p>
+            <a:endParaRPr lang="en-US" sz="2400" dirty="0"/>
+          </a:p>
+        </p:txBody>
+      </p:sp>
+      <p:pic>
+        <p:nvPicPr>
+          <p:cNvPr id="7" name="Picture 3"/>
+          <p:cNvPicPr>
+            <a:picLocks noChangeAspect="1" noChangeArrowheads="1"/>
+          </p:cNvPicPr>
+          <p:nvPr/>
+        </p:nvPicPr>
+        <p:blipFill>
+          <a:blip r:embed="rId2">
+            <a:extLst>
+              <a:ext uri="{28A0092B-C50C-407E-A947-70E740481C1C}">
+                <a14:useLocalDpi xmlns:a14="http://schemas.microsoft.com/office/drawing/2010/main" val="0"/>
+              </a:ext>
+            </a:extLst>
+          </a:blip>
+          <a:srcRect/>
+          <a:stretch>
+            <a:fillRect/>
+          </a:stretch>
+        </p:blipFill>
+        <p:spPr bwMode="auto">
+          <a:xfrm>
+            <a:off x="6829425" y="2483698"/>
+            <a:ext cx="4876801" cy="3110651"/>
+          </a:xfrm>
+          <a:prstGeom prst="rect">
+            <a:avLst/>
+          </a:prstGeom>
+          <a:noFill/>
+          <a:ln>
+            <a:noFill/>
+          </a:ln>
+          <a:effectLst/>
+          <a:extLst>
+            <a:ext uri="{909E8E84-426E-40DD-AFC4-6F175D3DCCD1}">
+              <a14:hiddenFill xmlns:a14="http://schemas.microsoft.com/office/drawing/2010/main">
+                <a:solidFill>
+                  <a:schemeClr val="accent1"/>
+                </a:solidFill>
+              </a14:hiddenFill>
+            </a:ext>
+            <a:ext uri="{91240B29-F687-4F45-9708-019B960494DF}">
+              <a14:hiddenLine xmlns:a14="http://schemas.microsoft.com/office/drawing/2010/main" w="9525">
+                <a:solidFill>
+                  <a:schemeClr val="tx1"/>
+                </a:solidFill>
+                <a:miter lim="800000"/>
+                <a:headEnd/>
+                <a:tailEnd/>
+              </a14:hiddenLine>
+            </a:ext>
+            <a:ext uri="{AF507438-7753-43E0-B8FC-AC1667EBCBE1}">
+              <a14:hiddenEffects xmlns:a14="http://schemas.microsoft.com/office/drawing/2010/main">
+                <a:effectLst>
+                  <a:outerShdw dist="35921" dir="2700000" algn="ctr" rotWithShape="0">
+                    <a:schemeClr val="bg2"/>
+                  </a:outerShdw>
+                </a:effectLst>
+              </a14:hiddenEffects>
+            </a:ext>
+          </a:extLst>
+        </p:spPr>
+      </p:pic>
+    </p:spTree>
+    <p:extLst>
+      <p:ext uri="{BB962C8B-B14F-4D97-AF65-F5344CB8AC3E}">
+        <p14:creationId xmlns:p14="http://schemas.microsoft.com/office/powerpoint/2010/main" val="1321178381"/>
+      </p:ext>
+    </p:extLst>
+  </p:cSld>
+  <p:clrMapOvr>
+    <a:masterClrMapping/>
+  </p:clrMapOvr>
+  <p:transition spd="slow">
+    <p:push dir="u"/>
+  </p:transition>
+  <p:timing>
+    <p:tnLst>
+      <p:par>
+        <p:cTn id="1" dur="indefinite" restart="never" nodeType="tmRoot"/>
       </p:par>
     </p:tnLst>
   </p:timing>
@@ -8792,7 +9910,7 @@
   <a:extraClrSchemeLst/>
   <a:extLst>
     <a:ext uri="{05A4C25C-085E-4340-85A3-A5531E510DB2}">
-      <thm15:themeFamily xmlns:thm15="http://schemas.microsoft.com/office/thememl/2012/main" xmlns="" name="Quotable" id="{39EC5628-30ED-4578-ACD8-9820EDB8E15A}" vid="{6F3559E9-1A4C-49D8-94D4-F41003531C49}"/>
+      <thm15:themeFamily xmlns="" xmlns:thm15="http://schemas.microsoft.com/office/thememl/2012/main" name="Quotable" id="{39EC5628-30ED-4578-ACD8-9820EDB8E15A}" vid="{6F3559E9-1A4C-49D8-94D4-F41003531C49}"/>
     </a:ext>
   </a:extLst>
 </a:theme>

--- a/Presentation/Assisted Living.pptx
+++ b/Presentation/Assisted Living.pptx
@@ -21,25 +21,25 @@
   <p:notesSz cx="6858000" cy="9144000"/>
   <p:embeddedFontLst>
     <p:embeddedFont>
+      <p:font typeface="Wingdings 2" pitchFamily="18" charset="2"/>
+      <p:regular r:id="rId13"/>
+    </p:embeddedFont>
+    <p:embeddedFont>
       <p:font typeface="Roboto Thin" pitchFamily="2" charset="0"/>
-      <p:regular r:id="rId13"/>
-      <p:italic r:id="rId14"/>
+      <p:regular r:id="rId14"/>
+      <p:italic r:id="rId15"/>
+    </p:embeddedFont>
+    <p:embeddedFont>
+      <p:font typeface="Roboto Light" pitchFamily="2" charset="0"/>
+      <p:regular r:id="rId16"/>
+      <p:italic r:id="rId17"/>
     </p:embeddedFont>
     <p:embeddedFont>
       <p:font typeface="Century Gothic" pitchFamily="34" charset="0"/>
-      <p:regular r:id="rId15"/>
-      <p:bold r:id="rId16"/>
-      <p:italic r:id="rId17"/>
-      <p:boldItalic r:id="rId18"/>
-    </p:embeddedFont>
-    <p:embeddedFont>
-      <p:font typeface="Wingdings 2" pitchFamily="18" charset="2"/>
-      <p:regular r:id="rId19"/>
-    </p:embeddedFont>
-    <p:embeddedFont>
-      <p:font typeface="Roboto Light" pitchFamily="2" charset="0"/>
-      <p:regular r:id="rId20"/>
-      <p:italic r:id="rId21"/>
+      <p:regular r:id="rId18"/>
+      <p:bold r:id="rId19"/>
+      <p:italic r:id="rId20"/>
+      <p:boldItalic r:id="rId21"/>
     </p:embeddedFont>
   </p:embeddedFontLst>
   <p:defaultTextStyle>
@@ -139,7 +139,7 @@
   </p:defaultTextStyle>
   <p:extLst>
     <p:ext uri="{EFAFB233-063F-42B5-8137-9DF3F51BA10A}">
-      <p15:sldGuideLst xmlns="" xmlns:p15="http://schemas.microsoft.com/office/powerpoint/2012/main"/>
+      <p15:sldGuideLst xmlns:p15="http://schemas.microsoft.com/office/powerpoint/2012/main" xmlns=""/>
     </p:ext>
   </p:extLst>
 </p:presentation>
@@ -432,7 +432,7 @@
           <a:p>
             <a:fld id="{96DFF08F-DC6B-4601-B491-B0F83F6DD2DA}" type="datetimeFigureOut">
               <a:rPr lang="en-US" smtClean="0"/>
-              <a:t>6/13/2014</a:t>
+              <a:t>6/14/2014</a:t>
             </a:fld>
             <a:endParaRPr lang="en-US" dirty="0"/>
           </a:p>
@@ -758,7 +758,7 @@
             <a:fld id="{96DFF08F-DC6B-4601-B491-B0F83F6DD2DA}" type="datetimeFigureOut">
               <a:rPr lang="en-US" smtClean="0"/>
               <a:pPr/>
-              <a:t>6/13/2014</a:t>
+              <a:t>6/14/2014</a:t>
             </a:fld>
             <a:endParaRPr lang="en-US" dirty="0"/>
           </a:p>
@@ -1248,7 +1248,7 @@
             <a:fld id="{96DFF08F-DC6B-4601-B491-B0F83F6DD2DA}" type="datetimeFigureOut">
               <a:rPr lang="en-US" smtClean="0"/>
               <a:pPr/>
-              <a:t>6/13/2014</a:t>
+              <a:t>6/14/2014</a:t>
             </a:fld>
             <a:endParaRPr lang="en-US" dirty="0"/>
           </a:p>
@@ -1619,7 +1619,7 @@
             <a:fld id="{96DFF08F-DC6B-4601-B491-B0F83F6DD2DA}" type="datetimeFigureOut">
               <a:rPr lang="en-US" smtClean="0"/>
               <a:pPr/>
-              <a:t>6/13/2014</a:t>
+              <a:t>6/14/2014</a:t>
             </a:fld>
             <a:endParaRPr lang="en-US" dirty="0"/>
           </a:p>
@@ -1893,7 +1893,7 @@
           <a:p>
             <a:fld id="{96DFF08F-DC6B-4601-B491-B0F83F6DD2DA}" type="datetimeFigureOut">
               <a:rPr lang="en-US" smtClean="0"/>
-              <a:t>6/13/2014</a:t>
+              <a:t>6/14/2014</a:t>
             </a:fld>
             <a:endParaRPr lang="en-US" dirty="0"/>
           </a:p>
@@ -2178,7 +2178,7 @@
           <a:p>
             <a:fld id="{96DFF08F-DC6B-4601-B491-B0F83F6DD2DA}" type="datetimeFigureOut">
               <a:rPr lang="en-US" smtClean="0"/>
-              <a:t>6/13/2014</a:t>
+              <a:t>6/14/2014</a:t>
             </a:fld>
             <a:endParaRPr lang="en-US" dirty="0"/>
           </a:p>
@@ -2501,7 +2501,7 @@
           <a:p>
             <a:fld id="{2A57D7DE-61AE-4BC6-A87E-9454F8FD646E}" type="datetimeFigureOut">
               <a:rPr lang="en-US" smtClean="0"/>
-              <a:t>6/13/2014</a:t>
+              <a:t>6/14/2014</a:t>
             </a:fld>
             <a:endParaRPr lang="en-US" dirty="0"/>
           </a:p>
@@ -2851,7 +2851,7 @@
           <a:p>
             <a:fld id="{96DFF08F-DC6B-4601-B491-B0F83F6DD2DA}" type="datetimeFigureOut">
               <a:rPr lang="en-US" smtClean="0"/>
-              <a:t>6/13/2014</a:t>
+              <a:t>6/14/2014</a:t>
             </a:fld>
             <a:endParaRPr lang="en-US" dirty="0"/>
           </a:p>
@@ -3197,7 +3197,7 @@
           <a:p>
             <a:fld id="{96DFF08F-DC6B-4601-B491-B0F83F6DD2DA}" type="datetimeFigureOut">
               <a:rPr lang="en-US" smtClean="0"/>
-              <a:t>6/13/2014</a:t>
+              <a:t>6/14/2014</a:t>
             </a:fld>
             <a:endParaRPr lang="en-US" dirty="0"/>
           </a:p>
@@ -3681,7 +3681,7 @@
           <a:p>
             <a:fld id="{96DFF08F-DC6B-4601-B491-B0F83F6DD2DA}" type="datetimeFigureOut">
               <a:rPr lang="en-US" smtClean="0"/>
-              <a:t>6/13/2014</a:t>
+              <a:t>6/14/2014</a:t>
             </a:fld>
             <a:endParaRPr lang="en-US" dirty="0"/>
           </a:p>
@@ -3902,7 +3902,7 @@
           <a:p>
             <a:fld id="{96DFF08F-DC6B-4601-B491-B0F83F6DD2DA}" type="datetimeFigureOut">
               <a:rPr lang="en-US" smtClean="0"/>
-              <a:t>6/13/2014</a:t>
+              <a:t>6/14/2014</a:t>
             </a:fld>
             <a:endParaRPr lang="en-US" dirty="0"/>
           </a:p>
@@ -3998,7 +3998,7 @@
             <a:fld id="{96DFF08F-DC6B-4601-B491-B0F83F6DD2DA}" type="datetimeFigureOut">
               <a:rPr lang="en-US" smtClean="0"/>
               <a:pPr/>
-              <a:t>6/13/2014</a:t>
+              <a:t>6/14/2014</a:t>
             </a:fld>
             <a:endParaRPr lang="en-US" dirty="0"/>
           </a:p>
@@ -4467,7 +4467,7 @@
             <a:fld id="{96DFF08F-DC6B-4601-B491-B0F83F6DD2DA}" type="datetimeFigureOut">
               <a:rPr lang="en-US" smtClean="0"/>
               <a:pPr/>
-              <a:t>6/13/2014</a:t>
+              <a:t>6/14/2014</a:t>
             </a:fld>
             <a:endParaRPr lang="en-US" dirty="0"/>
           </a:p>
@@ -4782,7 +4782,7 @@
             <a:fld id="{96DFF08F-DC6B-4601-B491-B0F83F6DD2DA}" type="datetimeFigureOut">
               <a:rPr lang="en-US" smtClean="0"/>
               <a:pPr/>
-              <a:t>6/13/2014</a:t>
+              <a:t>6/14/2014</a:t>
             </a:fld>
             <a:endParaRPr lang="en-US" dirty="0"/>
           </a:p>
@@ -5054,7 +5054,7 @@
             <a:fld id="{96DFF08F-DC6B-4601-B491-B0F83F6DD2DA}" type="datetimeFigureOut">
               <a:rPr lang="en-US" smtClean="0"/>
               <a:pPr/>
-              <a:t>6/13/2014</a:t>
+              <a:t>6/14/2014</a:t>
             </a:fld>
             <a:endParaRPr lang="en-US" dirty="0"/>
           </a:p>
@@ -5584,9 +5584,18 @@
   <p:clrMapOvr>
     <a:masterClrMapping/>
   </p:clrMapOvr>
-  <p:transition spd="slow">
-    <p:push dir="u"/>
-  </p:transition>
+  <mc:AlternateContent xmlns:mc="http://schemas.openxmlformats.org/markup-compatibility/2006">
+    <mc:Choice xmlns:p14="http://schemas.microsoft.com/office/powerpoint/2010/main" Requires="p14">
+      <p:transition spd="slow" p14:dur="1400">
+        <p14:doors dir="vert"/>
+      </p:transition>
+    </mc:Choice>
+    <mc:Fallback>
+      <p:transition spd="slow">
+        <p:fade/>
+      </p:transition>
+    </mc:Fallback>
+  </mc:AlternateContent>
   <p:timing>
     <p:tnLst>
       <p:par>
@@ -5649,7 +5658,7 @@
         </p:nvSpPr>
         <p:spPr>
           <a:xfrm>
-            <a:off x="450850" y="2504227"/>
+            <a:off x="450850" y="3022387"/>
             <a:ext cx="11226800" cy="3636511"/>
           </a:xfrm>
         </p:spPr>
@@ -5715,6 +5724,18 @@
   <p:clrMapOvr>
     <a:masterClrMapping/>
   </p:clrMapOvr>
+  <mc:AlternateContent xmlns:mc="http://schemas.openxmlformats.org/markup-compatibility/2006">
+    <mc:Choice xmlns:p14="http://schemas.microsoft.com/office/powerpoint/2010/main" Requires="p14">
+      <p:transition spd="slow" p14:dur="800">
+        <p14:flythrough/>
+      </p:transition>
+    </mc:Choice>
+    <mc:Fallback>
+      <p:transition spd="slow">
+        <p:fade/>
+      </p:transition>
+    </mc:Fallback>
+  </mc:AlternateContent>
   <p:timing>
     <p:tnLst>
       <p:par>
@@ -5829,6 +5850,18 @@
   <p:clrMapOvr>
     <a:masterClrMapping/>
   </p:clrMapOvr>
+  <mc:AlternateContent xmlns:mc="http://schemas.openxmlformats.org/markup-compatibility/2006">
+    <mc:Choice xmlns:p14="http://schemas.microsoft.com/office/powerpoint/2010/main" Requires="p14">
+      <p:transition spd="slow" p14:dur="1600">
+        <p14:prism isContent="1" isInverted="1"/>
+      </p:transition>
+    </mc:Choice>
+    <mc:Fallback>
+      <p:transition spd="slow">
+        <p:fade/>
+      </p:transition>
+    </mc:Fallback>
+  </mc:AlternateContent>
   <p:timing>
     <p:tnLst>
       <p:par>
@@ -5974,9 +6007,18 @@
   <p:clrMapOvr>
     <a:masterClrMapping/>
   </p:clrMapOvr>
-  <p:transition spd="slow">
-    <p:push dir="u"/>
-  </p:transition>
+  <mc:AlternateContent xmlns:mc="http://schemas.openxmlformats.org/markup-compatibility/2006">
+    <mc:Choice xmlns:p14="http://schemas.microsoft.com/office/powerpoint/2010/main" Requires="p14">
+      <p:transition spd="slow" p14:dur="1600">
+        <p14:prism isInverted="1"/>
+      </p:transition>
+    </mc:Choice>
+    <mc:Fallback>
+      <p:transition spd="slow">
+        <p:fade/>
+      </p:transition>
+    </mc:Fallback>
+  </mc:AlternateContent>
   <p:timing>
     <p:tnLst>
       <p:par>
@@ -6754,9 +6796,18 @@
   <p:clrMapOvr>
     <a:masterClrMapping/>
   </p:clrMapOvr>
-  <p:transition spd="slow">
-    <p:push dir="u"/>
-  </p:transition>
+  <mc:AlternateContent xmlns:mc="http://schemas.openxmlformats.org/markup-compatibility/2006">
+    <mc:Choice xmlns:p14="http://schemas.microsoft.com/office/powerpoint/2010/main" Requires="p14">
+      <p:transition spd="slow" p14:dur="900">
+        <p14:warp dir="in"/>
+      </p:transition>
+    </mc:Choice>
+    <mc:Fallback>
+      <p:transition spd="slow">
+        <p:fade/>
+      </p:transition>
+    </mc:Fallback>
+  </mc:AlternateContent>
   <p:timing>
     <p:tnLst>
       <p:par>
@@ -7608,19 +7659,7 @@
           <a:p>
             <a:r>
               <a:rPr lang="en-US" dirty="0" smtClean="0"/>
-              <a:t>PART </a:t>
-            </a:r>
-            <a:r>
-              <a:rPr lang="en-US" dirty="0" smtClean="0"/>
-              <a:t>I - </a:t>
-            </a:r>
-            <a:r>
-              <a:rPr lang="en-US" dirty="0" smtClean="0"/>
-              <a:t>PATIENT </a:t>
-            </a:r>
-            <a:r>
-              <a:rPr lang="en-US" dirty="0" smtClean="0"/>
-              <a:t>SETUP</a:t>
+              <a:t>PART I - PATIENT SETUP</a:t>
             </a:r>
             <a:endParaRPr lang="en-US" dirty="0"/>
           </a:p>
@@ -7656,13 +7695,8 @@
           <a:p>
             <a:r>
               <a:rPr lang="en-US" sz="2400" dirty="0" smtClean="0"/>
-              <a:t>Patient carries smartphone in </a:t>
-            </a:r>
-            <a:r>
-              <a:rPr lang="en-US" sz="2400" dirty="0" smtClean="0"/>
-              <a:t>pocket (LG G2 or phone with equivalent battery life suggested)</a:t>
-            </a:r>
-            <a:endParaRPr lang="en-US" sz="2400" dirty="0" smtClean="0"/>
+              <a:t>Patient carries smartphone in pocket (LG G2 or phone with equivalent battery life suggested)</a:t>
+            </a:r>
           </a:p>
           <a:p>
             <a:r>
@@ -7754,9 +7788,18 @@
   <p:clrMapOvr>
     <a:masterClrMapping/>
   </p:clrMapOvr>
-  <p:transition spd="slow">
-    <p:push dir="u"/>
-  </p:transition>
+  <mc:AlternateContent xmlns:mc="http://schemas.openxmlformats.org/markup-compatibility/2006">
+    <mc:Choice xmlns:p14="http://schemas.microsoft.com/office/powerpoint/2010/main" Requires="p14">
+      <p:transition spd="slow" p14:dur="1300">
+        <p14:pan dir="u"/>
+      </p:transition>
+    </mc:Choice>
+    <mc:Fallback>
+      <p:transition spd="slow">
+        <p:fade/>
+      </p:transition>
+    </mc:Fallback>
+  </mc:AlternateContent>
   <p:timing>
     <p:tnLst>
       <p:par>
@@ -8092,11 +8135,7 @@
           <a:p>
             <a:r>
               <a:rPr lang="en-US" dirty="0" smtClean="0"/>
-              <a:t>PART II - CARETAKER </a:t>
-            </a:r>
-            <a:r>
-              <a:rPr lang="en-US" dirty="0" smtClean="0"/>
-              <a:t>SETUP</a:t>
+              <a:t>PART II - CARETAKER SETUP</a:t>
             </a:r>
             <a:endParaRPr lang="en-US" dirty="0"/>
           </a:p>
@@ -8186,9 +8225,18 @@
   <p:clrMapOvr>
     <a:masterClrMapping/>
   </p:clrMapOvr>
-  <p:transition spd="slow">
-    <p:push dir="u"/>
-  </p:transition>
+  <mc:AlternateContent xmlns:mc="http://schemas.openxmlformats.org/markup-compatibility/2006">
+    <mc:Choice xmlns:p14="http://schemas.microsoft.com/office/powerpoint/2010/main" Requires="p14">
+      <p:transition spd="slow" p14:dur="2000">
+        <p14:ferris dir="l"/>
+      </p:transition>
+    </mc:Choice>
+    <mc:Fallback>
+      <p:transition spd="slow">
+        <p:fade/>
+      </p:transition>
+    </mc:Fallback>
+  </mc:AlternateContent>
   <p:timing>
     <p:tnLst>
       <p:par>
@@ -8400,7 +8448,6 @@
               <a:rPr lang="en-US" dirty="0"/>
               <a:t>- WEBSITE LOGIN </a:t>
             </a:r>
-            <a:endParaRPr lang="en-US" dirty="0"/>
           </a:p>
         </p:txBody>
       </p:sp>
@@ -8534,9 +8581,18 @@
   <p:clrMapOvr>
     <a:masterClrMapping/>
   </p:clrMapOvr>
-  <p:transition spd="slow">
-    <p:push dir="u"/>
-  </p:transition>
+  <mc:AlternateContent xmlns:mc="http://schemas.openxmlformats.org/markup-compatibility/2006">
+    <mc:Choice xmlns:p14="http://schemas.microsoft.com/office/powerpoint/2010/main" Requires="p14">
+      <p:transition spd="slow" p14:dur="1600">
+        <p14:conveyor dir="l"/>
+      </p:transition>
+    </mc:Choice>
+    <mc:Fallback>
+      <p:transition spd="slow">
+        <p:fade/>
+      </p:transition>
+    </mc:Fallback>
+  </mc:AlternateContent>
   <p:timing>
     <p:tnLst>
       <p:par>
@@ -8832,11 +8888,7 @@
           <a:p>
             <a:r>
               <a:rPr lang="en-US" sz="2400" dirty="0" smtClean="0"/>
-              <a:t>Not trusted by </a:t>
-            </a:r>
-            <a:r>
-              <a:rPr lang="en-US" sz="2400" dirty="0" smtClean="0"/>
-              <a:t>default</a:t>
+              <a:t>Not trusted by default</a:t>
             </a:r>
           </a:p>
           <a:p>
@@ -8860,9 +8912,18 @@
   <p:clrMapOvr>
     <a:masterClrMapping/>
   </p:clrMapOvr>
-  <p:transition spd="slow">
-    <p:push dir="u"/>
-  </p:transition>
+  <mc:AlternateContent xmlns:mc="http://schemas.openxmlformats.org/markup-compatibility/2006">
+    <mc:Choice xmlns:p14="http://schemas.microsoft.com/office/powerpoint/2010/main" Requires="p14">
+      <p:transition spd="slow" p14:dur="2000">
+        <p14:prism isContent="1"/>
+      </p:transition>
+    </mc:Choice>
+    <mc:Fallback>
+      <p:transition spd="slow">
+        <p:fade/>
+      </p:transition>
+    </mc:Fallback>
+  </mc:AlternateContent>
   <p:timing>
     <p:tnLst>
       <p:par>
@@ -9012,68 +9073,6 @@
           <a:chExt cx="0" cy="0"/>
         </a:xfrm>
       </p:grpSpPr>
-      <p:pic>
-        <p:nvPicPr>
-          <p:cNvPr id="10" name="Picture 3"/>
-          <p:cNvPicPr>
-            <a:picLocks noChangeAspect="1" noChangeArrowheads="1"/>
-          </p:cNvPicPr>
-          <p:nvPr/>
-        </p:nvPicPr>
-        <p:blipFill rotWithShape="1">
-          <a:blip r:embed="rId2">
-            <a:extLst>
-              <a:ext uri="{28A0092B-C50C-407E-A947-70E740481C1C}">
-                <a14:useLocalDpi xmlns:a14="http://schemas.microsoft.com/office/drawing/2010/main" val="0"/>
-              </a:ext>
-            </a:extLst>
-          </a:blip>
-          <a:srcRect l="36308" t="2709" r="51490" b="69399"/>
-          <a:stretch/>
-        </p:blipFill>
-        <p:spPr bwMode="auto">
-          <a:xfrm>
-            <a:off x="9934441" y="2100260"/>
-            <a:ext cx="2013720" cy="4579858"/>
-          </a:xfrm>
-          <a:prstGeom prst="rect">
-            <a:avLst/>
-          </a:prstGeom>
-          <a:noFill/>
-          <a:ln>
-            <a:noFill/>
-          </a:ln>
-          <a:effectLst/>
-          <a:extLst>
-            <a:ext uri="{909E8E84-426E-40DD-AFC4-6F175D3DCCD1}">
-              <a14:hiddenFill xmlns:a14="http://schemas.microsoft.com/office/drawing/2010/main">
-                <a:solidFill>
-                  <a:schemeClr val="accent1"/>
-                </a:solidFill>
-              </a14:hiddenFill>
-            </a:ext>
-            <a:ext uri="{91240B29-F687-4F45-9708-019B960494DF}">
-              <a14:hiddenLine xmlns:a14="http://schemas.microsoft.com/office/drawing/2010/main" w="9525">
-                <a:solidFill>
-                  <a:schemeClr val="tx1"/>
-                </a:solidFill>
-                <a:miter lim="800000"/>
-                <a:headEnd/>
-                <a:tailEnd/>
-              </a14:hiddenLine>
-            </a:ext>
-            <a:ext uri="{AF507438-7753-43E0-B8FC-AC1667EBCBE1}">
-              <a14:hiddenEffects xmlns:a14="http://schemas.microsoft.com/office/drawing/2010/main">
-                <a:effectLst>
-                  <a:outerShdw dist="35921" dir="2700000" algn="ctr" rotWithShape="0">
-                    <a:schemeClr val="bg2"/>
-                  </a:outerShdw>
-                </a:effectLst>
-              </a14:hiddenEffects>
-            </a:ext>
-          </a:extLst>
-        </p:spPr>
-      </p:pic>
       <p:sp>
         <p:nvSpPr>
           <p:cNvPr id="2" name="Title 1"/>
@@ -9152,118 +9151,210 @@
           </a:p>
         </p:txBody>
       </p:sp>
-      <p:pic>
-        <p:nvPicPr>
-          <p:cNvPr id="7" name="Picture 3"/>
-          <p:cNvPicPr>
-            <a:picLocks noChangeAspect="1" noChangeArrowheads="1"/>
-          </p:cNvPicPr>
+      <p:grpSp>
+        <p:nvGrpSpPr>
+          <p:cNvPr id="6" name="Group 5"/>
+          <p:cNvGrpSpPr/>
           <p:nvPr/>
-        </p:nvPicPr>
-        <p:blipFill rotWithShape="1">
-          <a:blip r:embed="rId2">
+        </p:nvGrpSpPr>
+        <p:grpSpPr>
+          <a:xfrm>
+            <a:off x="6043613" y="2100260"/>
+            <a:ext cx="6107132" cy="4579858"/>
+            <a:chOff x="6043613" y="2100260"/>
+            <a:chExt cx="6107132" cy="4579858"/>
+          </a:xfrm>
+        </p:grpSpPr>
+        <p:pic>
+          <p:nvPicPr>
+            <p:cNvPr id="10" name="Picture 3"/>
+            <p:cNvPicPr>
+              <a:picLocks noChangeAspect="1" noChangeArrowheads="1"/>
+            </p:cNvPicPr>
+            <p:nvPr/>
+          </p:nvPicPr>
+          <p:blipFill rotWithShape="1">
+            <a:blip r:embed="rId2">
+              <a:extLst>
+                <a:ext uri="{28A0092B-C50C-407E-A947-70E740481C1C}">
+                  <a14:useLocalDpi xmlns:a14="http://schemas.microsoft.com/office/drawing/2010/main" val="0"/>
+                </a:ext>
+              </a:extLst>
+            </a:blip>
+            <a:srcRect l="36308" t="2709" r="51490" b="69399"/>
+            <a:stretch/>
+          </p:blipFill>
+          <p:spPr bwMode="auto">
+            <a:xfrm>
+              <a:off x="9934441" y="2100260"/>
+              <a:ext cx="2013720" cy="4579858"/>
+            </a:xfrm>
+            <a:prstGeom prst="rect">
+              <a:avLst/>
+            </a:prstGeom>
+            <a:noFill/>
+            <a:ln>
+              <a:noFill/>
+            </a:ln>
+            <a:effectLst/>
             <a:extLst>
-              <a:ext uri="{28A0092B-C50C-407E-A947-70E740481C1C}">
-                <a14:useLocalDpi xmlns:a14="http://schemas.microsoft.com/office/drawing/2010/main" val="0"/>
+              <a:ext uri="{909E8E84-426E-40DD-AFC4-6F175D3DCCD1}">
+                <a14:hiddenFill xmlns:a14="http://schemas.microsoft.com/office/drawing/2010/main">
+                  <a:solidFill>
+                    <a:schemeClr val="accent1"/>
+                  </a:solidFill>
+                </a14:hiddenFill>
+              </a:ext>
+              <a:ext uri="{91240B29-F687-4F45-9708-019B960494DF}">
+                <a14:hiddenLine xmlns:a14="http://schemas.microsoft.com/office/drawing/2010/main" w="9525">
+                  <a:solidFill>
+                    <a:schemeClr val="tx1"/>
+                  </a:solidFill>
+                  <a:miter lim="800000"/>
+                  <a:headEnd/>
+                  <a:tailEnd/>
+                </a14:hiddenLine>
+              </a:ext>
+              <a:ext uri="{AF507438-7753-43E0-B8FC-AC1667EBCBE1}">
+                <a14:hiddenEffects xmlns:a14="http://schemas.microsoft.com/office/drawing/2010/main">
+                  <a:effectLst>
+                    <a:outerShdw dist="35921" dir="2700000" algn="ctr" rotWithShape="0">
+                      <a:schemeClr val="bg2"/>
+                    </a:outerShdw>
+                  </a:effectLst>
+                </a14:hiddenEffects>
               </a:ext>
             </a:extLst>
-          </a:blip>
-          <a:srcRect l="695" t="2709" r="51490" b="30335"/>
-          <a:stretch/>
-        </p:blipFill>
-        <p:spPr bwMode="auto">
-          <a:xfrm>
-            <a:off x="6043613" y="2100261"/>
-            <a:ext cx="5093672" cy="4579857"/>
-          </a:xfrm>
-          <a:prstGeom prst="rect">
-            <a:avLst/>
-          </a:prstGeom>
-          <a:noFill/>
-          <a:ln>
-            <a:noFill/>
-          </a:ln>
-          <a:effectLst/>
-          <a:extLst>
-            <a:ext uri="{909E8E84-426E-40DD-AFC4-6F175D3DCCD1}">
-              <a14:hiddenFill xmlns:a14="http://schemas.microsoft.com/office/drawing/2010/main">
-                <a:solidFill>
-                  <a:schemeClr val="accent1"/>
-                </a:solidFill>
-              </a14:hiddenFill>
-            </a:ext>
-            <a:ext uri="{91240B29-F687-4F45-9708-019B960494DF}">
-              <a14:hiddenLine xmlns:a14="http://schemas.microsoft.com/office/drawing/2010/main" w="9525">
-                <a:solidFill>
-                  <a:schemeClr val="tx1"/>
-                </a:solidFill>
-                <a:miter lim="800000"/>
-                <a:headEnd/>
-                <a:tailEnd/>
-              </a14:hiddenLine>
-            </a:ext>
-            <a:ext uri="{AF507438-7753-43E0-B8FC-AC1667EBCBE1}">
-              <a14:hiddenEffects xmlns:a14="http://schemas.microsoft.com/office/drawing/2010/main">
-                <a:effectLst>
-                  <a:outerShdw dist="35921" dir="2700000" algn="ctr" rotWithShape="0">
-                    <a:schemeClr val="bg2"/>
-                  </a:outerShdw>
-                </a:effectLst>
-              </a14:hiddenEffects>
-            </a:ext>
-          </a:extLst>
-        </p:spPr>
-      </p:pic>
-      <p:sp>
-        <p:nvSpPr>
-          <p:cNvPr id="4" name="TextBox 3"/>
-          <p:cNvSpPr txBox="1"/>
-          <p:nvPr/>
-        </p:nvSpPr>
-        <p:spPr>
-          <a:xfrm>
-            <a:off x="9603909" y="2245042"/>
-            <a:ext cx="2546836" cy="1477328"/>
-          </a:xfrm>
-          <a:prstGeom prst="rect">
-            <a:avLst/>
-          </a:prstGeom>
-          <a:noFill/>
-        </p:spPr>
-        <p:txBody>
-          <a:bodyPr wrap="square" rtlCol="0">
-            <a:spAutoFit/>
-          </a:bodyPr>
-          <a:lstStyle/>
-          <a:p>
-            <a:r>
-              <a:rPr lang="en-US" dirty="0" smtClean="0">
-                <a:latin typeface="Roboto Light" pitchFamily="2" charset="0"/>
-                <a:ea typeface="Roboto Light" pitchFamily="2" charset="0"/>
-              </a:rPr>
-              <a:t>Currently using Flask web framework. Planned move to either </a:t>
-            </a:r>
-            <a:r>
-              <a:rPr lang="en-US" dirty="0" err="1" smtClean="0">
-                <a:latin typeface="Roboto Light" pitchFamily="2" charset="0"/>
-                <a:ea typeface="Roboto Light" pitchFamily="2" charset="0"/>
-              </a:rPr>
-              <a:t>Django</a:t>
-            </a:r>
-            <a:r>
-              <a:rPr lang="en-US" dirty="0" smtClean="0">
-                <a:latin typeface="Roboto Light" pitchFamily="2" charset="0"/>
-                <a:ea typeface="Roboto Light" pitchFamily="2" charset="0"/>
-              </a:rPr>
-              <a:t> or Pylons web framework.</a:t>
-            </a:r>
-            <a:endParaRPr lang="en-US" dirty="0">
-              <a:latin typeface="Roboto Thin" pitchFamily="2" charset="0"/>
-              <a:ea typeface="Roboto Thin" pitchFamily="2" charset="0"/>
-            </a:endParaRPr>
-          </a:p>
-        </p:txBody>
-      </p:sp>
+          </p:spPr>
+        </p:pic>
+        <p:grpSp>
+          <p:nvGrpSpPr>
+            <p:cNvPr id="5" name="Group 4"/>
+            <p:cNvGrpSpPr/>
+            <p:nvPr/>
+          </p:nvGrpSpPr>
+          <p:grpSpPr>
+            <a:xfrm>
+              <a:off x="6043613" y="2100261"/>
+              <a:ext cx="6107132" cy="4579857"/>
+              <a:chOff x="6043613" y="2100261"/>
+              <a:chExt cx="6107132" cy="4579857"/>
+            </a:xfrm>
+          </p:grpSpPr>
+          <p:pic>
+            <p:nvPicPr>
+              <p:cNvPr id="7" name="Picture 3"/>
+              <p:cNvPicPr>
+                <a:picLocks noChangeAspect="1" noChangeArrowheads="1"/>
+              </p:cNvPicPr>
+              <p:nvPr/>
+            </p:nvPicPr>
+            <p:blipFill rotWithShape="1">
+              <a:blip r:embed="rId2">
+                <a:extLst>
+                  <a:ext uri="{28A0092B-C50C-407E-A947-70E740481C1C}">
+                    <a14:useLocalDpi xmlns:a14="http://schemas.microsoft.com/office/drawing/2010/main" val="0"/>
+                  </a:ext>
+                </a:extLst>
+              </a:blip>
+              <a:srcRect l="695" t="2709" r="51490" b="30335"/>
+              <a:stretch/>
+            </p:blipFill>
+            <p:spPr bwMode="auto">
+              <a:xfrm>
+                <a:off x="6043613" y="2100261"/>
+                <a:ext cx="5093672" cy="4579857"/>
+              </a:xfrm>
+              <a:prstGeom prst="rect">
+                <a:avLst/>
+              </a:prstGeom>
+              <a:noFill/>
+              <a:ln>
+                <a:noFill/>
+              </a:ln>
+              <a:effectLst/>
+              <a:extLst>
+                <a:ext uri="{909E8E84-426E-40DD-AFC4-6F175D3DCCD1}">
+                  <a14:hiddenFill xmlns:a14="http://schemas.microsoft.com/office/drawing/2010/main">
+                    <a:solidFill>
+                      <a:schemeClr val="accent1"/>
+                    </a:solidFill>
+                  </a14:hiddenFill>
+                </a:ext>
+                <a:ext uri="{91240B29-F687-4F45-9708-019B960494DF}">
+                  <a14:hiddenLine xmlns:a14="http://schemas.microsoft.com/office/drawing/2010/main" w="9525">
+                    <a:solidFill>
+                      <a:schemeClr val="tx1"/>
+                    </a:solidFill>
+                    <a:miter lim="800000"/>
+                    <a:headEnd/>
+                    <a:tailEnd/>
+                  </a14:hiddenLine>
+                </a:ext>
+                <a:ext uri="{AF507438-7753-43E0-B8FC-AC1667EBCBE1}">
+                  <a14:hiddenEffects xmlns:a14="http://schemas.microsoft.com/office/drawing/2010/main">
+                    <a:effectLst>
+                      <a:outerShdw dist="35921" dir="2700000" algn="ctr" rotWithShape="0">
+                        <a:schemeClr val="bg2"/>
+                      </a:outerShdw>
+                    </a:effectLst>
+                  </a14:hiddenEffects>
+                </a:ext>
+              </a:extLst>
+            </p:spPr>
+          </p:pic>
+          <p:sp>
+            <p:nvSpPr>
+              <p:cNvPr id="4" name="TextBox 3"/>
+              <p:cNvSpPr txBox="1"/>
+              <p:nvPr/>
+            </p:nvSpPr>
+            <p:spPr>
+              <a:xfrm>
+                <a:off x="9603909" y="2245042"/>
+                <a:ext cx="2546836" cy="1477328"/>
+              </a:xfrm>
+              <a:prstGeom prst="rect">
+                <a:avLst/>
+              </a:prstGeom>
+              <a:noFill/>
+            </p:spPr>
+            <p:txBody>
+              <a:bodyPr wrap="square" rtlCol="0">
+                <a:spAutoFit/>
+              </a:bodyPr>
+              <a:lstStyle/>
+              <a:p>
+                <a:r>
+                  <a:rPr lang="en-US" dirty="0" smtClean="0">
+                    <a:latin typeface="Roboto Light" pitchFamily="2" charset="0"/>
+                    <a:ea typeface="Roboto Light" pitchFamily="2" charset="0"/>
+                  </a:rPr>
+                  <a:t>Currently using Flask web framework. Planned move to either </a:t>
+                </a:r>
+                <a:r>
+                  <a:rPr lang="en-US" dirty="0" err="1" smtClean="0">
+                    <a:latin typeface="Roboto Light" pitchFamily="2" charset="0"/>
+                    <a:ea typeface="Roboto Light" pitchFamily="2" charset="0"/>
+                  </a:rPr>
+                  <a:t>Django</a:t>
+                </a:r>
+                <a:r>
+                  <a:rPr lang="en-US" dirty="0" smtClean="0">
+                    <a:latin typeface="Roboto Light" pitchFamily="2" charset="0"/>
+                    <a:ea typeface="Roboto Light" pitchFamily="2" charset="0"/>
+                  </a:rPr>
+                  <a:t> or Pylons web framework.</a:t>
+                </a:r>
+                <a:endParaRPr lang="en-US" dirty="0">
+                  <a:latin typeface="Roboto Thin" pitchFamily="2" charset="0"/>
+                  <a:ea typeface="Roboto Thin" pitchFamily="2" charset="0"/>
+                </a:endParaRPr>
+              </a:p>
+            </p:txBody>
+          </p:sp>
+        </p:grpSp>
+      </p:grpSp>
     </p:spTree>
     <p:extLst>
       <p:ext uri="{BB962C8B-B14F-4D97-AF65-F5344CB8AC3E}">
@@ -9274,9 +9365,18 @@
   <p:clrMapOvr>
     <a:masterClrMapping/>
   </p:clrMapOvr>
-  <p:transition spd="slow">
-    <p:push dir="u"/>
-  </p:transition>
+  <mc:AlternateContent xmlns:mc="http://schemas.openxmlformats.org/markup-compatibility/2006">
+    <mc:Choice xmlns:p14="http://schemas.microsoft.com/office/powerpoint/2010/main" Requires="p14">
+      <p:transition spd="slow" p14:dur="1500">
+        <p14:window dir="vert"/>
+      </p:transition>
+    </mc:Choice>
+    <mc:Fallback>
+      <p:transition spd="slow">
+        <p:fade/>
+      </p:transition>
+    </mc:Fallback>
+  </mc:AlternateContent>
   <p:timing>
     <p:tnLst>
       <p:par>
@@ -9311,7 +9411,7 @@
                                           </p:stCondLst>
                                         </p:cTn>
                                         <p:tgtEl>
-                                          <p:spTgt spid="7"/>
+                                          <p:spTgt spid="6"/>
                                         </p:tgtEl>
                                         <p:attrNameLst>
                                           <p:attrName>style.visibility</p:attrName>
@@ -9325,7 +9425,7 @@
                                       <p:cBhvr>
                                         <p:cTn id="7" dur="1000"/>
                                         <p:tgtEl>
-                                          <p:spTgt spid="7"/>
+                                          <p:spTgt spid="6"/>
                                         </p:tgtEl>
                                       </p:cBhvr>
                                     </p:animEffect>
@@ -9333,7 +9433,7 @@
                                       <p:cBhvr>
                                         <p:cTn id="8" dur="1000" fill="hold"/>
                                         <p:tgtEl>
-                                          <p:spTgt spid="7"/>
+                                          <p:spTgt spid="6"/>
                                         </p:tgtEl>
                                         <p:attrNameLst>
                                           <p:attrName>ppt_x</p:attrName>
@@ -9356,106 +9456,7 @@
                                       <p:cBhvr>
                                         <p:cTn id="9" dur="1000" fill="hold"/>
                                         <p:tgtEl>
-                                          <p:spTgt spid="7"/>
-                                        </p:tgtEl>
-                                        <p:attrNameLst>
-                                          <p:attrName>ppt_y</p:attrName>
-                                        </p:attrNameLst>
-                                      </p:cBhvr>
-                                      <p:tavLst>
-                                        <p:tav tm="0">
-                                          <p:val>
-                                            <p:strVal val="#ppt_y+.1"/>
-                                          </p:val>
-                                        </p:tav>
-                                        <p:tav tm="100000">
-                                          <p:val>
-                                            <p:strVal val="#ppt_y"/>
-                                          </p:val>
-                                        </p:tav>
-                                      </p:tavLst>
-                                    </p:anim>
-                                  </p:childTnLst>
-                                </p:cTn>
-                              </p:par>
-                            </p:childTnLst>
-                          </p:cTn>
-                        </p:par>
-                      </p:childTnLst>
-                    </p:cTn>
-                  </p:par>
-                  <p:par>
-                    <p:cTn id="10" fill="hold">
-                      <p:stCondLst>
-                        <p:cond delay="indefinite"/>
-                      </p:stCondLst>
-                      <p:childTnLst>
-                        <p:par>
-                          <p:cTn id="11" fill="hold">
-                            <p:stCondLst>
-                              <p:cond delay="0"/>
-                            </p:stCondLst>
-                            <p:childTnLst>
-                              <p:par>
-                                <p:cTn id="12" presetID="42" presetClass="entr" presetSubtype="0" fill="hold" nodeType="clickEffect">
-                                  <p:stCondLst>
-                                    <p:cond delay="0"/>
-                                  </p:stCondLst>
-                                  <p:childTnLst>
-                                    <p:set>
-                                      <p:cBhvr>
-                                        <p:cTn id="13" dur="1" fill="hold">
-                                          <p:stCondLst>
-                                            <p:cond delay="0"/>
-                                          </p:stCondLst>
-                                        </p:cTn>
-                                        <p:tgtEl>
-                                          <p:spTgt spid="10"/>
-                                        </p:tgtEl>
-                                        <p:attrNameLst>
-                                          <p:attrName>style.visibility</p:attrName>
-                                        </p:attrNameLst>
-                                      </p:cBhvr>
-                                      <p:to>
-                                        <p:strVal val="visible"/>
-                                      </p:to>
-                                    </p:set>
-                                    <p:animEffect transition="in" filter="fade">
-                                      <p:cBhvr>
-                                        <p:cTn id="14" dur="1000"/>
-                                        <p:tgtEl>
-                                          <p:spTgt spid="10"/>
-                                        </p:tgtEl>
-                                      </p:cBhvr>
-                                    </p:animEffect>
-                                    <p:anim calcmode="lin" valueType="num">
-                                      <p:cBhvr>
-                                        <p:cTn id="15" dur="1000" fill="hold"/>
-                                        <p:tgtEl>
-                                          <p:spTgt spid="10"/>
-                                        </p:tgtEl>
-                                        <p:attrNameLst>
-                                          <p:attrName>ppt_x</p:attrName>
-                                        </p:attrNameLst>
-                                      </p:cBhvr>
-                                      <p:tavLst>
-                                        <p:tav tm="0">
-                                          <p:val>
-                                            <p:strVal val="#ppt_x"/>
-                                          </p:val>
-                                        </p:tav>
-                                        <p:tav tm="100000">
-                                          <p:val>
-                                            <p:strVal val="#ppt_x"/>
-                                          </p:val>
-                                        </p:tav>
-                                      </p:tavLst>
-                                    </p:anim>
-                                    <p:anim calcmode="lin" valueType="num">
-                                      <p:cBhvr>
-                                        <p:cTn id="16" dur="1000" fill="hold"/>
-                                        <p:tgtEl>
-                                          <p:spTgt spid="10"/>
+                                          <p:spTgt spid="6"/>
                                         </p:tgtEl>
                                         <p:attrNameLst>
                                           <p:attrName>ppt_y</p:attrName>
@@ -9666,9 +9667,18 @@
   <p:clrMapOvr>
     <a:masterClrMapping/>
   </p:clrMapOvr>
-  <p:transition spd="slow">
-    <p:push dir="u"/>
-  </p:transition>
+  <mc:AlternateContent xmlns:mc="http://schemas.openxmlformats.org/markup-compatibility/2006">
+    <mc:Choice xmlns:p14="http://schemas.microsoft.com/office/powerpoint/2010/main" Requires="p14">
+      <p:transition spd="slow" p14:dur="1600">
+        <p14:prism isContent="1" isInverted="1"/>
+      </p:transition>
+    </mc:Choice>
+    <mc:Fallback>
+      <p:transition spd="slow">
+        <p:fade/>
+      </p:transition>
+    </mc:Fallback>
+  </mc:AlternateContent>
   <p:timing>
     <p:tnLst>
       <p:par>
@@ -9910,7 +9920,7 @@
   <a:extraClrSchemeLst/>
   <a:extLst>
     <a:ext uri="{05A4C25C-085E-4340-85A3-A5531E510DB2}">
-      <thm15:themeFamily xmlns="" xmlns:thm15="http://schemas.microsoft.com/office/thememl/2012/main" name="Quotable" id="{39EC5628-30ED-4578-ACD8-9820EDB8E15A}" vid="{6F3559E9-1A4C-49D8-94D4-F41003531C49}"/>
+      <thm15:themeFamily xmlns:thm15="http://schemas.microsoft.com/office/thememl/2012/main" xmlns="" name="Quotable" id="{39EC5628-30ED-4578-ACD8-9820EDB8E15A}" vid="{6F3559E9-1A4C-49D8-94D4-F41003531C49}"/>
     </a:ext>
   </a:extLst>
 </a:theme>
